--- a/Slides/Progr_Funcional_Deleg/Paradigma_Funcional_Del_Mut.pptx
+++ b/Slides/Progr_Funcional_Deleg/Paradigma_Funcional_Del_Mut.pptx
@@ -19,19 +19,23 @@
     <p:sldId id="1066" r:id="rId13"/>
     <p:sldId id="1069" r:id="rId14"/>
     <p:sldId id="1068" r:id="rId15"/>
-    <p:sldId id="267" r:id="rId16"/>
-    <p:sldId id="269" r:id="rId17"/>
-    <p:sldId id="285" r:id="rId18"/>
-    <p:sldId id="270" r:id="rId19"/>
-    <p:sldId id="286" r:id="rId20"/>
-    <p:sldId id="262" r:id="rId21"/>
-    <p:sldId id="263" r:id="rId22"/>
-    <p:sldId id="282" r:id="rId23"/>
-    <p:sldId id="276" r:id="rId24"/>
-    <p:sldId id="277" r:id="rId25"/>
-    <p:sldId id="281" r:id="rId26"/>
-    <p:sldId id="274" r:id="rId27"/>
-    <p:sldId id="275" r:id="rId28"/>
+    <p:sldId id="1100" r:id="rId16"/>
+    <p:sldId id="267" r:id="rId17"/>
+    <p:sldId id="269" r:id="rId18"/>
+    <p:sldId id="285" r:id="rId19"/>
+    <p:sldId id="270" r:id="rId20"/>
+    <p:sldId id="286" r:id="rId21"/>
+    <p:sldId id="1101" r:id="rId22"/>
+    <p:sldId id="1102" r:id="rId23"/>
+    <p:sldId id="1103" r:id="rId24"/>
+    <p:sldId id="262" r:id="rId25"/>
+    <p:sldId id="263" r:id="rId26"/>
+    <p:sldId id="282" r:id="rId27"/>
+    <p:sldId id="276" r:id="rId28"/>
+    <p:sldId id="277" r:id="rId29"/>
+    <p:sldId id="281" r:id="rId30"/>
+    <p:sldId id="274" r:id="rId31"/>
+    <p:sldId id="275" r:id="rId32"/>
   </p:sldIdLst>
   <p:sldSz cx="12192000" cy="6858000"/>
   <p:notesSz cx="6858000" cy="9144000"/>
@@ -140,6 +144,60 @@
 
 <file path=ppt/changesInfos/changesInfo1.xml><?xml version="1.0" encoding="utf-8"?>
 <pc:chgInfo xmlns:a="http://schemas.openxmlformats.org/drawingml/2006/main" xmlns:r="http://schemas.openxmlformats.org/officeDocument/2006/relationships" xmlns:ac="http://schemas.microsoft.com/office/drawing/2013/main/command" xmlns:pc="http://schemas.microsoft.com/office/powerpoint/2013/main/command">
+  <pc:docChgLst>
+    <pc:chgData name="Cesar Augusto Lopez Gallego" userId="0dfa9112-9251-4882-b472-cf2dfcee09d1" providerId="ADAL" clId="{35747E75-FF6C-4AC5-9ECF-8AFF54C46588}"/>
+    <pc:docChg chg="custSel modSld">
+      <pc:chgData name="Cesar Augusto Lopez Gallego" userId="0dfa9112-9251-4882-b472-cf2dfcee09d1" providerId="ADAL" clId="{35747E75-FF6C-4AC5-9ECF-8AFF54C46588}" dt="2025-07-24T14:01:15.983" v="15" actId="404"/>
+      <pc:docMkLst>
+        <pc:docMk/>
+      </pc:docMkLst>
+      <pc:sldChg chg="modSp mod">
+        <pc:chgData name="Cesar Augusto Lopez Gallego" userId="0dfa9112-9251-4882-b472-cf2dfcee09d1" providerId="ADAL" clId="{35747E75-FF6C-4AC5-9ECF-8AFF54C46588}" dt="2025-07-24T14:01:15.983" v="15" actId="404"/>
+        <pc:sldMkLst>
+          <pc:docMk/>
+          <pc:sldMk cId="2360441705" sldId="1101"/>
+        </pc:sldMkLst>
+        <pc:spChg chg="mod">
+          <ac:chgData name="Cesar Augusto Lopez Gallego" userId="0dfa9112-9251-4882-b472-cf2dfcee09d1" providerId="ADAL" clId="{35747E75-FF6C-4AC5-9ECF-8AFF54C46588}" dt="2025-07-24T14:01:15.983" v="15" actId="404"/>
+          <ac:spMkLst>
+            <pc:docMk/>
+            <pc:sldMk cId="2360441705" sldId="1101"/>
+            <ac:spMk id="2" creationId="{8BD5FFC4-5E6E-4CEE-813A-D884A3C81A5E}"/>
+          </ac:spMkLst>
+        </pc:spChg>
+      </pc:sldChg>
+      <pc:sldChg chg="modSp mod">
+        <pc:chgData name="Cesar Augusto Lopez Gallego" userId="0dfa9112-9251-4882-b472-cf2dfcee09d1" providerId="ADAL" clId="{35747E75-FF6C-4AC5-9ECF-8AFF54C46588}" dt="2025-07-24T14:01:09.855" v="13" actId="404"/>
+        <pc:sldMkLst>
+          <pc:docMk/>
+          <pc:sldMk cId="2196511452" sldId="1102"/>
+        </pc:sldMkLst>
+        <pc:spChg chg="mod">
+          <ac:chgData name="Cesar Augusto Lopez Gallego" userId="0dfa9112-9251-4882-b472-cf2dfcee09d1" providerId="ADAL" clId="{35747E75-FF6C-4AC5-9ECF-8AFF54C46588}" dt="2025-07-24T14:01:09.855" v="13" actId="404"/>
+          <ac:spMkLst>
+            <pc:docMk/>
+            <pc:sldMk cId="2196511452" sldId="1102"/>
+            <ac:spMk id="2" creationId="{8BD5FFC4-5E6E-4CEE-813A-D884A3C81A5E}"/>
+          </ac:spMkLst>
+        </pc:spChg>
+      </pc:sldChg>
+      <pc:sldChg chg="modSp mod">
+        <pc:chgData name="Cesar Augusto Lopez Gallego" userId="0dfa9112-9251-4882-b472-cf2dfcee09d1" providerId="ADAL" clId="{35747E75-FF6C-4AC5-9ECF-8AFF54C46588}" dt="2025-07-24T14:01:02.805" v="11" actId="14100"/>
+        <pc:sldMkLst>
+          <pc:docMk/>
+          <pc:sldMk cId="686400249" sldId="1103"/>
+        </pc:sldMkLst>
+        <pc:spChg chg="mod">
+          <ac:chgData name="Cesar Augusto Lopez Gallego" userId="0dfa9112-9251-4882-b472-cf2dfcee09d1" providerId="ADAL" clId="{35747E75-FF6C-4AC5-9ECF-8AFF54C46588}" dt="2025-07-24T14:01:02.805" v="11" actId="14100"/>
+          <ac:spMkLst>
+            <pc:docMk/>
+            <pc:sldMk cId="686400249" sldId="1103"/>
+            <ac:spMk id="2" creationId="{8BD5FFC4-5E6E-4CEE-813A-D884A3C81A5E}"/>
+          </ac:spMkLst>
+        </pc:spChg>
+      </pc:sldChg>
+    </pc:docChg>
+  </pc:docChgLst>
   <pc:docChgLst>
     <pc:chgData name="Cesar Augusto Lopez Gallego" userId="0dfa9112-9251-4882-b472-cf2dfcee09d1" providerId="ADAL" clId="{73C44923-7076-456E-826D-94D69041CB0C}"/>
     <pc:docChg chg="undo redo custSel addSld delSld modSld sldOrd">
@@ -2693,7 +2751,7 @@
           <a:p>
             <a:fld id="{655A5808-3B61-48CC-92EF-85AC2E0DFA56}" type="datetime2">
               <a:rPr lang="en-US" smtClean="0"/>
-              <a:t>Friday, January 17, 2025</a:t>
+              <a:t>Thursday, July 24, 2025</a:t>
             </a:fld>
             <a:endParaRPr lang="en-US"/>
           </a:p>
@@ -2891,7 +2949,7 @@
           <a:p>
             <a:fld id="{735E98AF-4574-4509-BF7A-519ACD5BF826}" type="datetime2">
               <a:rPr lang="en-US" smtClean="0"/>
-              <a:t>Friday, January 17, 2025</a:t>
+              <a:t>Thursday, July 24, 2025</a:t>
             </a:fld>
             <a:endParaRPr lang="en-US"/>
           </a:p>
@@ -3101,7 +3159,7 @@
           <a:p>
             <a:fld id="{93DD97D4-9636-490F-85D0-E926C2B6F3B1}" type="datetime2">
               <a:rPr lang="en-US" smtClean="0"/>
-              <a:t>Friday, January 17, 2025</a:t>
+              <a:t>Thursday, July 24, 2025</a:t>
             </a:fld>
             <a:endParaRPr lang="en-US"/>
           </a:p>
@@ -3481,7 +3539,7 @@
                 </a:solidFill>
               </a:rPr>
               <a:pPr/>
-              <a:t>17/01/2025</a:t>
+              <a:t>24/07/2025</a:t>
             </a:fld>
             <a:endParaRPr lang="es-CO">
               <a:solidFill>
@@ -3683,7 +3741,7 @@
                 </a:solidFill>
               </a:rPr>
               <a:pPr/>
-              <a:t>17/01/2025</a:t>
+              <a:t>24/07/2025</a:t>
             </a:fld>
             <a:endParaRPr lang="es-CO">
               <a:solidFill>
@@ -3961,7 +4019,7 @@
                 </a:solidFill>
               </a:rPr>
               <a:pPr/>
-              <a:t>17/01/2025</a:t>
+              <a:t>24/07/2025</a:t>
             </a:fld>
             <a:endParaRPr lang="es-CO">
               <a:solidFill>
@@ -4225,7 +4283,7 @@
                 </a:solidFill>
               </a:rPr>
               <a:pPr/>
-              <a:t>17/01/2025</a:t>
+              <a:t>24/07/2025</a:t>
             </a:fld>
             <a:endParaRPr lang="es-CO">
               <a:solidFill>
@@ -4624,7 +4682,7 @@
                 </a:solidFill>
               </a:rPr>
               <a:pPr/>
-              <a:t>17/01/2025</a:t>
+              <a:t>24/07/2025</a:t>
             </a:fld>
             <a:endParaRPr lang="es-CO">
               <a:solidFill>
@@ -4774,7 +4832,7 @@
                 </a:solidFill>
               </a:rPr>
               <a:pPr/>
-              <a:t>17/01/2025</a:t>
+              <a:t>24/07/2025</a:t>
             </a:fld>
             <a:endParaRPr lang="es-CO">
               <a:solidFill>
@@ -4901,7 +4959,7 @@
                 </a:solidFill>
               </a:rPr>
               <a:pPr/>
-              <a:t>17/01/2025</a:t>
+              <a:t>24/07/2025</a:t>
             </a:fld>
             <a:endParaRPr lang="es-CO">
               <a:solidFill>
@@ -5113,7 +5171,7 @@
           <a:p>
             <a:fld id="{2F3AF3C6-0FD4-4939-991C-00DDE5C56815}" type="datetime2">
               <a:rPr lang="en-US" smtClean="0"/>
-              <a:t>Friday, January 17, 2025</a:t>
+              <a:t>Thursday, July 24, 2025</a:t>
             </a:fld>
             <a:endParaRPr lang="en-US"/>
           </a:p>
@@ -5409,7 +5467,7 @@
                 </a:solidFill>
               </a:rPr>
               <a:pPr/>
-              <a:t>17/01/2025</a:t>
+              <a:t>24/07/2025</a:t>
             </a:fld>
             <a:endParaRPr lang="es-CO">
               <a:solidFill>
@@ -5698,7 +5756,7 @@
                 </a:solidFill>
               </a:rPr>
               <a:pPr/>
-              <a:t>17/01/2025</a:t>
+              <a:t>24/07/2025</a:t>
             </a:fld>
             <a:endParaRPr lang="es-CO">
               <a:solidFill>
@@ -5900,7 +5958,7 @@
                 </a:solidFill>
               </a:rPr>
               <a:pPr/>
-              <a:t>17/01/2025</a:t>
+              <a:t>24/07/2025</a:t>
             </a:fld>
             <a:endParaRPr lang="es-CO">
               <a:solidFill>
@@ -6112,7 +6170,7 @@
                 </a:solidFill>
               </a:rPr>
               <a:pPr/>
-              <a:t>17/01/2025</a:t>
+              <a:t>24/07/2025</a:t>
             </a:fld>
             <a:endParaRPr lang="es-CO">
               <a:solidFill>
@@ -6406,7 +6464,7 @@
           <a:p>
             <a:fld id="{86807482-8128-47C6-A8DD-6452B0291CFF}" type="datetime2">
               <a:rPr lang="en-US" smtClean="0"/>
-              <a:t>Friday, January 17, 2025</a:t>
+              <a:t>Thursday, July 24, 2025</a:t>
             </a:fld>
             <a:endParaRPr lang="en-US"/>
           </a:p>
@@ -6674,7 +6732,7 @@
           <a:p>
             <a:fld id="{37903F25-275E-41DE-BE3B-EBF0DB49F9B1}" type="datetime2">
               <a:rPr lang="en-US" smtClean="0"/>
-              <a:t>Friday, January 17, 2025</a:t>
+              <a:t>Thursday, July 24, 2025</a:t>
             </a:fld>
             <a:endParaRPr lang="en-US"/>
           </a:p>
@@ -7055,7 +7113,7 @@
           <a:p>
             <a:fld id="{EE475572-4A44-4171-84AA-64D42C8050A6}" type="datetime2">
               <a:rPr lang="en-US" smtClean="0"/>
-              <a:t>Friday, January 17, 2025</a:t>
+              <a:t>Thursday, July 24, 2025</a:t>
             </a:fld>
             <a:endParaRPr lang="en-US"/>
           </a:p>
@@ -7225,7 +7283,7 @@
           <a:p>
             <a:fld id="{C4C1612E-528E-4FD5-9E9E-E15F1108F171}" type="datetime2">
               <a:rPr lang="en-US" smtClean="0"/>
-              <a:t>Friday, January 17, 2025</a:t>
+              <a:t>Thursday, July 24, 2025</a:t>
             </a:fld>
             <a:endParaRPr lang="en-US"/>
           </a:p>
@@ -7338,7 +7396,7 @@
           <a:p>
             <a:fld id="{D4F6D862-A06D-436F-A92E-EBAAD50B6E50}" type="datetime2">
               <a:rPr lang="en-US" smtClean="0"/>
-              <a:t>Friday, January 17, 2025</a:t>
+              <a:t>Thursday, July 24, 2025</a:t>
             </a:fld>
             <a:endParaRPr lang="en-US"/>
           </a:p>
@@ -7655,7 +7713,7 @@
           <a:p>
             <a:fld id="{B73E0B7D-2260-4809-8F0A-9E5F3E24F169}" type="datetime2">
               <a:rPr lang="en-US" smtClean="0"/>
-              <a:t>Friday, January 17, 2025</a:t>
+              <a:t>Thursday, July 24, 2025</a:t>
             </a:fld>
             <a:endParaRPr lang="en-US"/>
           </a:p>
@@ -7947,7 +8005,7 @@
           <a:p>
             <a:fld id="{3C8E4735-C637-46A3-94EB-AB3AC4188D2F}" type="datetime2">
               <a:rPr lang="en-US" smtClean="0"/>
-              <a:t>Friday, January 17, 2025</a:t>
+              <a:t>Thursday, July 24, 2025</a:t>
             </a:fld>
             <a:endParaRPr lang="en-US"/>
           </a:p>
@@ -8315,7 +8373,7 @@
             <a:fld id="{AE0C963C-C1DB-4AFD-9DDC-0691666BF49B}" type="datetime2">
               <a:rPr lang="en-US" smtClean="0"/>
               <a:pPr/>
-              <a:t>Friday, January 17, 2025</a:t>
+              <a:t>Thursday, July 24, 2025</a:t>
             </a:fld>
             <a:endParaRPr lang="en-US" cap="all" dirty="0"/>
           </a:p>
@@ -8884,7 +8942,7 @@
                 </a:solidFill>
               </a:rPr>
               <a:pPr/>
-              <a:t>17/01/2025</a:t>
+              <a:t>24/07/2025</a:t>
             </a:fld>
             <a:endParaRPr lang="es-CO">
               <a:solidFill>
@@ -10624,7 +10682,7 @@
           <p:cNvPr id="2" name="Título 1">
             <a:extLst>
               <a:ext uri="{FF2B5EF4-FFF2-40B4-BE49-F238E27FC236}">
-                <a16:creationId xmlns:a16="http://schemas.microsoft.com/office/drawing/2014/main" id="{5938567D-2FE0-485C-AD1D-E70A6F205434}"/>
+                <a16:creationId xmlns:a16="http://schemas.microsoft.com/office/drawing/2014/main" id="{8BD5FFC4-5E6E-4CEE-813A-D884A3C81A5E}"/>
               </a:ext>
             </a:extLst>
           </p:cNvPr>
@@ -10635,155 +10693,673 @@
             <p:ph type="title"/>
           </p:nvPr>
         </p:nvSpPr>
-        <p:spPr/>
+        <p:spPr>
+          <a:xfrm>
+            <a:off x="558152" y="274512"/>
+            <a:ext cx="9559128" cy="1325563"/>
+          </a:xfrm>
+        </p:spPr>
         <p:txBody>
           <a:bodyPr/>
           <a:lstStyle/>
           <a:p>
             <a:r>
               <a:rPr lang="es-ES" dirty="0"/>
-              <a:t>expresiones lambda con delegados</a:t>
-            </a:r>
-            <a:endParaRPr lang="es-CO" dirty="0"/>
-          </a:p>
-        </p:txBody>
-      </p:sp>
-      <p:sp>
-        <p:nvSpPr>
-          <p:cNvPr id="3" name="Marcador de contenido 2">
+              <a:t>Ejemplo delegado con función normal</a:t>
+            </a:r>
+            <a:endParaRPr lang="es-419" dirty="0"/>
+          </a:p>
+        </p:txBody>
+      </p:sp>
+      <p:sp>
+        <p:nvSpPr>
+          <p:cNvPr id="5" name="CuadroTexto 4">
             <a:extLst>
               <a:ext uri="{FF2B5EF4-FFF2-40B4-BE49-F238E27FC236}">
-                <a16:creationId xmlns:a16="http://schemas.microsoft.com/office/drawing/2014/main" id="{93A80614-F9FA-4EDA-9679-EF2223AF691E}"/>
+                <a16:creationId xmlns:a16="http://schemas.microsoft.com/office/drawing/2014/main" id="{1B298821-5435-4086-9443-5B609AE49187}"/>
               </a:ext>
             </a:extLst>
           </p:cNvPr>
-          <p:cNvSpPr>
-            <a:spLocks noGrp="1"/>
-          </p:cNvSpPr>
-          <p:nvPr>
-            <p:ph idx="1"/>
-          </p:nvPr>
+          <p:cNvSpPr txBox="1"/>
+          <p:nvPr/>
         </p:nvSpPr>
         <p:spPr>
           <a:xfrm>
-            <a:off x="1371600" y="2390434"/>
-            <a:ext cx="10241280" cy="3025220"/>
+            <a:off x="5137117" y="1458154"/>
+            <a:ext cx="4524340" cy="5307607"/>
           </a:xfrm>
+          <a:prstGeom prst="rect">
+            <a:avLst/>
+          </a:prstGeom>
+          <a:noFill/>
         </p:spPr>
         <p:txBody>
-          <a:bodyPr>
-            <a:normAutofit/>
+          <a:bodyPr wrap="square">
+            <a:spAutoFit/>
           </a:bodyPr>
           <a:lstStyle/>
           <a:p>
             <a:r>
-              <a:rPr lang="es-ES" sz="2000" dirty="0">
-                <a:solidFill>
-                  <a:srgbClr val="161616"/>
-                </a:solidFill>
-                <a:latin typeface="Segoe UI" panose="020B0502040204020203" pitchFamily="34" charset="0"/>
-              </a:rPr>
-              <a:t>S</a:t>
-            </a:r>
-            <a:r>
-              <a:rPr lang="es-ES" sz="2000" b="0" i="0" dirty="0">
-                <a:solidFill>
-                  <a:srgbClr val="161616"/>
-                </a:solidFill>
-                <a:effectLst/>
-                <a:latin typeface="Segoe UI" panose="020B0502040204020203" pitchFamily="34" charset="0"/>
-              </a:rPr>
-              <a:t>e define según los tipos de sus parámetros y el valor devuelto.</a:t>
-            </a:r>
-          </a:p>
-          <a:p>
-            <a:r>
-              <a:rPr lang="es-ES" sz="2000" dirty="0">
-                <a:solidFill>
-                  <a:srgbClr val="161616"/>
-                </a:solidFill>
-                <a:latin typeface="Segoe UI" panose="020B0502040204020203" pitchFamily="34" charset="0"/>
-              </a:rPr>
-              <a:t>Si una expresión lambda </a:t>
-            </a:r>
-            <a:r>
-              <a:rPr lang="es-ES" b="1" u="sng" dirty="0">
-                <a:solidFill>
-                  <a:srgbClr val="FF0000"/>
-                </a:solidFill>
-                <a:latin typeface="Segoe UI" panose="020B0502040204020203" pitchFamily="34" charset="0"/>
-              </a:rPr>
-              <a:t>no devuelve un valor</a:t>
-            </a:r>
-            <a:r>
-              <a:rPr lang="es-ES" sz="2000" dirty="0">
-                <a:solidFill>
-                  <a:srgbClr val="161616"/>
-                </a:solidFill>
-                <a:latin typeface="Segoe UI" panose="020B0502040204020203" pitchFamily="34" charset="0"/>
-              </a:rPr>
-              <a:t>, es representada por los delegados </a:t>
-            </a:r>
-            <a:r>
-              <a:rPr lang="es-ES" sz="2000" dirty="0" err="1">
-                <a:solidFill>
-                  <a:srgbClr val="161616"/>
-                </a:solidFill>
-                <a:latin typeface="Segoe UI" panose="020B0502040204020203" pitchFamily="34" charset="0"/>
-              </a:rPr>
-              <a:t>Action</a:t>
-            </a:r>
-            <a:r>
-              <a:rPr lang="es-ES" sz="2000" dirty="0">
-                <a:solidFill>
-                  <a:srgbClr val="161616"/>
-                </a:solidFill>
-                <a:latin typeface="Segoe UI" panose="020B0502040204020203" pitchFamily="34" charset="0"/>
-              </a:rPr>
-              <a:t>&lt;&gt;</a:t>
-            </a:r>
-          </a:p>
-          <a:p>
-            <a:r>
-              <a:rPr lang="es-ES" sz="2000" dirty="0">
-                <a:solidFill>
-                  <a:srgbClr val="161616"/>
-                </a:solidFill>
-                <a:latin typeface="Segoe UI" panose="020B0502040204020203" pitchFamily="34" charset="0"/>
-              </a:rPr>
-              <a:t>Si una expresión lambda </a:t>
-            </a:r>
-            <a:r>
-              <a:rPr lang="es-ES" b="1" u="sng" dirty="0">
-                <a:solidFill>
-                  <a:srgbClr val="00B050"/>
-                </a:solidFill>
-                <a:latin typeface="Segoe UI" panose="020B0502040204020203" pitchFamily="34" charset="0"/>
-              </a:rPr>
-              <a:t>devuelve un valor</a:t>
-            </a:r>
-            <a:r>
-              <a:rPr lang="es-ES" sz="2000" dirty="0">
-                <a:solidFill>
-                  <a:srgbClr val="161616"/>
-                </a:solidFill>
-                <a:latin typeface="Segoe UI" panose="020B0502040204020203" pitchFamily="34" charset="0"/>
-              </a:rPr>
-              <a:t>,   es representada por los delegados Func&lt;&gt;</a:t>
-            </a:r>
-            <a:endParaRPr lang="es-CO" sz="2000" dirty="0">
-              <a:solidFill>
-                <a:srgbClr val="161616"/>
-              </a:solidFill>
-              <a:latin typeface="Segoe UI" panose="020B0502040204020203" pitchFamily="34" charset="0"/>
-            </a:endParaRPr>
-          </a:p>
-        </p:txBody>
-      </p:sp>
+              <a:rPr lang="es-419" sz="1412" dirty="0" err="1"/>
+              <a:t>delegate</a:t>
+            </a:r>
+            <a:r>
+              <a:rPr lang="es-419" sz="1412" dirty="0"/>
+              <a:t> </a:t>
+            </a:r>
+            <a:r>
+              <a:rPr lang="es-419" sz="1412" dirty="0" err="1"/>
+              <a:t>bool</a:t>
+            </a:r>
+            <a:r>
+              <a:rPr lang="es-419" sz="1412" dirty="0"/>
+              <a:t> </a:t>
+            </a:r>
+            <a:r>
+              <a:rPr lang="es-419" sz="1412" dirty="0" err="1">
+                <a:highlight>
+                  <a:srgbClr val="FFFF00"/>
+                </a:highlight>
+              </a:rPr>
+              <a:t>VerificadorPrimo</a:t>
+            </a:r>
+            <a:r>
+              <a:rPr lang="es-419" sz="1412" dirty="0"/>
+              <a:t>(</a:t>
+            </a:r>
+            <a:r>
+              <a:rPr lang="es-419" sz="1412" dirty="0" err="1"/>
+              <a:t>int</a:t>
+            </a:r>
+            <a:r>
+              <a:rPr lang="es-419" sz="1412" dirty="0"/>
+              <a:t> numero);</a:t>
+            </a:r>
+          </a:p>
+          <a:p>
+            <a:endParaRPr lang="es-419" sz="1412" dirty="0"/>
+          </a:p>
+          <a:p>
+            <a:r>
+              <a:rPr lang="es-419" sz="1412" dirty="0" err="1"/>
+              <a:t>class</a:t>
+            </a:r>
+            <a:r>
+              <a:rPr lang="es-419" sz="1412" dirty="0"/>
+              <a:t> </a:t>
+            </a:r>
+            <a:r>
+              <a:rPr lang="es-419" sz="1412" dirty="0" err="1"/>
+              <a:t>Program</a:t>
+            </a:r>
+            <a:endParaRPr lang="es-419" sz="1412" dirty="0"/>
+          </a:p>
+          <a:p>
+            <a:r>
+              <a:rPr lang="es-419" sz="1412" dirty="0"/>
+              <a:t>{</a:t>
+            </a:r>
+          </a:p>
+          <a:p>
+            <a:r>
+              <a:rPr lang="es-419" sz="1412" dirty="0"/>
+              <a:t>    </a:t>
+            </a:r>
+            <a:r>
+              <a:rPr lang="es-419" sz="1412" dirty="0" err="1"/>
+              <a:t>static</a:t>
+            </a:r>
+            <a:r>
+              <a:rPr lang="es-419" sz="1412" dirty="0"/>
+              <a:t> </a:t>
+            </a:r>
+            <a:r>
+              <a:rPr lang="es-419" sz="1412" dirty="0" err="1"/>
+              <a:t>void</a:t>
+            </a:r>
+            <a:r>
+              <a:rPr lang="es-419" sz="1412" dirty="0"/>
+              <a:t> </a:t>
+            </a:r>
+            <a:r>
+              <a:rPr lang="es-419" sz="1412" dirty="0" err="1"/>
+              <a:t>Main</a:t>
+            </a:r>
+            <a:r>
+              <a:rPr lang="es-419" sz="1412" dirty="0"/>
+              <a:t>()</a:t>
+            </a:r>
+          </a:p>
+          <a:p>
+            <a:r>
+              <a:rPr lang="es-419" sz="1412" dirty="0"/>
+              <a:t>    {</a:t>
+            </a:r>
+          </a:p>
+          <a:p>
+            <a:r>
+              <a:rPr lang="es-419" sz="1412" dirty="0"/>
+              <a:t>        </a:t>
+            </a:r>
+            <a:r>
+              <a:rPr lang="es-419" sz="1412" dirty="0" err="1">
+                <a:highlight>
+                  <a:srgbClr val="FFFF00"/>
+                </a:highlight>
+              </a:rPr>
+              <a:t>VerificadorPrimo</a:t>
+            </a:r>
+            <a:r>
+              <a:rPr lang="es-419" sz="1412" dirty="0"/>
+              <a:t> </a:t>
+            </a:r>
+            <a:r>
+              <a:rPr lang="es-419" sz="1412" dirty="0" err="1"/>
+              <a:t>d_esPrimo</a:t>
+            </a:r>
+            <a:r>
+              <a:rPr lang="es-419" sz="1412" dirty="0"/>
+              <a:t> = </a:t>
+            </a:r>
+            <a:r>
+              <a:rPr lang="es-419" sz="1412" dirty="0" err="1">
+                <a:highlight>
+                  <a:srgbClr val="00FF00"/>
+                </a:highlight>
+              </a:rPr>
+              <a:t>EsPrimo</a:t>
+            </a:r>
+            <a:r>
+              <a:rPr lang="es-419" sz="1412" dirty="0">
+                <a:highlight>
+                  <a:srgbClr val="00FF00"/>
+                </a:highlight>
+              </a:rPr>
+              <a:t>;</a:t>
+            </a:r>
+          </a:p>
+          <a:p>
+            <a:endParaRPr lang="es-419" sz="1412" dirty="0"/>
+          </a:p>
+          <a:p>
+            <a:r>
+              <a:rPr lang="es-419" sz="1412" dirty="0"/>
+              <a:t>        </a:t>
+            </a:r>
+            <a:r>
+              <a:rPr lang="es-419" sz="1412" dirty="0" err="1"/>
+              <a:t>int</a:t>
+            </a:r>
+            <a:r>
+              <a:rPr lang="es-419" sz="1412" dirty="0"/>
+              <a:t> n = 17;</a:t>
+            </a:r>
+          </a:p>
+          <a:p>
+            <a:r>
+              <a:rPr lang="es-419" sz="1412" dirty="0"/>
+              <a:t>        </a:t>
+            </a:r>
+            <a:r>
+              <a:rPr lang="es-419" sz="1412" dirty="0" err="1"/>
+              <a:t>Console.WriteLine</a:t>
+            </a:r>
+            <a:r>
+              <a:rPr lang="es-419" sz="1412" dirty="0"/>
+              <a:t>($"{n} es primo? {</a:t>
+            </a:r>
+            <a:r>
+              <a:rPr lang="es-419" sz="1412" dirty="0" err="1"/>
+              <a:t>d_esPrimo</a:t>
+            </a:r>
+            <a:r>
+              <a:rPr lang="es-419" sz="1412" dirty="0"/>
+              <a:t>(n)}");</a:t>
+            </a:r>
+          </a:p>
+          <a:p>
+            <a:r>
+              <a:rPr lang="es-419" sz="1412" dirty="0"/>
+              <a:t>    }</a:t>
+            </a:r>
+          </a:p>
+          <a:p>
+            <a:endParaRPr lang="es-419" sz="1412" dirty="0"/>
+          </a:p>
+          <a:p>
+            <a:r>
+              <a:rPr lang="es-419" sz="1412" dirty="0">
+                <a:highlight>
+                  <a:srgbClr val="00FF00"/>
+                </a:highlight>
+              </a:rPr>
+              <a:t>    </a:t>
+            </a:r>
+            <a:r>
+              <a:rPr lang="es-419" sz="1412" dirty="0" err="1">
+                <a:highlight>
+                  <a:srgbClr val="00FF00"/>
+                </a:highlight>
+              </a:rPr>
+              <a:t>static</a:t>
+            </a:r>
+            <a:r>
+              <a:rPr lang="es-419" sz="1412" dirty="0">
+                <a:highlight>
+                  <a:srgbClr val="00FF00"/>
+                </a:highlight>
+              </a:rPr>
+              <a:t> </a:t>
+            </a:r>
+            <a:r>
+              <a:rPr lang="es-419" sz="1412" dirty="0" err="1">
+                <a:highlight>
+                  <a:srgbClr val="00FF00"/>
+                </a:highlight>
+              </a:rPr>
+              <a:t>bool</a:t>
+            </a:r>
+            <a:r>
+              <a:rPr lang="es-419" sz="1412" dirty="0">
+                <a:highlight>
+                  <a:srgbClr val="00FF00"/>
+                </a:highlight>
+              </a:rPr>
+              <a:t> </a:t>
+            </a:r>
+            <a:r>
+              <a:rPr lang="es-419" sz="1412" dirty="0" err="1">
+                <a:highlight>
+                  <a:srgbClr val="00FF00"/>
+                </a:highlight>
+              </a:rPr>
+              <a:t>EsPrimo</a:t>
+            </a:r>
+            <a:r>
+              <a:rPr lang="es-419" sz="1412" dirty="0">
+                <a:highlight>
+                  <a:srgbClr val="00FF00"/>
+                </a:highlight>
+              </a:rPr>
+              <a:t>(</a:t>
+            </a:r>
+            <a:r>
+              <a:rPr lang="es-419" sz="1412" dirty="0" err="1">
+                <a:highlight>
+                  <a:srgbClr val="00FF00"/>
+                </a:highlight>
+              </a:rPr>
+              <a:t>int</a:t>
+            </a:r>
+            <a:r>
+              <a:rPr lang="es-419" sz="1412" dirty="0">
+                <a:highlight>
+                  <a:srgbClr val="00FF00"/>
+                </a:highlight>
+              </a:rPr>
+              <a:t> </a:t>
+            </a:r>
+            <a:r>
+              <a:rPr lang="es-419" sz="1412" dirty="0" err="1">
+                <a:highlight>
+                  <a:srgbClr val="00FF00"/>
+                </a:highlight>
+              </a:rPr>
+              <a:t>num</a:t>
+            </a:r>
+            <a:r>
+              <a:rPr lang="es-419" sz="1412" dirty="0">
+                <a:highlight>
+                  <a:srgbClr val="00FF00"/>
+                </a:highlight>
+              </a:rPr>
+              <a:t>)</a:t>
+            </a:r>
+          </a:p>
+          <a:p>
+            <a:r>
+              <a:rPr lang="es-419" sz="1412" dirty="0"/>
+              <a:t>    {</a:t>
+            </a:r>
+          </a:p>
+          <a:p>
+            <a:r>
+              <a:rPr lang="es-419" sz="1412" dirty="0"/>
+              <a:t>        </a:t>
+            </a:r>
+            <a:r>
+              <a:rPr lang="es-419" sz="1412" dirty="0" err="1"/>
+              <a:t>if</a:t>
+            </a:r>
+            <a:r>
+              <a:rPr lang="es-419" sz="1412" dirty="0"/>
+              <a:t> (</a:t>
+            </a:r>
+            <a:r>
+              <a:rPr lang="es-419" sz="1412" dirty="0" err="1"/>
+              <a:t>num</a:t>
+            </a:r>
+            <a:r>
+              <a:rPr lang="es-419" sz="1412" dirty="0"/>
+              <a:t> &lt;= 1) </a:t>
+            </a:r>
+            <a:r>
+              <a:rPr lang="es-419" sz="1412" dirty="0" err="1"/>
+              <a:t>return</a:t>
+            </a:r>
+            <a:r>
+              <a:rPr lang="es-419" sz="1412" dirty="0"/>
+              <a:t> false;</a:t>
+            </a:r>
+          </a:p>
+          <a:p>
+            <a:r>
+              <a:rPr lang="es-419" sz="1412" dirty="0"/>
+              <a:t>        </a:t>
+            </a:r>
+            <a:r>
+              <a:rPr lang="es-419" sz="1412" dirty="0" err="1"/>
+              <a:t>if</a:t>
+            </a:r>
+            <a:r>
+              <a:rPr lang="es-419" sz="1412" dirty="0"/>
+              <a:t> (</a:t>
+            </a:r>
+            <a:r>
+              <a:rPr lang="es-419" sz="1412" dirty="0" err="1"/>
+              <a:t>num</a:t>
+            </a:r>
+            <a:r>
+              <a:rPr lang="es-419" sz="1412" dirty="0"/>
+              <a:t> == 2) </a:t>
+            </a:r>
+            <a:r>
+              <a:rPr lang="es-419" sz="1412" dirty="0" err="1"/>
+              <a:t>return</a:t>
+            </a:r>
+            <a:r>
+              <a:rPr lang="es-419" sz="1412" dirty="0"/>
+              <a:t> true;</a:t>
+            </a:r>
+          </a:p>
+          <a:p>
+            <a:r>
+              <a:rPr lang="es-419" sz="1412" dirty="0"/>
+              <a:t>        </a:t>
+            </a:r>
+            <a:r>
+              <a:rPr lang="es-419" sz="1412" dirty="0" err="1"/>
+              <a:t>if</a:t>
+            </a:r>
+            <a:r>
+              <a:rPr lang="es-419" sz="1412" dirty="0"/>
+              <a:t> (</a:t>
+            </a:r>
+            <a:r>
+              <a:rPr lang="es-419" sz="1412" dirty="0" err="1"/>
+              <a:t>num</a:t>
+            </a:r>
+            <a:r>
+              <a:rPr lang="es-419" sz="1412" dirty="0"/>
+              <a:t> % 2 == 0) </a:t>
+            </a:r>
+            <a:r>
+              <a:rPr lang="es-419" sz="1412" dirty="0" err="1"/>
+              <a:t>return</a:t>
+            </a:r>
+            <a:r>
+              <a:rPr lang="es-419" sz="1412" dirty="0"/>
+              <a:t> false;</a:t>
+            </a:r>
+          </a:p>
+          <a:p>
+            <a:endParaRPr lang="es-419" sz="1412" dirty="0"/>
+          </a:p>
+          <a:p>
+            <a:r>
+              <a:rPr lang="es-419" sz="1412" dirty="0"/>
+              <a:t>        </a:t>
+            </a:r>
+            <a:r>
+              <a:rPr lang="es-419" sz="1412" dirty="0" err="1"/>
+              <a:t>for</a:t>
+            </a:r>
+            <a:r>
+              <a:rPr lang="es-419" sz="1412" dirty="0"/>
+              <a:t> (</a:t>
+            </a:r>
+            <a:r>
+              <a:rPr lang="es-419" sz="1412" dirty="0" err="1"/>
+              <a:t>int</a:t>
+            </a:r>
+            <a:r>
+              <a:rPr lang="es-419" sz="1412" dirty="0"/>
+              <a:t> i = 3; i * i &lt;= </a:t>
+            </a:r>
+            <a:r>
+              <a:rPr lang="es-419" sz="1412" dirty="0" err="1"/>
+              <a:t>num</a:t>
+            </a:r>
+            <a:r>
+              <a:rPr lang="es-419" sz="1412" dirty="0"/>
+              <a:t>; i += 2)</a:t>
+            </a:r>
+          </a:p>
+          <a:p>
+            <a:r>
+              <a:rPr lang="es-419" sz="1412" dirty="0"/>
+              <a:t>            </a:t>
+            </a:r>
+            <a:r>
+              <a:rPr lang="es-419" sz="1412" dirty="0" err="1"/>
+              <a:t>if</a:t>
+            </a:r>
+            <a:r>
+              <a:rPr lang="es-419" sz="1412" dirty="0"/>
+              <a:t> (</a:t>
+            </a:r>
+            <a:r>
+              <a:rPr lang="es-419" sz="1412" dirty="0" err="1"/>
+              <a:t>num</a:t>
+            </a:r>
+            <a:r>
+              <a:rPr lang="es-419" sz="1412" dirty="0"/>
+              <a:t> % i == 0) </a:t>
+            </a:r>
+            <a:r>
+              <a:rPr lang="es-419" sz="1412" dirty="0" err="1"/>
+              <a:t>return</a:t>
+            </a:r>
+            <a:r>
+              <a:rPr lang="es-419" sz="1412" dirty="0"/>
+              <a:t> false;</a:t>
+            </a:r>
+          </a:p>
+          <a:p>
+            <a:endParaRPr lang="es-419" sz="1412" dirty="0"/>
+          </a:p>
+          <a:p>
+            <a:r>
+              <a:rPr lang="es-419" sz="1412" dirty="0"/>
+              <a:t>        </a:t>
+            </a:r>
+            <a:r>
+              <a:rPr lang="es-419" sz="1412" dirty="0" err="1"/>
+              <a:t>return</a:t>
+            </a:r>
+            <a:r>
+              <a:rPr lang="es-419" sz="1412" dirty="0"/>
+              <a:t> true;</a:t>
+            </a:r>
+          </a:p>
+          <a:p>
+            <a:r>
+              <a:rPr lang="es-419" sz="1412" dirty="0"/>
+              <a:t>    }</a:t>
+            </a:r>
+          </a:p>
+          <a:p>
+            <a:r>
+              <a:rPr lang="es-419" sz="1412" dirty="0"/>
+              <a:t>}</a:t>
+            </a:r>
+          </a:p>
+        </p:txBody>
+      </p:sp>
+      <p:sp>
+        <p:nvSpPr>
+          <p:cNvPr id="6" name="CuadroTexto 5">
+            <a:extLst>
+              <a:ext uri="{FF2B5EF4-FFF2-40B4-BE49-F238E27FC236}">
+                <a16:creationId xmlns:a16="http://schemas.microsoft.com/office/drawing/2014/main" id="{A1C7FD8E-B7CE-4D6C-85EF-515A329C9B09}"/>
+              </a:ext>
+            </a:extLst>
+          </p:cNvPr>
+          <p:cNvSpPr txBox="1"/>
+          <p:nvPr/>
+        </p:nvSpPr>
+        <p:spPr>
+          <a:xfrm>
+            <a:off x="1715708" y="1437134"/>
+            <a:ext cx="2320187" cy="336695"/>
+          </a:xfrm>
+          <a:prstGeom prst="rect">
+            <a:avLst/>
+          </a:prstGeom>
+          <a:noFill/>
+        </p:spPr>
+        <p:txBody>
+          <a:bodyPr wrap="none" rtlCol="0">
+            <a:spAutoFit/>
+          </a:bodyPr>
+          <a:lstStyle/>
+          <a:p>
+            <a:r>
+              <a:rPr lang="es-ES" sz="1588" dirty="0"/>
+              <a:t>Declaración del Delegado</a:t>
+            </a:r>
+            <a:endParaRPr lang="es-419" sz="1588" dirty="0"/>
+          </a:p>
+        </p:txBody>
+      </p:sp>
+      <p:cxnSp>
+        <p:nvCxnSpPr>
+          <p:cNvPr id="8" name="Conector recto de flecha 7">
+            <a:extLst>
+              <a:ext uri="{FF2B5EF4-FFF2-40B4-BE49-F238E27FC236}">
+                <a16:creationId xmlns:a16="http://schemas.microsoft.com/office/drawing/2014/main" id="{7F54C62D-FE32-47FC-B57E-AD6919EB82AE}"/>
+              </a:ext>
+            </a:extLst>
+          </p:cNvPr>
+          <p:cNvCxnSpPr/>
+          <p:nvPr/>
+        </p:nvCxnSpPr>
+        <p:spPr>
+          <a:xfrm>
+            <a:off x="4126034" y="1600075"/>
+            <a:ext cx="817037" cy="0"/>
+          </a:xfrm>
+          <a:prstGeom prst="straightConnector1">
+            <a:avLst/>
+          </a:prstGeom>
+          <a:ln>
+            <a:tailEnd type="triangle"/>
+          </a:ln>
+        </p:spPr>
+        <p:style>
+          <a:lnRef idx="1">
+            <a:schemeClr val="accent1"/>
+          </a:lnRef>
+          <a:fillRef idx="0">
+            <a:schemeClr val="accent1"/>
+          </a:fillRef>
+          <a:effectRef idx="0">
+            <a:schemeClr val="accent1"/>
+          </a:effectRef>
+          <a:fontRef idx="minor">
+            <a:schemeClr val="tx1"/>
+          </a:fontRef>
+        </p:style>
+      </p:cxnSp>
+      <p:sp>
+        <p:nvSpPr>
+          <p:cNvPr id="9" name="CuadroTexto 8">
+            <a:extLst>
+              <a:ext uri="{FF2B5EF4-FFF2-40B4-BE49-F238E27FC236}">
+                <a16:creationId xmlns:a16="http://schemas.microsoft.com/office/drawing/2014/main" id="{70F607EC-ECE9-4C98-8916-A77BA9A81AB2}"/>
+              </a:ext>
+            </a:extLst>
+          </p:cNvPr>
+          <p:cNvSpPr txBox="1"/>
+          <p:nvPr/>
+        </p:nvSpPr>
+        <p:spPr>
+          <a:xfrm>
+            <a:off x="1230855" y="2762698"/>
+            <a:ext cx="2811091" cy="336695"/>
+          </a:xfrm>
+          <a:prstGeom prst="rect">
+            <a:avLst/>
+          </a:prstGeom>
+          <a:noFill/>
+        </p:spPr>
+        <p:txBody>
+          <a:bodyPr wrap="none" rtlCol="0">
+            <a:spAutoFit/>
+          </a:bodyPr>
+          <a:lstStyle/>
+          <a:p>
+            <a:r>
+              <a:rPr lang="es-ES" sz="1588" dirty="0"/>
+              <a:t>El Delegado apunta a la función</a:t>
+            </a:r>
+            <a:endParaRPr lang="es-419" sz="1588" dirty="0"/>
+          </a:p>
+        </p:txBody>
+      </p:sp>
+      <p:cxnSp>
+        <p:nvCxnSpPr>
+          <p:cNvPr id="10" name="Conector recto de flecha 9">
+            <a:extLst>
+              <a:ext uri="{FF2B5EF4-FFF2-40B4-BE49-F238E27FC236}">
+                <a16:creationId xmlns:a16="http://schemas.microsoft.com/office/drawing/2014/main" id="{A94AE047-9864-47D0-A3AB-1D43B9DF4A27}"/>
+              </a:ext>
+            </a:extLst>
+          </p:cNvPr>
+          <p:cNvCxnSpPr/>
+          <p:nvPr/>
+        </p:nvCxnSpPr>
+        <p:spPr>
+          <a:xfrm>
+            <a:off x="4246940" y="2925638"/>
+            <a:ext cx="817037" cy="0"/>
+          </a:xfrm>
+          <a:prstGeom prst="straightConnector1">
+            <a:avLst/>
+          </a:prstGeom>
+          <a:ln>
+            <a:tailEnd type="triangle"/>
+          </a:ln>
+        </p:spPr>
+        <p:style>
+          <a:lnRef idx="1">
+            <a:schemeClr val="accent1"/>
+          </a:lnRef>
+          <a:fillRef idx="0">
+            <a:schemeClr val="accent1"/>
+          </a:fillRef>
+          <a:effectRef idx="0">
+            <a:schemeClr val="accent1"/>
+          </a:effectRef>
+          <a:fontRef idx="minor">
+            <a:schemeClr val="tx1"/>
+          </a:fontRef>
+        </p:style>
+      </p:cxnSp>
     </p:spTree>
     <p:extLst>
       <p:ext uri="{BB962C8B-B14F-4D97-AF65-F5344CB8AC3E}">
-        <p14:creationId xmlns:p14="http://schemas.microsoft.com/office/powerpoint/2010/main" val="1624193347"/>
+        <p14:creationId xmlns:p14="http://schemas.microsoft.com/office/powerpoint/2010/main" val="3929318763"/>
       </p:ext>
     </p:extLst>
   </p:cSld>
@@ -10815,7 +11391,7 @@
           <p:cNvPr id="2" name="Título 1">
             <a:extLst>
               <a:ext uri="{FF2B5EF4-FFF2-40B4-BE49-F238E27FC236}">
-                <a16:creationId xmlns:a16="http://schemas.microsoft.com/office/drawing/2014/main" id="{F24B9C0D-3A50-409B-B5A9-6AEDA8F07EFC}"/>
+                <a16:creationId xmlns:a16="http://schemas.microsoft.com/office/drawing/2014/main" id="{5938567D-2FE0-485C-AD1D-E70A6F205434}"/>
               </a:ext>
             </a:extLst>
           </p:cNvPr>
@@ -10826,23 +11402,14 @@
             <p:ph type="title"/>
           </p:nvPr>
         </p:nvSpPr>
-        <p:spPr>
-          <a:xfrm>
-            <a:off x="1371600" y="795528"/>
-            <a:ext cx="10241280" cy="570564"/>
-          </a:xfrm>
-        </p:spPr>
+        <p:spPr/>
         <p:txBody>
           <a:bodyPr/>
           <a:lstStyle/>
           <a:p>
             <a:r>
               <a:rPr lang="es-ES" dirty="0"/>
-              <a:t>Delegado </a:t>
-            </a:r>
-            <a:r>
-              <a:rPr lang="es-ES" dirty="0" err="1"/>
-              <a:t>Action</a:t>
+              <a:t>expresiones lambda con delegados</a:t>
             </a:r>
             <a:endParaRPr lang="es-CO" dirty="0"/>
           </a:p>
@@ -10853,7 +11420,7 @@
           <p:cNvPr id="3" name="Marcador de contenido 2">
             <a:extLst>
               <a:ext uri="{FF2B5EF4-FFF2-40B4-BE49-F238E27FC236}">
-                <a16:creationId xmlns:a16="http://schemas.microsoft.com/office/drawing/2014/main" id="{034DBC44-D45F-4385-B461-F70932C7D4B8}"/>
+                <a16:creationId xmlns:a16="http://schemas.microsoft.com/office/drawing/2014/main" id="{93A80614-F9FA-4EDA-9679-EF2223AF691E}"/>
               </a:ext>
             </a:extLst>
           </p:cNvPr>
@@ -10864,60 +11431,126 @@
             <p:ph idx="1"/>
           </p:nvPr>
         </p:nvSpPr>
-        <p:spPr/>
-        <p:txBody>
-          <a:bodyPr/>
+        <p:spPr>
+          <a:xfrm>
+            <a:off x="1371600" y="2390434"/>
+            <a:ext cx="10241280" cy="3025220"/>
+          </a:xfrm>
+        </p:spPr>
+        <p:txBody>
+          <a:bodyPr>
+            <a:normAutofit/>
+          </a:bodyPr>
           <a:lstStyle/>
           <a:p>
             <a:r>
-              <a:rPr lang="es-ES" dirty="0" err="1"/>
+              <a:rPr lang="es-ES" sz="2000" dirty="0">
+                <a:solidFill>
+                  <a:srgbClr val="161616"/>
+                </a:solidFill>
+                <a:latin typeface="Segoe UI" panose="020B0502040204020203" pitchFamily="34" charset="0"/>
+              </a:rPr>
+              <a:t>S</a:t>
+            </a:r>
+            <a:r>
+              <a:rPr lang="es-ES" sz="2000" b="0" i="0" dirty="0">
+                <a:solidFill>
+                  <a:srgbClr val="161616"/>
+                </a:solidFill>
+                <a:effectLst/>
+                <a:latin typeface="Segoe UI" panose="020B0502040204020203" pitchFamily="34" charset="0"/>
+              </a:rPr>
+              <a:t>e define según los tipos de sus parámetros y el valor devuelto.</a:t>
+            </a:r>
+          </a:p>
+          <a:p>
+            <a:r>
+              <a:rPr lang="es-ES" sz="2000" dirty="0">
+                <a:solidFill>
+                  <a:srgbClr val="161616"/>
+                </a:solidFill>
+                <a:latin typeface="Segoe UI" panose="020B0502040204020203" pitchFamily="34" charset="0"/>
+              </a:rPr>
+              <a:t>Si una expresión lambda </a:t>
+            </a:r>
+            <a:r>
+              <a:rPr lang="es-ES" b="1" u="sng" dirty="0">
+                <a:solidFill>
+                  <a:srgbClr val="FF0000"/>
+                </a:solidFill>
+                <a:latin typeface="Segoe UI" panose="020B0502040204020203" pitchFamily="34" charset="0"/>
+              </a:rPr>
+              <a:t>no devuelve un valor</a:t>
+            </a:r>
+            <a:r>
+              <a:rPr lang="es-ES" sz="2000" dirty="0">
+                <a:solidFill>
+                  <a:srgbClr val="161616"/>
+                </a:solidFill>
+                <a:latin typeface="Segoe UI" panose="020B0502040204020203" pitchFamily="34" charset="0"/>
+              </a:rPr>
+              <a:t>, es representada por los delegados </a:t>
+            </a:r>
+            <a:r>
+              <a:rPr lang="es-ES" sz="2000" dirty="0" err="1">
+                <a:solidFill>
+                  <a:srgbClr val="161616"/>
+                </a:solidFill>
+                <a:latin typeface="Segoe UI" panose="020B0502040204020203" pitchFamily="34" charset="0"/>
+              </a:rPr>
               <a:t>Action</a:t>
             </a:r>
             <a:r>
-              <a:rPr lang="es-ES" dirty="0"/>
-              <a:t>&lt;T&gt;</a:t>
-            </a:r>
-          </a:p>
-          <a:p>
-            <a:pPr marL="0" indent="0">
-              <a:buNone/>
-            </a:pPr>
-            <a:r>
-              <a:rPr lang="es-ES" dirty="0"/>
-              <a:t>	Representa una expresión lambda que recibe un parámetro de tipo T</a:t>
-            </a:r>
-          </a:p>
-          <a:p>
-            <a:r>
-              <a:rPr lang="es-ES" dirty="0" err="1"/>
-              <a:t>Action</a:t>
-            </a:r>
-            <a:r>
-              <a:rPr lang="es-ES" dirty="0"/>
-              <a:t>&lt;T1, T2&gt;</a:t>
-            </a:r>
-          </a:p>
-          <a:p>
-            <a:pPr marL="0" indent="0">
-              <a:buNone/>
-            </a:pPr>
-            <a:r>
-              <a:rPr lang="es-ES" dirty="0"/>
-              <a:t>	Representa una expresión lambda que recibe dos parámetros: uno, de tipo T1 y el segundo, de tipo T2</a:t>
-            </a:r>
-          </a:p>
-          <a:p>
-            <a:pPr marL="0" indent="0">
-              <a:buNone/>
-            </a:pPr>
-            <a:endParaRPr lang="es-CO" dirty="0"/>
+              <a:rPr lang="es-ES" sz="2000" dirty="0">
+                <a:solidFill>
+                  <a:srgbClr val="161616"/>
+                </a:solidFill>
+                <a:latin typeface="Segoe UI" panose="020B0502040204020203" pitchFamily="34" charset="0"/>
+              </a:rPr>
+              <a:t>&lt;&gt;</a:t>
+            </a:r>
+          </a:p>
+          <a:p>
+            <a:r>
+              <a:rPr lang="es-ES" sz="2000" dirty="0">
+                <a:solidFill>
+                  <a:srgbClr val="161616"/>
+                </a:solidFill>
+                <a:latin typeface="Segoe UI" panose="020B0502040204020203" pitchFamily="34" charset="0"/>
+              </a:rPr>
+              <a:t>Si una expresión lambda </a:t>
+            </a:r>
+            <a:r>
+              <a:rPr lang="es-ES" b="1" u="sng" dirty="0">
+                <a:solidFill>
+                  <a:srgbClr val="00B050"/>
+                </a:solidFill>
+                <a:latin typeface="Segoe UI" panose="020B0502040204020203" pitchFamily="34" charset="0"/>
+              </a:rPr>
+              <a:t>devuelve un valor</a:t>
+            </a:r>
+            <a:r>
+              <a:rPr lang="es-ES" sz="2000" dirty="0">
+                <a:solidFill>
+                  <a:srgbClr val="161616"/>
+                </a:solidFill>
+                <a:latin typeface="Segoe UI" panose="020B0502040204020203" pitchFamily="34" charset="0"/>
+              </a:rPr>
+              <a:t>,   es representada por los delegados Func&lt;&gt;</a:t>
+            </a:r>
+            <a:endParaRPr lang="es-CO" sz="2000" dirty="0">
+              <a:solidFill>
+                <a:srgbClr val="161616"/>
+              </a:solidFill>
+              <a:latin typeface="Segoe UI" panose="020B0502040204020203" pitchFamily="34" charset="0"/>
+            </a:endParaRPr>
           </a:p>
         </p:txBody>
       </p:sp>
     </p:spTree>
     <p:extLst>
       <p:ext uri="{BB962C8B-B14F-4D97-AF65-F5344CB8AC3E}">
-        <p14:creationId xmlns:p14="http://schemas.microsoft.com/office/powerpoint/2010/main" val="3641669840"/>
+        <p14:creationId xmlns:p14="http://schemas.microsoft.com/office/powerpoint/2010/main" val="1624193347"/>
       </p:ext>
     </p:extLst>
   </p:cSld>
@@ -10949,7 +11582,7 @@
           <p:cNvPr id="2" name="Título 1">
             <a:extLst>
               <a:ext uri="{FF2B5EF4-FFF2-40B4-BE49-F238E27FC236}">
-                <a16:creationId xmlns:a16="http://schemas.microsoft.com/office/drawing/2014/main" id="{82576F11-C575-4D44-82EB-A47E3FD0B913}"/>
+                <a16:creationId xmlns:a16="http://schemas.microsoft.com/office/drawing/2014/main" id="{F24B9C0D-3A50-409B-B5A9-6AEDA8F07EFC}"/>
               </a:ext>
             </a:extLst>
           </p:cNvPr>
@@ -10963,22 +11596,20 @@
         <p:spPr>
           <a:xfrm>
             <a:off x="1371600" y="795528"/>
-            <a:ext cx="10241280" cy="937019"/>
+            <a:ext cx="10241280" cy="570564"/>
           </a:xfrm>
         </p:spPr>
         <p:txBody>
-          <a:bodyPr>
-            <a:normAutofit fontScale="90000"/>
-          </a:bodyPr>
+          <a:bodyPr/>
           <a:lstStyle/>
           <a:p>
             <a:r>
               <a:rPr lang="es-ES" dirty="0"/>
-              <a:t>Ejemplo lambda con delegado </a:t>
+              <a:t>Delegado </a:t>
             </a:r>
             <a:r>
               <a:rPr lang="es-ES" dirty="0" err="1"/>
-              <a:t>action</a:t>
+              <a:t>Action</a:t>
             </a:r>
             <a:endParaRPr lang="es-CO" dirty="0"/>
           </a:p>
@@ -10989,7 +11620,7 @@
           <p:cNvPr id="3" name="Marcador de contenido 2">
             <a:extLst>
               <a:ext uri="{FF2B5EF4-FFF2-40B4-BE49-F238E27FC236}">
-                <a16:creationId xmlns:a16="http://schemas.microsoft.com/office/drawing/2014/main" id="{EFBB455E-2F28-466E-A3EE-F3D515701759}"/>
+                <a16:creationId xmlns:a16="http://schemas.microsoft.com/office/drawing/2014/main" id="{034DBC44-D45F-4385-B461-F70932C7D4B8}"/>
               </a:ext>
             </a:extLst>
           </p:cNvPr>
@@ -11005,134 +11636,32 @@
           <a:bodyPr/>
           <a:lstStyle/>
           <a:p>
+            <a:r>
+              <a:rPr lang="es-ES" dirty="0" err="1"/>
+              <a:t>Action</a:t>
+            </a:r>
+            <a:r>
+              <a:rPr lang="es-ES" dirty="0"/>
+              <a:t>&lt;T&gt;</a:t>
+            </a:r>
+          </a:p>
+          <a:p>
             <a:pPr marL="0" indent="0">
               <a:buNone/>
             </a:pPr>
             <a:r>
-              <a:rPr lang="es-CO" sz="1800" dirty="0" err="1">
-                <a:solidFill>
-                  <a:srgbClr val="000000"/>
-                </a:solidFill>
-                <a:latin typeface="Cascadia Mono" panose="020B0609020000020004" pitchFamily="49" charset="0"/>
-              </a:rPr>
+              <a:rPr lang="es-ES" dirty="0"/>
+              <a:t>	Representa una expresión lambda que recibe un parámetro de tipo T</a:t>
+            </a:r>
+          </a:p>
+          <a:p>
+            <a:r>
+              <a:rPr lang="es-ES" dirty="0" err="1"/>
               <a:t>Action</a:t>
             </a:r>
             <a:r>
-              <a:rPr lang="es-CO" sz="1800" dirty="0">
-                <a:solidFill>
-                  <a:srgbClr val="000000"/>
-                </a:solidFill>
-                <a:latin typeface="Cascadia Mono" panose="020B0609020000020004" pitchFamily="49" charset="0"/>
-              </a:rPr>
-              <a:t>&lt;</a:t>
-            </a:r>
-            <a:r>
-              <a:rPr lang="es-CO" sz="1800" dirty="0" err="1">
-                <a:solidFill>
-                  <a:srgbClr val="0000FF"/>
-                </a:solidFill>
-                <a:latin typeface="Cascadia Mono" panose="020B0609020000020004" pitchFamily="49" charset="0"/>
-              </a:rPr>
-              <a:t>bool</a:t>
-            </a:r>
-            <a:r>
-              <a:rPr lang="es-CO" sz="1800" dirty="0">
-                <a:solidFill>
-                  <a:srgbClr val="000000"/>
-                </a:solidFill>
-                <a:latin typeface="Cascadia Mono" panose="020B0609020000020004" pitchFamily="49" charset="0"/>
-              </a:rPr>
-              <a:t>&gt; </a:t>
-            </a:r>
-            <a:r>
-              <a:rPr lang="es-CO" sz="1800" dirty="0" err="1">
-                <a:solidFill>
-                  <a:srgbClr val="000000"/>
-                </a:solidFill>
-                <a:latin typeface="Cascadia Mono" panose="020B0609020000020004" pitchFamily="49" charset="0"/>
-              </a:rPr>
-              <a:t>establecer_estado</a:t>
-            </a:r>
-            <a:r>
-              <a:rPr lang="es-CO" sz="1800" dirty="0">
-                <a:solidFill>
-                  <a:srgbClr val="000000"/>
-                </a:solidFill>
-                <a:latin typeface="Cascadia Mono" panose="020B0609020000020004" pitchFamily="49" charset="0"/>
-              </a:rPr>
-              <a:t> = </a:t>
-            </a:r>
-            <a:r>
-              <a:rPr lang="es-CO" sz="1800" dirty="0" err="1">
-                <a:solidFill>
-                  <a:srgbClr val="000000"/>
-                </a:solidFill>
-                <a:latin typeface="Cascadia Mono" panose="020B0609020000020004" pitchFamily="49" charset="0"/>
-              </a:rPr>
-              <a:t>e_s</a:t>
-            </a:r>
-            <a:r>
-              <a:rPr lang="es-CO" sz="1800" dirty="0">
-                <a:solidFill>
-                  <a:srgbClr val="000000"/>
-                </a:solidFill>
-                <a:latin typeface="Cascadia Mono" panose="020B0609020000020004" pitchFamily="49" charset="0"/>
-              </a:rPr>
-              <a:t> =&gt; </a:t>
-            </a:r>
-            <a:r>
-              <a:rPr lang="es-CO" sz="1800" dirty="0" err="1">
-                <a:solidFill>
-                  <a:srgbClr val="000000"/>
-                </a:solidFill>
-                <a:latin typeface="Cascadia Mono" panose="020B0609020000020004" pitchFamily="49" charset="0"/>
-              </a:rPr>
-              <a:t>Console.WriteLine</a:t>
-            </a:r>
-            <a:r>
-              <a:rPr lang="es-CO" sz="1800" dirty="0">
-                <a:solidFill>
-                  <a:srgbClr val="000000"/>
-                </a:solidFill>
-                <a:latin typeface="Cascadia Mono" panose="020B0609020000020004" pitchFamily="49" charset="0"/>
-              </a:rPr>
-              <a:t>(</a:t>
-            </a:r>
-            <a:r>
-              <a:rPr lang="es-CO" sz="1800" dirty="0">
-                <a:solidFill>
-                  <a:srgbClr val="A31515"/>
-                </a:solidFill>
-                <a:latin typeface="Cascadia Mono" panose="020B0609020000020004" pitchFamily="49" charset="0"/>
-              </a:rPr>
-              <a:t>"Se estableció el estado a: "</a:t>
-            </a:r>
-            <a:r>
-              <a:rPr lang="es-CO" sz="1800" dirty="0">
-                <a:solidFill>
-                  <a:srgbClr val="000000"/>
-                </a:solidFill>
-                <a:latin typeface="Cascadia Mono" panose="020B0609020000020004" pitchFamily="49" charset="0"/>
-              </a:rPr>
-              <a:t> + </a:t>
-            </a:r>
-            <a:r>
-              <a:rPr lang="es-CO" sz="1800" dirty="0" err="1">
-                <a:solidFill>
-                  <a:srgbClr val="000000"/>
-                </a:solidFill>
-                <a:latin typeface="Cascadia Mono" panose="020B0609020000020004" pitchFamily="49" charset="0"/>
-              </a:rPr>
-              <a:t>e_s</a:t>
-            </a:r>
-            <a:r>
-              <a:rPr lang="es-CO" sz="1800" dirty="0">
-                <a:solidFill>
-                  <a:srgbClr val="000000"/>
-                </a:solidFill>
-                <a:latin typeface="Cascadia Mono" panose="020B0609020000020004" pitchFamily="49" charset="0"/>
-              </a:rPr>
-              <a:t>);</a:t>
+              <a:rPr lang="es-ES" dirty="0"/>
+              <a:t>&lt;T1, T2&gt;</a:t>
             </a:r>
           </a:p>
           <a:p>
@@ -11140,41 +11669,14 @@
               <a:buNone/>
             </a:pPr>
             <a:r>
-              <a:rPr lang="es-CO" sz="1800" dirty="0" err="1">
-                <a:solidFill>
-                  <a:srgbClr val="000000"/>
-                </a:solidFill>
-                <a:latin typeface="Cascadia Mono" panose="020B0609020000020004" pitchFamily="49" charset="0"/>
-              </a:rPr>
-              <a:t>establecer_estado</a:t>
-            </a:r>
-            <a:r>
-              <a:rPr lang="es-CO" sz="1800" dirty="0">
-                <a:solidFill>
-                  <a:srgbClr val="000000"/>
-                </a:solidFill>
-                <a:latin typeface="Cascadia Mono" panose="020B0609020000020004" pitchFamily="49" charset="0"/>
-              </a:rPr>
-              <a:t>(</a:t>
-            </a:r>
-            <a:r>
-              <a:rPr lang="es-CO" sz="1800" dirty="0">
-                <a:solidFill>
-                  <a:srgbClr val="0000FF"/>
-                </a:solidFill>
-                <a:latin typeface="Cascadia Mono" panose="020B0609020000020004" pitchFamily="49" charset="0"/>
-              </a:rPr>
-              <a:t>true</a:t>
-            </a:r>
-            <a:r>
-              <a:rPr lang="es-CO" sz="1800" dirty="0">
-                <a:solidFill>
-                  <a:srgbClr val="000000"/>
-                </a:solidFill>
-                <a:latin typeface="Cascadia Mono" panose="020B0609020000020004" pitchFamily="49" charset="0"/>
-              </a:rPr>
-              <a:t>);</a:t>
-            </a:r>
+              <a:rPr lang="es-ES" dirty="0"/>
+              <a:t>	Representa una expresión lambda que recibe dos parámetros: uno, de tipo T1 y el segundo, de tipo T2</a:t>
+            </a:r>
+          </a:p>
+          <a:p>
+            <a:pPr marL="0" indent="0">
+              <a:buNone/>
+            </a:pPr>
             <a:endParaRPr lang="es-CO" dirty="0"/>
           </a:p>
         </p:txBody>
@@ -11182,7 +11684,7 @@
     </p:spTree>
     <p:extLst>
       <p:ext uri="{BB962C8B-B14F-4D97-AF65-F5344CB8AC3E}">
-        <p14:creationId xmlns:p14="http://schemas.microsoft.com/office/powerpoint/2010/main" val="1276515475"/>
+        <p14:creationId xmlns:p14="http://schemas.microsoft.com/office/powerpoint/2010/main" val="3641669840"/>
       </p:ext>
     </p:extLst>
   </p:cSld>
@@ -11214,6 +11716,271 @@
           <p:cNvPr id="2" name="Título 1">
             <a:extLst>
               <a:ext uri="{FF2B5EF4-FFF2-40B4-BE49-F238E27FC236}">
+                <a16:creationId xmlns:a16="http://schemas.microsoft.com/office/drawing/2014/main" id="{82576F11-C575-4D44-82EB-A47E3FD0B913}"/>
+              </a:ext>
+            </a:extLst>
+          </p:cNvPr>
+          <p:cNvSpPr>
+            <a:spLocks noGrp="1"/>
+          </p:cNvSpPr>
+          <p:nvPr>
+            <p:ph type="title"/>
+          </p:nvPr>
+        </p:nvSpPr>
+        <p:spPr>
+          <a:xfrm>
+            <a:off x="1371600" y="795528"/>
+            <a:ext cx="10241280" cy="937019"/>
+          </a:xfrm>
+        </p:spPr>
+        <p:txBody>
+          <a:bodyPr>
+            <a:normAutofit fontScale="90000"/>
+          </a:bodyPr>
+          <a:lstStyle/>
+          <a:p>
+            <a:r>
+              <a:rPr lang="es-ES" dirty="0"/>
+              <a:t>Ejemplo lambda con delegado </a:t>
+            </a:r>
+            <a:r>
+              <a:rPr lang="es-ES" dirty="0" err="1"/>
+              <a:t>action</a:t>
+            </a:r>
+            <a:endParaRPr lang="es-CO" dirty="0"/>
+          </a:p>
+        </p:txBody>
+      </p:sp>
+      <p:sp>
+        <p:nvSpPr>
+          <p:cNvPr id="3" name="Marcador de contenido 2">
+            <a:extLst>
+              <a:ext uri="{FF2B5EF4-FFF2-40B4-BE49-F238E27FC236}">
+                <a16:creationId xmlns:a16="http://schemas.microsoft.com/office/drawing/2014/main" id="{EFBB455E-2F28-466E-A3EE-F3D515701759}"/>
+              </a:ext>
+            </a:extLst>
+          </p:cNvPr>
+          <p:cNvSpPr>
+            <a:spLocks noGrp="1"/>
+          </p:cNvSpPr>
+          <p:nvPr>
+            <p:ph idx="1"/>
+          </p:nvPr>
+        </p:nvSpPr>
+        <p:spPr/>
+        <p:txBody>
+          <a:bodyPr/>
+          <a:lstStyle/>
+          <a:p>
+            <a:pPr marL="0" indent="0">
+              <a:buNone/>
+            </a:pPr>
+            <a:r>
+              <a:rPr lang="es-CO" sz="1800" dirty="0" err="1">
+                <a:solidFill>
+                  <a:srgbClr val="000000"/>
+                </a:solidFill>
+                <a:latin typeface="Cascadia Mono" panose="020B0609020000020004" pitchFamily="49" charset="0"/>
+              </a:rPr>
+              <a:t>Action</a:t>
+            </a:r>
+            <a:r>
+              <a:rPr lang="es-CO" sz="1800" dirty="0">
+                <a:solidFill>
+                  <a:srgbClr val="000000"/>
+                </a:solidFill>
+                <a:latin typeface="Cascadia Mono" panose="020B0609020000020004" pitchFamily="49" charset="0"/>
+              </a:rPr>
+              <a:t>&lt;</a:t>
+            </a:r>
+            <a:r>
+              <a:rPr lang="es-CO" sz="1800" dirty="0" err="1">
+                <a:solidFill>
+                  <a:srgbClr val="0000FF"/>
+                </a:solidFill>
+                <a:latin typeface="Cascadia Mono" panose="020B0609020000020004" pitchFamily="49" charset="0"/>
+              </a:rPr>
+              <a:t>bool</a:t>
+            </a:r>
+            <a:r>
+              <a:rPr lang="es-CO" sz="1800" dirty="0">
+                <a:solidFill>
+                  <a:srgbClr val="000000"/>
+                </a:solidFill>
+                <a:latin typeface="Cascadia Mono" panose="020B0609020000020004" pitchFamily="49" charset="0"/>
+              </a:rPr>
+              <a:t>&gt; </a:t>
+            </a:r>
+            <a:r>
+              <a:rPr lang="es-CO" sz="1800" dirty="0" err="1">
+                <a:solidFill>
+                  <a:srgbClr val="000000"/>
+                </a:solidFill>
+                <a:latin typeface="Cascadia Mono" panose="020B0609020000020004" pitchFamily="49" charset="0"/>
+              </a:rPr>
+              <a:t>establecer_estado</a:t>
+            </a:r>
+            <a:r>
+              <a:rPr lang="es-CO" sz="1800" dirty="0">
+                <a:solidFill>
+                  <a:srgbClr val="000000"/>
+                </a:solidFill>
+                <a:latin typeface="Cascadia Mono" panose="020B0609020000020004" pitchFamily="49" charset="0"/>
+              </a:rPr>
+              <a:t> = </a:t>
+            </a:r>
+            <a:r>
+              <a:rPr lang="es-CO" sz="1800" dirty="0" err="1">
+                <a:solidFill>
+                  <a:srgbClr val="000000"/>
+                </a:solidFill>
+                <a:latin typeface="Cascadia Mono" panose="020B0609020000020004" pitchFamily="49" charset="0"/>
+              </a:rPr>
+              <a:t>e_s</a:t>
+            </a:r>
+            <a:r>
+              <a:rPr lang="es-CO" sz="1800" dirty="0">
+                <a:solidFill>
+                  <a:srgbClr val="000000"/>
+                </a:solidFill>
+                <a:latin typeface="Cascadia Mono" panose="020B0609020000020004" pitchFamily="49" charset="0"/>
+              </a:rPr>
+              <a:t> =&gt; </a:t>
+            </a:r>
+            <a:r>
+              <a:rPr lang="es-CO" sz="1800" dirty="0" err="1">
+                <a:solidFill>
+                  <a:srgbClr val="000000"/>
+                </a:solidFill>
+                <a:latin typeface="Cascadia Mono" panose="020B0609020000020004" pitchFamily="49" charset="0"/>
+              </a:rPr>
+              <a:t>Console.WriteLine</a:t>
+            </a:r>
+            <a:r>
+              <a:rPr lang="es-CO" sz="1800" dirty="0">
+                <a:solidFill>
+                  <a:srgbClr val="000000"/>
+                </a:solidFill>
+                <a:latin typeface="Cascadia Mono" panose="020B0609020000020004" pitchFamily="49" charset="0"/>
+              </a:rPr>
+              <a:t>(</a:t>
+            </a:r>
+            <a:r>
+              <a:rPr lang="es-CO" sz="1800" dirty="0">
+                <a:solidFill>
+                  <a:srgbClr val="A31515"/>
+                </a:solidFill>
+                <a:latin typeface="Cascadia Mono" panose="020B0609020000020004" pitchFamily="49" charset="0"/>
+              </a:rPr>
+              <a:t>"Se estableció el estado a: "</a:t>
+            </a:r>
+            <a:r>
+              <a:rPr lang="es-CO" sz="1800" dirty="0">
+                <a:solidFill>
+                  <a:srgbClr val="000000"/>
+                </a:solidFill>
+                <a:latin typeface="Cascadia Mono" panose="020B0609020000020004" pitchFamily="49" charset="0"/>
+              </a:rPr>
+              <a:t> + </a:t>
+            </a:r>
+            <a:r>
+              <a:rPr lang="es-CO" sz="1800" dirty="0" err="1">
+                <a:solidFill>
+                  <a:srgbClr val="000000"/>
+                </a:solidFill>
+                <a:latin typeface="Cascadia Mono" panose="020B0609020000020004" pitchFamily="49" charset="0"/>
+              </a:rPr>
+              <a:t>e_s</a:t>
+            </a:r>
+            <a:r>
+              <a:rPr lang="es-CO" sz="1800" dirty="0">
+                <a:solidFill>
+                  <a:srgbClr val="000000"/>
+                </a:solidFill>
+                <a:latin typeface="Cascadia Mono" panose="020B0609020000020004" pitchFamily="49" charset="0"/>
+              </a:rPr>
+              <a:t>);</a:t>
+            </a:r>
+          </a:p>
+          <a:p>
+            <a:pPr marL="0" indent="0">
+              <a:buNone/>
+            </a:pPr>
+            <a:r>
+              <a:rPr lang="es-CO" sz="1800" dirty="0" err="1">
+                <a:solidFill>
+                  <a:srgbClr val="000000"/>
+                </a:solidFill>
+                <a:latin typeface="Cascadia Mono" panose="020B0609020000020004" pitchFamily="49" charset="0"/>
+              </a:rPr>
+              <a:t>establecer_estado</a:t>
+            </a:r>
+            <a:r>
+              <a:rPr lang="es-CO" sz="1800" dirty="0">
+                <a:solidFill>
+                  <a:srgbClr val="000000"/>
+                </a:solidFill>
+                <a:latin typeface="Cascadia Mono" panose="020B0609020000020004" pitchFamily="49" charset="0"/>
+              </a:rPr>
+              <a:t>(</a:t>
+            </a:r>
+            <a:r>
+              <a:rPr lang="es-CO" sz="1800" dirty="0">
+                <a:solidFill>
+                  <a:srgbClr val="0000FF"/>
+                </a:solidFill>
+                <a:latin typeface="Cascadia Mono" panose="020B0609020000020004" pitchFamily="49" charset="0"/>
+              </a:rPr>
+              <a:t>true</a:t>
+            </a:r>
+            <a:r>
+              <a:rPr lang="es-CO" sz="1800" dirty="0">
+                <a:solidFill>
+                  <a:srgbClr val="000000"/>
+                </a:solidFill>
+                <a:latin typeface="Cascadia Mono" panose="020B0609020000020004" pitchFamily="49" charset="0"/>
+              </a:rPr>
+              <a:t>);</a:t>
+            </a:r>
+            <a:endParaRPr lang="es-CO" dirty="0"/>
+          </a:p>
+        </p:txBody>
+      </p:sp>
+    </p:spTree>
+    <p:extLst>
+      <p:ext uri="{BB962C8B-B14F-4D97-AF65-F5344CB8AC3E}">
+        <p14:creationId xmlns:p14="http://schemas.microsoft.com/office/powerpoint/2010/main" val="1276515475"/>
+      </p:ext>
+    </p:extLst>
+  </p:cSld>
+  <p:clrMapOvr>
+    <a:masterClrMapping/>
+  </p:clrMapOvr>
+</p:sld>
+</file>
+
+<file path=ppt/slides/slide18.xml><?xml version="1.0" encoding="utf-8"?>
+<p:sld xmlns:a="http://schemas.openxmlformats.org/drawingml/2006/main" xmlns:r="http://schemas.openxmlformats.org/officeDocument/2006/relationships" xmlns:p="http://schemas.openxmlformats.org/presentationml/2006/main">
+  <p:cSld>
+    <p:spTree>
+      <p:nvGrpSpPr>
+        <p:cNvPr id="1" name=""/>
+        <p:cNvGrpSpPr/>
+        <p:nvPr/>
+      </p:nvGrpSpPr>
+      <p:grpSpPr>
+        <a:xfrm>
+          <a:off x="0" y="0"/>
+          <a:ext cx="0" cy="0"/>
+          <a:chOff x="0" y="0"/>
+          <a:chExt cx="0" cy="0"/>
+        </a:xfrm>
+      </p:grpSpPr>
+      <p:sp>
+        <p:nvSpPr>
+          <p:cNvPr id="2" name="Título 1">
+            <a:extLst>
+              <a:ext uri="{FF2B5EF4-FFF2-40B4-BE49-F238E27FC236}">
                 <a16:creationId xmlns:a16="http://schemas.microsoft.com/office/drawing/2014/main" id="{802A8B07-42C0-4B7F-B5CA-8E539945576F}"/>
               </a:ext>
             </a:extLst>
@@ -11385,7 +12152,7 @@
 </p:sld>
 </file>
 
-<file path=ppt/slides/slide18.xml><?xml version="1.0" encoding="utf-8"?>
+<file path=ppt/slides/slide19.xml><?xml version="1.0" encoding="utf-8"?>
 <p:sld xmlns:a="http://schemas.openxmlformats.org/drawingml/2006/main" xmlns:r="http://schemas.openxmlformats.org/officeDocument/2006/relationships" xmlns:p="http://schemas.openxmlformats.org/presentationml/2006/main">
   <p:cSld>
     <p:spTree>
@@ -12563,297 +13330,6 @@
 </p:sld>
 </file>
 
-<file path=ppt/slides/slide19.xml><?xml version="1.0" encoding="utf-8"?>
-<p:sld xmlns:a="http://schemas.openxmlformats.org/drawingml/2006/main" xmlns:r="http://schemas.openxmlformats.org/officeDocument/2006/relationships" xmlns:p="http://schemas.openxmlformats.org/presentationml/2006/main">
-  <p:cSld>
-    <p:spTree>
-      <p:nvGrpSpPr>
-        <p:cNvPr id="1" name=""/>
-        <p:cNvGrpSpPr/>
-        <p:nvPr/>
-      </p:nvGrpSpPr>
-      <p:grpSpPr>
-        <a:xfrm>
-          <a:off x="0" y="0"/>
-          <a:ext cx="0" cy="0"/>
-          <a:chOff x="0" y="0"/>
-          <a:chExt cx="0" cy="0"/>
-        </a:xfrm>
-      </p:grpSpPr>
-      <p:sp>
-        <p:nvSpPr>
-          <p:cNvPr id="2" name="Título 1">
-            <a:extLst>
-              <a:ext uri="{FF2B5EF4-FFF2-40B4-BE49-F238E27FC236}">
-                <a16:creationId xmlns:a16="http://schemas.microsoft.com/office/drawing/2014/main" id="{2A91FA69-2361-4506-90FC-DE3F121B7C6A}"/>
-              </a:ext>
-            </a:extLst>
-          </p:cNvPr>
-          <p:cNvSpPr>
-            <a:spLocks noGrp="1"/>
-          </p:cNvSpPr>
-          <p:nvPr>
-            <p:ph type="title"/>
-          </p:nvPr>
-        </p:nvSpPr>
-        <p:spPr/>
-        <p:txBody>
-          <a:bodyPr/>
-          <a:lstStyle/>
-          <a:p>
-            <a:r>
-              <a:rPr lang="es-ES" dirty="0"/>
-              <a:t>Mutabilidad 		 </a:t>
-            </a:r>
-            <a:r>
-              <a:rPr lang="es-ES" dirty="0" err="1"/>
-              <a:t>INMutabilidad</a:t>
-            </a:r>
-            <a:r>
-              <a:rPr lang="es-ES" dirty="0"/>
-              <a:t> 		</a:t>
-            </a:r>
-            <a:endParaRPr lang="es-CO" dirty="0"/>
-          </a:p>
-        </p:txBody>
-      </p:sp>
-      <p:sp>
-        <p:nvSpPr>
-          <p:cNvPr id="5" name="Marcador de contenido 4">
-            <a:extLst>
-              <a:ext uri="{FF2B5EF4-FFF2-40B4-BE49-F238E27FC236}">
-                <a16:creationId xmlns:a16="http://schemas.microsoft.com/office/drawing/2014/main" id="{B19C694E-BD87-43E7-8CF4-90791E9E2E9A}"/>
-              </a:ext>
-            </a:extLst>
-          </p:cNvPr>
-          <p:cNvSpPr>
-            <a:spLocks noGrp="1"/>
-          </p:cNvSpPr>
-          <p:nvPr>
-            <p:ph sz="half" idx="1"/>
-          </p:nvPr>
-        </p:nvSpPr>
-        <p:spPr>
-          <a:xfrm>
-            <a:off x="6766560" y="1965962"/>
-            <a:ext cx="4846320" cy="3959352"/>
-          </a:xfrm>
-        </p:spPr>
-        <p:txBody>
-          <a:bodyPr>
-            <a:normAutofit fontScale="92500" lnSpcReduction="20000"/>
-          </a:bodyPr>
-          <a:lstStyle/>
-          <a:p>
-            <a:r>
-              <a:rPr lang="es-ES" dirty="0">
-                <a:solidFill>
-                  <a:srgbClr val="666666"/>
-                </a:solidFill>
-                <a:latin typeface="Inter"/>
-              </a:rPr>
-              <a:t>S</a:t>
-            </a:r>
-            <a:r>
-              <a:rPr lang="es-ES" b="0" i="0" dirty="0">
-                <a:solidFill>
-                  <a:srgbClr val="666666"/>
-                </a:solidFill>
-                <a:effectLst/>
-                <a:latin typeface="Inter"/>
-              </a:rPr>
-              <a:t>ignifica que los objetos de una clase no se puedan cambiar una vez están creados.</a:t>
-            </a:r>
-          </a:p>
-          <a:p>
-            <a:r>
-              <a:rPr lang="es-ES" dirty="0">
-                <a:solidFill>
-                  <a:srgbClr val="666666"/>
-                </a:solidFill>
-                <a:latin typeface="Inter"/>
-              </a:rPr>
-              <a:t>Hasta ahora: </a:t>
-            </a:r>
-            <a:r>
-              <a:rPr lang="es-ES" dirty="0" err="1">
-                <a:solidFill>
-                  <a:srgbClr val="666666"/>
-                </a:solidFill>
-                <a:latin typeface="Inter"/>
-              </a:rPr>
-              <a:t>const</a:t>
-            </a:r>
-            <a:r>
-              <a:rPr lang="es-ES" dirty="0">
-                <a:solidFill>
-                  <a:srgbClr val="666666"/>
-                </a:solidFill>
-                <a:latin typeface="Inter"/>
-              </a:rPr>
-              <a:t> y </a:t>
-            </a:r>
-            <a:r>
-              <a:rPr lang="es-ES" dirty="0" err="1">
-                <a:solidFill>
-                  <a:srgbClr val="666666"/>
-                </a:solidFill>
-                <a:latin typeface="Inter"/>
-              </a:rPr>
-              <a:t>readonly</a:t>
-            </a:r>
-            <a:endParaRPr lang="es-ES" dirty="0">
-              <a:solidFill>
-                <a:srgbClr val="666666"/>
-              </a:solidFill>
-              <a:latin typeface="Inter"/>
-            </a:endParaRPr>
-          </a:p>
-          <a:p>
-            <a:r>
-              <a:rPr lang="es-ES" b="0" i="0" dirty="0">
-                <a:solidFill>
-                  <a:srgbClr val="666666"/>
-                </a:solidFill>
-                <a:effectLst/>
-                <a:latin typeface="Inter"/>
-              </a:rPr>
-              <a:t>Prever errores de los objetos  mutables</a:t>
-            </a:r>
-          </a:p>
-          <a:p>
-            <a:r>
-              <a:rPr lang="es-ES" dirty="0">
-                <a:solidFill>
-                  <a:srgbClr val="666666"/>
-                </a:solidFill>
-                <a:latin typeface="Inter"/>
-              </a:rPr>
-              <a:t>Si se quiere asignar un nuevo valor a un elemento inmutable, se crea una copia de éste y se le asigna el nuevo valor.</a:t>
-            </a:r>
-          </a:p>
-          <a:p>
-            <a:r>
-              <a:rPr lang="es-ES" b="0" i="0" dirty="0">
-                <a:solidFill>
-                  <a:srgbClr val="666666"/>
-                </a:solidFill>
-                <a:effectLst/>
-                <a:latin typeface="Inter"/>
-              </a:rPr>
-              <a:t>Programación Funcional Estricta: Clases </a:t>
-            </a:r>
-            <a:r>
-              <a:rPr lang="es-ES" b="0" i="0" dirty="0" err="1">
-                <a:solidFill>
-                  <a:srgbClr val="666666"/>
-                </a:solidFill>
-                <a:effectLst/>
-                <a:latin typeface="Inter"/>
-              </a:rPr>
-              <a:t>inmultables</a:t>
-            </a:r>
-            <a:endParaRPr lang="es-ES" b="0" i="0" dirty="0">
-              <a:solidFill>
-                <a:srgbClr val="666666"/>
-              </a:solidFill>
-              <a:effectLst/>
-              <a:latin typeface="Inter"/>
-            </a:endParaRPr>
-          </a:p>
-          <a:p>
-            <a:endParaRPr lang="es-CO" dirty="0"/>
-          </a:p>
-        </p:txBody>
-      </p:sp>
-      <p:sp>
-        <p:nvSpPr>
-          <p:cNvPr id="6" name="Marcador de contenido 5">
-            <a:extLst>
-              <a:ext uri="{FF2B5EF4-FFF2-40B4-BE49-F238E27FC236}">
-                <a16:creationId xmlns:a16="http://schemas.microsoft.com/office/drawing/2014/main" id="{FD035A20-DCBE-4B4A-B50E-8F71F6961DAB}"/>
-              </a:ext>
-            </a:extLst>
-          </p:cNvPr>
-          <p:cNvSpPr>
-            <a:spLocks noGrp="1"/>
-          </p:cNvSpPr>
-          <p:nvPr>
-            <p:ph sz="half" idx="2"/>
-          </p:nvPr>
-        </p:nvSpPr>
-        <p:spPr>
-          <a:xfrm>
-            <a:off x="905771" y="2128351"/>
-            <a:ext cx="4846320" cy="3959351"/>
-          </a:xfrm>
-        </p:spPr>
-        <p:txBody>
-          <a:bodyPr>
-            <a:normAutofit fontScale="92500" lnSpcReduction="20000"/>
-          </a:bodyPr>
-          <a:lstStyle/>
-          <a:p>
-            <a:r>
-              <a:rPr lang="es-ES" b="0" i="0" dirty="0">
-                <a:solidFill>
-                  <a:srgbClr val="666666"/>
-                </a:solidFill>
-                <a:effectLst/>
-                <a:latin typeface="Inter"/>
-              </a:rPr>
-              <a:t>Los objetos de una clase pueden cambiar una vez son creados.  Sus valores pueden ser actualizados.</a:t>
-            </a:r>
-          </a:p>
-          <a:p>
-            <a:r>
-              <a:rPr lang="es-ES" dirty="0">
-                <a:solidFill>
-                  <a:srgbClr val="666666"/>
-                </a:solidFill>
-                <a:latin typeface="Inter"/>
-              </a:rPr>
-              <a:t>Son más difíciles de mantener y depurar</a:t>
-            </a:r>
-          </a:p>
-          <a:p>
-            <a:r>
-              <a:rPr lang="es-ES" dirty="0">
-                <a:solidFill>
-                  <a:srgbClr val="666666"/>
-                </a:solidFill>
-                <a:latin typeface="Inter"/>
-              </a:rPr>
-              <a:t>Errores frecuentes: variables que deberían tener un valor y tienen otro o no lo tienen… ¿les ha pasado?</a:t>
-            </a:r>
-          </a:p>
-          <a:p>
-            <a:r>
-              <a:rPr lang="es-ES" dirty="0">
-                <a:solidFill>
-                  <a:srgbClr val="666666"/>
-                </a:solidFill>
-                <a:latin typeface="Inter"/>
-              </a:rPr>
-              <a:t>POO: Clases mutables</a:t>
-            </a:r>
-            <a:endParaRPr lang="es-CO" dirty="0"/>
-          </a:p>
-        </p:txBody>
-      </p:sp>
-    </p:spTree>
-    <p:extLst>
-      <p:ext uri="{BB962C8B-B14F-4D97-AF65-F5344CB8AC3E}">
-        <p14:creationId xmlns:p14="http://schemas.microsoft.com/office/powerpoint/2010/main" val="1678190760"/>
-      </p:ext>
-    </p:extLst>
-  </p:cSld>
-  <p:clrMapOvr>
-    <a:masterClrMapping/>
-  </p:clrMapOvr>
-</p:sld>
-</file>
-
 <file path=ppt/slides/slide2.xml><?xml version="1.0" encoding="utf-8"?>
 <p:sld xmlns:a="http://schemas.openxmlformats.org/drawingml/2006/main" xmlns:r="http://schemas.openxmlformats.org/officeDocument/2006/relationships" xmlns:p="http://schemas.openxmlformats.org/presentationml/2006/main">
   <p:cSld>
@@ -13010,7 +13486,7 @@
           <p:cNvPr id="2" name="Título 1">
             <a:extLst>
               <a:ext uri="{FF2B5EF4-FFF2-40B4-BE49-F238E27FC236}">
-                <a16:creationId xmlns:a16="http://schemas.microsoft.com/office/drawing/2014/main" id="{04E828D6-72CD-486C-9998-876EC2150886}"/>
+                <a16:creationId xmlns:a16="http://schemas.microsoft.com/office/drawing/2014/main" id="{8BD5FFC4-5E6E-4CEE-813A-D884A3C81A5E}"/>
               </a:ext>
             </a:extLst>
           </p:cNvPr>
@@ -13021,126 +13497,460 @@
             <p:ph type="title"/>
           </p:nvPr>
         </p:nvSpPr>
-        <p:spPr/>
-        <p:txBody>
-          <a:bodyPr/>
+        <p:spPr>
+          <a:xfrm>
+            <a:off x="558152" y="274512"/>
+            <a:ext cx="9559128" cy="1325563"/>
+          </a:xfrm>
+        </p:spPr>
+        <p:txBody>
+          <a:bodyPr>
+            <a:normAutofit/>
+          </a:bodyPr>
           <a:lstStyle/>
           <a:p>
             <a:r>
-              <a:rPr lang="es-ES" dirty="0"/>
-              <a:t>Beneficios de la inmutabilidad</a:t>
-            </a:r>
-            <a:endParaRPr lang="es-CO" dirty="0"/>
-          </a:p>
-        </p:txBody>
-      </p:sp>
-      <p:sp>
-        <p:nvSpPr>
-          <p:cNvPr id="5" name="Marcador de contenido 4">
+              <a:rPr lang="es-ES" sz="2800" dirty="0"/>
+              <a:t>Ejemplo delegado con función lambda</a:t>
+            </a:r>
+            <a:endParaRPr lang="es-419" sz="2800" dirty="0"/>
+          </a:p>
+        </p:txBody>
+      </p:sp>
+      <p:sp>
+        <p:nvSpPr>
+          <p:cNvPr id="11" name="CuadroTexto 10">
             <a:extLst>
               <a:ext uri="{FF2B5EF4-FFF2-40B4-BE49-F238E27FC236}">
-                <a16:creationId xmlns:a16="http://schemas.microsoft.com/office/drawing/2014/main" id="{1593696F-45C0-429D-B6A6-F8D86E14CAA3}"/>
+                <a16:creationId xmlns:a16="http://schemas.microsoft.com/office/drawing/2014/main" id="{31A9743D-DC86-4DEE-983F-EB8004A2B77F}"/>
               </a:ext>
             </a:extLst>
           </p:cNvPr>
-          <p:cNvSpPr>
-            <a:spLocks noGrp="1"/>
-          </p:cNvSpPr>
-          <p:nvPr>
-            <p:ph idx="1"/>
-          </p:nvPr>
+          <p:cNvSpPr txBox="1"/>
+          <p:nvPr/>
         </p:nvSpPr>
         <p:spPr>
           <a:xfrm>
-            <a:off x="1371600" y="2112264"/>
-            <a:ext cx="10241280" cy="3550406"/>
+            <a:off x="3794113" y="1865176"/>
+            <a:ext cx="6097135" cy="4490845"/>
           </a:xfrm>
+          <a:prstGeom prst="rect">
+            <a:avLst/>
+          </a:prstGeom>
+          <a:noFill/>
         </p:spPr>
         <p:txBody>
-          <a:bodyPr>
-            <a:normAutofit lnSpcReduction="10000"/>
+          <a:bodyPr wrap="square">
+            <a:spAutoFit/>
           </a:bodyPr>
           <a:lstStyle/>
           <a:p>
             <a:r>
-              <a:rPr lang="es-ES" b="0" i="0" dirty="0">
-                <a:solidFill>
-                  <a:srgbClr val="666666"/>
-                </a:solidFill>
-                <a:effectLst/>
-                <a:latin typeface="Inter"/>
-              </a:rPr>
-              <a:t>Más fácil de entender y mantener.</a:t>
-            </a:r>
-          </a:p>
-          <a:p>
-            <a:r>
-              <a:rPr lang="es-CO" b="0" i="0" dirty="0">
-                <a:solidFill>
-                  <a:srgbClr val="666666"/>
-                </a:solidFill>
-                <a:effectLst/>
-                <a:latin typeface="Inter"/>
-              </a:rPr>
-              <a:t>Fácil de probar.</a:t>
-            </a:r>
-            <a:endParaRPr lang="es-ES" b="0" i="0" dirty="0">
-              <a:solidFill>
-                <a:srgbClr val="666666"/>
-              </a:solidFill>
-              <a:effectLst/>
-              <a:latin typeface="Inter"/>
-            </a:endParaRPr>
-          </a:p>
-          <a:p>
-            <a:r>
-              <a:rPr lang="es-CO" b="0" i="0" dirty="0">
-                <a:solidFill>
-                  <a:srgbClr val="666666"/>
-                </a:solidFill>
-                <a:effectLst/>
-                <a:latin typeface="Inter"/>
-              </a:rPr>
-              <a:t>Código más seguro.</a:t>
-            </a:r>
-            <a:endParaRPr lang="es-ES" dirty="0">
-              <a:solidFill>
-                <a:srgbClr val="666666"/>
-              </a:solidFill>
-              <a:latin typeface="Inter"/>
-            </a:endParaRPr>
-          </a:p>
-          <a:p>
-            <a:r>
-              <a:rPr lang="es-ES" b="0" i="0" dirty="0">
-                <a:solidFill>
-                  <a:srgbClr val="666666"/>
-                </a:solidFill>
-                <a:effectLst/>
-                <a:latin typeface="Inter"/>
-              </a:rPr>
-              <a:t>Alta reducción de los problemas de sincronización entre hilos para la ejecución de código asíncrono.</a:t>
-            </a:r>
-          </a:p>
-          <a:p>
-            <a:r>
-              <a:rPr lang="es-ES" b="0" i="0" dirty="0">
-                <a:solidFill>
-                  <a:srgbClr val="666666"/>
-                </a:solidFill>
-                <a:effectLst/>
-                <a:latin typeface="Inter"/>
-              </a:rPr>
-              <a:t>Controlar posibles “efectos colaterales” que pueden venir de cambiar el valor de algunas de las propiedades. </a:t>
-            </a:r>
-            <a:endParaRPr lang="es-CO" dirty="0"/>
-          </a:p>
-        </p:txBody>
-      </p:sp>
+              <a:rPr lang="es-419" sz="1588" dirty="0" err="1"/>
+              <a:t>class</a:t>
+            </a:r>
+            <a:r>
+              <a:rPr lang="es-419" sz="1588" dirty="0"/>
+              <a:t> </a:t>
+            </a:r>
+            <a:r>
+              <a:rPr lang="es-419" sz="1588" dirty="0" err="1"/>
+              <a:t>Program</a:t>
+            </a:r>
+            <a:endParaRPr lang="es-419" sz="1588" dirty="0"/>
+          </a:p>
+          <a:p>
+            <a:r>
+              <a:rPr lang="es-419" sz="1588" dirty="0"/>
+              <a:t>{</a:t>
+            </a:r>
+          </a:p>
+          <a:p>
+            <a:r>
+              <a:rPr lang="es-419" sz="1588" dirty="0"/>
+              <a:t>    </a:t>
+            </a:r>
+            <a:r>
+              <a:rPr lang="es-419" sz="1588" dirty="0" err="1"/>
+              <a:t>static</a:t>
+            </a:r>
+            <a:r>
+              <a:rPr lang="es-419" sz="1588" dirty="0"/>
+              <a:t> </a:t>
+            </a:r>
+            <a:r>
+              <a:rPr lang="es-419" sz="1588" dirty="0" err="1"/>
+              <a:t>void</a:t>
+            </a:r>
+            <a:r>
+              <a:rPr lang="es-419" sz="1588" dirty="0"/>
+              <a:t> </a:t>
+            </a:r>
+            <a:r>
+              <a:rPr lang="es-419" sz="1588" dirty="0" err="1"/>
+              <a:t>Main</a:t>
+            </a:r>
+            <a:r>
+              <a:rPr lang="es-419" sz="1588" dirty="0"/>
+              <a:t>()</a:t>
+            </a:r>
+          </a:p>
+          <a:p>
+            <a:r>
+              <a:rPr lang="es-419" sz="1588" dirty="0"/>
+              <a:t>    {</a:t>
+            </a:r>
+          </a:p>
+          <a:p>
+            <a:r>
+              <a:rPr lang="es-419" sz="1588" dirty="0"/>
+              <a:t>        </a:t>
+            </a:r>
+            <a:r>
+              <a:rPr lang="es-419" sz="1588" dirty="0" err="1">
+                <a:highlight>
+                  <a:srgbClr val="FFFF00"/>
+                </a:highlight>
+              </a:rPr>
+              <a:t>Func</a:t>
+            </a:r>
+            <a:r>
+              <a:rPr lang="es-419" sz="1588" dirty="0">
+                <a:highlight>
+                  <a:srgbClr val="FFFF00"/>
+                </a:highlight>
+              </a:rPr>
+              <a:t>&lt;</a:t>
+            </a:r>
+            <a:r>
+              <a:rPr lang="es-419" sz="1588" dirty="0" err="1">
+                <a:highlight>
+                  <a:srgbClr val="FFFF00"/>
+                </a:highlight>
+              </a:rPr>
+              <a:t>int</a:t>
+            </a:r>
+            <a:r>
+              <a:rPr lang="es-419" sz="1588" dirty="0">
+                <a:highlight>
+                  <a:srgbClr val="FFFF00"/>
+                </a:highlight>
+              </a:rPr>
+              <a:t>, </a:t>
+            </a:r>
+            <a:r>
+              <a:rPr lang="es-419" sz="1588" dirty="0" err="1">
+                <a:highlight>
+                  <a:srgbClr val="FFFF00"/>
+                </a:highlight>
+              </a:rPr>
+              <a:t>bool</a:t>
+            </a:r>
+            <a:r>
+              <a:rPr lang="es-419" sz="1588" dirty="0">
+                <a:highlight>
+                  <a:srgbClr val="FFFF00"/>
+                </a:highlight>
+              </a:rPr>
+              <a:t>&gt; </a:t>
+            </a:r>
+            <a:r>
+              <a:rPr lang="es-419" sz="1588" dirty="0" err="1">
+                <a:highlight>
+                  <a:srgbClr val="FFFF00"/>
+                </a:highlight>
+              </a:rPr>
+              <a:t>esPrimo</a:t>
+            </a:r>
+            <a:r>
+              <a:rPr lang="es-419" sz="1588" dirty="0">
+                <a:highlight>
+                  <a:srgbClr val="FFFF00"/>
+                </a:highlight>
+              </a:rPr>
+              <a:t> = n =&gt;</a:t>
+            </a:r>
+          </a:p>
+          <a:p>
+            <a:r>
+              <a:rPr lang="es-419" sz="1588" dirty="0"/>
+              <a:t>        {</a:t>
+            </a:r>
+          </a:p>
+          <a:p>
+            <a:r>
+              <a:rPr lang="es-419" sz="1588" dirty="0"/>
+              <a:t>            </a:t>
+            </a:r>
+            <a:r>
+              <a:rPr lang="es-419" sz="1588" dirty="0" err="1"/>
+              <a:t>if</a:t>
+            </a:r>
+            <a:r>
+              <a:rPr lang="es-419" sz="1588" dirty="0"/>
+              <a:t> (n &lt;= 1) </a:t>
+            </a:r>
+            <a:r>
+              <a:rPr lang="es-419" sz="1588" dirty="0" err="1"/>
+              <a:t>return</a:t>
+            </a:r>
+            <a:r>
+              <a:rPr lang="es-419" sz="1588" dirty="0"/>
+              <a:t> false;</a:t>
+            </a:r>
+          </a:p>
+          <a:p>
+            <a:r>
+              <a:rPr lang="es-419" sz="1588" dirty="0"/>
+              <a:t>            </a:t>
+            </a:r>
+            <a:r>
+              <a:rPr lang="es-419" sz="1588" dirty="0" err="1"/>
+              <a:t>if</a:t>
+            </a:r>
+            <a:r>
+              <a:rPr lang="es-419" sz="1588" dirty="0"/>
+              <a:t> (n == 2) </a:t>
+            </a:r>
+            <a:r>
+              <a:rPr lang="es-419" sz="1588" dirty="0" err="1"/>
+              <a:t>return</a:t>
+            </a:r>
+            <a:r>
+              <a:rPr lang="es-419" sz="1588" dirty="0"/>
+              <a:t> true;</a:t>
+            </a:r>
+          </a:p>
+          <a:p>
+            <a:r>
+              <a:rPr lang="es-419" sz="1588" dirty="0"/>
+              <a:t>            </a:t>
+            </a:r>
+            <a:r>
+              <a:rPr lang="es-419" sz="1588" dirty="0" err="1"/>
+              <a:t>if</a:t>
+            </a:r>
+            <a:r>
+              <a:rPr lang="es-419" sz="1588" dirty="0"/>
+              <a:t> (n % 2 == 0) </a:t>
+            </a:r>
+            <a:r>
+              <a:rPr lang="es-419" sz="1588" dirty="0" err="1"/>
+              <a:t>return</a:t>
+            </a:r>
+            <a:r>
+              <a:rPr lang="es-419" sz="1588" dirty="0"/>
+              <a:t> false;</a:t>
+            </a:r>
+          </a:p>
+          <a:p>
+            <a:r>
+              <a:rPr lang="es-419" sz="1588" dirty="0"/>
+              <a:t>            </a:t>
+            </a:r>
+            <a:r>
+              <a:rPr lang="es-419" sz="1588" dirty="0" err="1"/>
+              <a:t>for</a:t>
+            </a:r>
+            <a:r>
+              <a:rPr lang="es-419" sz="1588" dirty="0"/>
+              <a:t> (</a:t>
+            </a:r>
+            <a:r>
+              <a:rPr lang="es-419" sz="1588" dirty="0" err="1"/>
+              <a:t>int</a:t>
+            </a:r>
+            <a:r>
+              <a:rPr lang="es-419" sz="1588" dirty="0"/>
+              <a:t> i = 3; i * i &lt;= n; i += 2)</a:t>
+            </a:r>
+          </a:p>
+          <a:p>
+            <a:r>
+              <a:rPr lang="es-419" sz="1588" dirty="0"/>
+              <a:t>                </a:t>
+            </a:r>
+            <a:r>
+              <a:rPr lang="es-419" sz="1588" dirty="0" err="1"/>
+              <a:t>if</a:t>
+            </a:r>
+            <a:r>
+              <a:rPr lang="es-419" sz="1588" dirty="0"/>
+              <a:t> (n % i == 0) </a:t>
+            </a:r>
+            <a:r>
+              <a:rPr lang="es-419" sz="1588" dirty="0" err="1"/>
+              <a:t>return</a:t>
+            </a:r>
+            <a:r>
+              <a:rPr lang="es-419" sz="1588" dirty="0"/>
+              <a:t> false;</a:t>
+            </a:r>
+          </a:p>
+          <a:p>
+            <a:r>
+              <a:rPr lang="es-419" sz="1588" dirty="0"/>
+              <a:t>            </a:t>
+            </a:r>
+            <a:r>
+              <a:rPr lang="es-419" sz="1588" dirty="0" err="1"/>
+              <a:t>return</a:t>
+            </a:r>
+            <a:r>
+              <a:rPr lang="es-419" sz="1588" dirty="0"/>
+              <a:t> true;</a:t>
+            </a:r>
+          </a:p>
+          <a:p>
+            <a:r>
+              <a:rPr lang="es-419" sz="1588" dirty="0"/>
+              <a:t>        };</a:t>
+            </a:r>
+          </a:p>
+          <a:p>
+            <a:endParaRPr lang="es-419" sz="1588" dirty="0"/>
+          </a:p>
+          <a:p>
+            <a:r>
+              <a:rPr lang="es-419" sz="1588" dirty="0"/>
+              <a:t>        </a:t>
+            </a:r>
+            <a:r>
+              <a:rPr lang="es-419" sz="1588" dirty="0" err="1"/>
+              <a:t>Console.WriteLine</a:t>
+            </a:r>
+            <a:r>
+              <a:rPr lang="es-419" sz="1588" dirty="0"/>
+              <a:t>("23 es primo? " + </a:t>
+            </a:r>
+            <a:r>
+              <a:rPr lang="es-419" sz="1588" dirty="0" err="1"/>
+              <a:t>esPrimo</a:t>
+            </a:r>
+            <a:r>
+              <a:rPr lang="es-419" sz="1588" dirty="0"/>
+              <a:t>(23)); // true</a:t>
+            </a:r>
+          </a:p>
+          <a:p>
+            <a:r>
+              <a:rPr lang="es-419" sz="1588" dirty="0"/>
+              <a:t>        </a:t>
+            </a:r>
+            <a:r>
+              <a:rPr lang="es-419" sz="1588" dirty="0" err="1"/>
+              <a:t>Console.WriteLine</a:t>
+            </a:r>
+            <a:r>
+              <a:rPr lang="es-419" sz="1588" dirty="0"/>
+              <a:t>("25 es primo? " + </a:t>
+            </a:r>
+            <a:r>
+              <a:rPr lang="es-419" sz="1588" dirty="0" err="1"/>
+              <a:t>esPrimo</a:t>
+            </a:r>
+            <a:r>
+              <a:rPr lang="es-419" sz="1588" dirty="0"/>
+              <a:t>(25)); // false</a:t>
+            </a:r>
+          </a:p>
+          <a:p>
+            <a:r>
+              <a:rPr lang="es-419" sz="1588" dirty="0"/>
+              <a:t>    }</a:t>
+            </a:r>
+          </a:p>
+          <a:p>
+            <a:r>
+              <a:rPr lang="es-419" sz="1588" dirty="0"/>
+              <a:t>}</a:t>
+            </a:r>
+          </a:p>
+        </p:txBody>
+      </p:sp>
+      <p:sp>
+        <p:nvSpPr>
+          <p:cNvPr id="12" name="CuadroTexto 11">
+            <a:extLst>
+              <a:ext uri="{FF2B5EF4-FFF2-40B4-BE49-F238E27FC236}">
+                <a16:creationId xmlns:a16="http://schemas.microsoft.com/office/drawing/2014/main" id="{425A50FB-0676-429C-BF12-F42964921E02}"/>
+              </a:ext>
+            </a:extLst>
+          </p:cNvPr>
+          <p:cNvSpPr txBox="1"/>
+          <p:nvPr/>
+        </p:nvSpPr>
+        <p:spPr>
+          <a:xfrm>
+            <a:off x="694413" y="2836309"/>
+            <a:ext cx="2724144" cy="336695"/>
+          </a:xfrm>
+          <a:prstGeom prst="rect">
+            <a:avLst/>
+          </a:prstGeom>
+          <a:noFill/>
+        </p:spPr>
+        <p:txBody>
+          <a:bodyPr wrap="none" rtlCol="0">
+            <a:spAutoFit/>
+          </a:bodyPr>
+          <a:lstStyle/>
+          <a:p>
+            <a:r>
+              <a:rPr lang="es-ES" sz="1588" dirty="0"/>
+              <a:t>Declaración del Delegado </a:t>
+            </a:r>
+            <a:r>
+              <a:rPr lang="es-ES" sz="1588" dirty="0" err="1"/>
+              <a:t>Func</a:t>
+            </a:r>
+            <a:endParaRPr lang="es-419" sz="1588" dirty="0"/>
+          </a:p>
+        </p:txBody>
+      </p:sp>
+      <p:cxnSp>
+        <p:nvCxnSpPr>
+          <p:cNvPr id="13" name="Conector recto de flecha 12">
+            <a:extLst>
+              <a:ext uri="{FF2B5EF4-FFF2-40B4-BE49-F238E27FC236}">
+                <a16:creationId xmlns:a16="http://schemas.microsoft.com/office/drawing/2014/main" id="{36BFE3E4-F01A-46DB-9A0E-BBC568A090B2}"/>
+              </a:ext>
+            </a:extLst>
+          </p:cNvPr>
+          <p:cNvCxnSpPr/>
+          <p:nvPr/>
+        </p:nvCxnSpPr>
+        <p:spPr>
+          <a:xfrm>
+            <a:off x="3385595" y="3009462"/>
+            <a:ext cx="817037" cy="0"/>
+          </a:xfrm>
+          <a:prstGeom prst="straightConnector1">
+            <a:avLst/>
+          </a:prstGeom>
+          <a:ln>
+            <a:tailEnd type="triangle"/>
+          </a:ln>
+        </p:spPr>
+        <p:style>
+          <a:lnRef idx="1">
+            <a:schemeClr val="accent1"/>
+          </a:lnRef>
+          <a:fillRef idx="0">
+            <a:schemeClr val="accent1"/>
+          </a:fillRef>
+          <a:effectRef idx="0">
+            <a:schemeClr val="accent1"/>
+          </a:effectRef>
+          <a:fontRef idx="minor">
+            <a:schemeClr val="tx1"/>
+          </a:fontRef>
+        </p:style>
+      </p:cxnSp>
     </p:spTree>
     <p:extLst>
       <p:ext uri="{BB962C8B-B14F-4D97-AF65-F5344CB8AC3E}">
-        <p14:creationId xmlns:p14="http://schemas.microsoft.com/office/powerpoint/2010/main" val="1798161799"/>
+        <p14:creationId xmlns:p14="http://schemas.microsoft.com/office/powerpoint/2010/main" val="2360441705"/>
       </p:ext>
     </p:extLst>
   </p:cSld>
@@ -13172,7 +13982,7 @@
           <p:cNvPr id="2" name="Título 1">
             <a:extLst>
               <a:ext uri="{FF2B5EF4-FFF2-40B4-BE49-F238E27FC236}">
-                <a16:creationId xmlns:a16="http://schemas.microsoft.com/office/drawing/2014/main" id="{6E624AA1-2D75-450B-9000-15403C8954F1}"/>
+                <a16:creationId xmlns:a16="http://schemas.microsoft.com/office/drawing/2014/main" id="{8BD5FFC4-5E6E-4CEE-813A-D884A3C81A5E}"/>
               </a:ext>
             </a:extLst>
           </p:cNvPr>
@@ -13183,58 +13993,463 @@
             <p:ph type="title"/>
           </p:nvPr>
         </p:nvSpPr>
-        <p:spPr/>
-        <p:txBody>
-          <a:bodyPr/>
+        <p:spPr>
+          <a:xfrm>
+            <a:off x="425384" y="453036"/>
+            <a:ext cx="11233216" cy="1325563"/>
+          </a:xfrm>
+        </p:spPr>
+        <p:txBody>
+          <a:bodyPr>
+            <a:noAutofit/>
+          </a:bodyPr>
           <a:lstStyle/>
           <a:p>
             <a:r>
-              <a:rPr lang="es-ES" dirty="0"/>
-              <a:t>Desventajas de la </a:t>
-            </a:r>
-            <a:r>
-              <a:rPr lang="es-ES" dirty="0" err="1"/>
-              <a:t>INmutabilidad</a:t>
-            </a:r>
-            <a:endParaRPr lang="es-CO" dirty="0"/>
-          </a:p>
-        </p:txBody>
-      </p:sp>
-      <p:sp>
-        <p:nvSpPr>
-          <p:cNvPr id="3" name="Marcador de contenido 2">
+              <a:rPr lang="es-ES" sz="2400" dirty="0"/>
+              <a:t>Ejemplo delegado con función lambda que recibe una lista y retorna una tupla (dos valores)</a:t>
+            </a:r>
+            <a:endParaRPr lang="es-419" sz="2400" dirty="0"/>
+          </a:p>
+        </p:txBody>
+      </p:sp>
+      <p:sp>
+        <p:nvSpPr>
+          <p:cNvPr id="11" name="CuadroTexto 10">
             <a:extLst>
               <a:ext uri="{FF2B5EF4-FFF2-40B4-BE49-F238E27FC236}">
-                <a16:creationId xmlns:a16="http://schemas.microsoft.com/office/drawing/2014/main" id="{D34AD7B8-211C-4287-BD0B-2FEF9A26F246}"/>
+                <a16:creationId xmlns:a16="http://schemas.microsoft.com/office/drawing/2014/main" id="{31A9743D-DC86-4DEE-983F-EB8004A2B77F}"/>
               </a:ext>
             </a:extLst>
           </p:cNvPr>
-          <p:cNvSpPr>
-            <a:spLocks noGrp="1"/>
-          </p:cNvSpPr>
-          <p:nvPr>
-            <p:ph idx="1"/>
-          </p:nvPr>
-        </p:nvSpPr>
-        <p:spPr/>
-        <p:txBody>
-          <a:bodyPr/>
+          <p:cNvSpPr txBox="1"/>
+          <p:nvPr/>
+        </p:nvSpPr>
+        <p:spPr>
+          <a:xfrm>
+            <a:off x="3794113" y="1865176"/>
+            <a:ext cx="7052046" cy="4246484"/>
+          </a:xfrm>
+          <a:prstGeom prst="rect">
+            <a:avLst/>
+          </a:prstGeom>
+          <a:noFill/>
+        </p:spPr>
+        <p:txBody>
+          <a:bodyPr wrap="square">
+            <a:spAutoFit/>
+          </a:bodyPr>
           <a:lstStyle/>
           <a:p>
             <a:r>
-              <a:rPr lang="es-ES" dirty="0"/>
-              <a:t>La inmutabilidad tiene el sobrecosto de la generación de objetos nuevos cada vez que cambia el estado de un(os) atributo(s) de una clase inmutable, lo cual puede degradar el rendimiento de un programa.</a:t>
-            </a:r>
-          </a:p>
-          <a:p>
-            <a:endParaRPr lang="es-CO" dirty="0"/>
-          </a:p>
-        </p:txBody>
-      </p:sp>
+              <a:rPr lang="es-419" sz="1588" dirty="0" err="1"/>
+              <a:t>static</a:t>
+            </a:r>
+            <a:r>
+              <a:rPr lang="es-419" sz="1588" dirty="0"/>
+              <a:t> </a:t>
+            </a:r>
+            <a:r>
+              <a:rPr lang="es-419" sz="1588" dirty="0" err="1"/>
+              <a:t>void</a:t>
+            </a:r>
+            <a:r>
+              <a:rPr lang="es-419" sz="1588" dirty="0"/>
+              <a:t> </a:t>
+            </a:r>
+            <a:r>
+              <a:rPr lang="es-419" sz="1588" dirty="0" err="1"/>
+              <a:t>Main</a:t>
+            </a:r>
+            <a:r>
+              <a:rPr lang="es-419" sz="1588" dirty="0"/>
+              <a:t>()</a:t>
+            </a:r>
+          </a:p>
+          <a:p>
+            <a:r>
+              <a:rPr lang="es-419" sz="1588" dirty="0"/>
+              <a:t>    {</a:t>
+            </a:r>
+          </a:p>
+          <a:p>
+            <a:r>
+              <a:rPr lang="es-419" sz="1588" dirty="0"/>
+              <a:t>	</a:t>
+            </a:r>
+            <a:r>
+              <a:rPr lang="es-419" sz="1588" dirty="0" err="1"/>
+              <a:t>List</a:t>
+            </a:r>
+            <a:r>
+              <a:rPr lang="es-419" sz="1588" dirty="0"/>
+              <a:t>&lt;</a:t>
+            </a:r>
+            <a:r>
+              <a:rPr lang="es-419" sz="1588" dirty="0" err="1"/>
+              <a:t>int</a:t>
+            </a:r>
+            <a:r>
+              <a:rPr lang="es-419" sz="1588" dirty="0"/>
+              <a:t>&gt; datos = new </a:t>
+            </a:r>
+            <a:r>
+              <a:rPr lang="es-419" sz="1588" dirty="0" err="1"/>
+              <a:t>List</a:t>
+            </a:r>
+            <a:r>
+              <a:rPr lang="es-419" sz="1588" dirty="0"/>
+              <a:t>&lt;</a:t>
+            </a:r>
+            <a:r>
+              <a:rPr lang="es-419" sz="1588" dirty="0" err="1"/>
+              <a:t>int</a:t>
+            </a:r>
+            <a:r>
+              <a:rPr lang="es-419" sz="1588" dirty="0"/>
+              <a:t>&gt; { 10, 20, 30, 40, 50 };</a:t>
+            </a:r>
+          </a:p>
+          <a:p>
+            <a:endParaRPr lang="es-419" sz="1588" dirty="0"/>
+          </a:p>
+          <a:p>
+            <a:r>
+              <a:rPr lang="es-419" sz="1588" dirty="0"/>
+              <a:t>	</a:t>
+            </a:r>
+            <a:r>
+              <a:rPr lang="es-419" sz="1588" dirty="0" err="1">
+                <a:highlight>
+                  <a:srgbClr val="FFFF00"/>
+                </a:highlight>
+              </a:rPr>
+              <a:t>Func</a:t>
+            </a:r>
+            <a:r>
+              <a:rPr lang="es-419" sz="1588" dirty="0">
+                <a:highlight>
+                  <a:srgbClr val="FFFF00"/>
+                </a:highlight>
+              </a:rPr>
+              <a:t>&lt;</a:t>
+            </a:r>
+            <a:r>
+              <a:rPr lang="es-419" sz="1588" dirty="0" err="1">
+                <a:highlight>
+                  <a:srgbClr val="FFFF00"/>
+                </a:highlight>
+              </a:rPr>
+              <a:t>List</a:t>
+            </a:r>
+            <a:r>
+              <a:rPr lang="es-419" sz="1588" dirty="0">
+                <a:highlight>
+                  <a:srgbClr val="FFFF00"/>
+                </a:highlight>
+              </a:rPr>
+              <a:t>&lt;</a:t>
+            </a:r>
+            <a:r>
+              <a:rPr lang="es-419" sz="1588" dirty="0" err="1">
+                <a:highlight>
+                  <a:srgbClr val="FFFF00"/>
+                </a:highlight>
+              </a:rPr>
+              <a:t>int</a:t>
+            </a:r>
+            <a:r>
+              <a:rPr lang="es-419" sz="1588" dirty="0">
+                <a:highlight>
+                  <a:srgbClr val="FFFF00"/>
+                </a:highlight>
+              </a:rPr>
+              <a:t>&gt;, (</a:t>
+            </a:r>
+            <a:r>
+              <a:rPr lang="es-419" sz="1588" dirty="0" err="1">
+                <a:highlight>
+                  <a:srgbClr val="FFFF00"/>
+                </a:highlight>
+              </a:rPr>
+              <a:t>int</a:t>
+            </a:r>
+            <a:r>
+              <a:rPr lang="es-419" sz="1588" dirty="0">
+                <a:highlight>
+                  <a:srgbClr val="FFFF00"/>
+                </a:highlight>
+              </a:rPr>
+              <a:t> suma, </a:t>
+            </a:r>
+            <a:r>
+              <a:rPr lang="es-419" sz="1588" dirty="0" err="1">
+                <a:highlight>
+                  <a:srgbClr val="FFFF00"/>
+                </a:highlight>
+              </a:rPr>
+              <a:t>float</a:t>
+            </a:r>
+            <a:r>
+              <a:rPr lang="es-419" sz="1588" dirty="0">
+                <a:highlight>
+                  <a:srgbClr val="FFFF00"/>
+                </a:highlight>
+              </a:rPr>
+              <a:t> promedio)&gt; calcular</a:t>
+            </a:r>
+            <a:r>
+              <a:rPr lang="es-419" sz="1588" dirty="0"/>
+              <a:t> = lista =&gt;</a:t>
+            </a:r>
+          </a:p>
+          <a:p>
+            <a:r>
+              <a:rPr lang="es-419" sz="1588" dirty="0"/>
+              <a:t>        {</a:t>
+            </a:r>
+          </a:p>
+          <a:p>
+            <a:r>
+              <a:rPr lang="es-419" sz="1588" dirty="0"/>
+              <a:t>            </a:t>
+            </a:r>
+            <a:r>
+              <a:rPr lang="es-419" sz="1588" dirty="0" err="1"/>
+              <a:t>int</a:t>
+            </a:r>
+            <a:r>
+              <a:rPr lang="es-419" sz="1588" dirty="0"/>
+              <a:t> suma = </a:t>
+            </a:r>
+            <a:r>
+              <a:rPr lang="es-419" sz="1588" dirty="0" err="1"/>
+              <a:t>lista.Sum</a:t>
+            </a:r>
+            <a:r>
+              <a:rPr lang="es-419" sz="1588" dirty="0"/>
+              <a:t>();</a:t>
+            </a:r>
+          </a:p>
+          <a:p>
+            <a:r>
+              <a:rPr lang="es-419" sz="1588" dirty="0"/>
+              <a:t>            </a:t>
+            </a:r>
+            <a:r>
+              <a:rPr lang="es-419" sz="1588" dirty="0" err="1"/>
+              <a:t>float</a:t>
+            </a:r>
+            <a:r>
+              <a:rPr lang="es-419" sz="1588" dirty="0"/>
+              <a:t> promedio = </a:t>
+            </a:r>
+            <a:r>
+              <a:rPr lang="es-419" sz="1588" dirty="0" err="1"/>
+              <a:t>lista.Count</a:t>
+            </a:r>
+            <a:r>
+              <a:rPr lang="es-419" sz="1588" dirty="0"/>
+              <a:t> &gt; 0 ? (</a:t>
+            </a:r>
+            <a:r>
+              <a:rPr lang="es-419" sz="1588" dirty="0" err="1"/>
+              <a:t>float</a:t>
+            </a:r>
+            <a:r>
+              <a:rPr lang="es-419" sz="1588" dirty="0"/>
+              <a:t>)suma / </a:t>
+            </a:r>
+            <a:r>
+              <a:rPr lang="es-419" sz="1588" dirty="0" err="1"/>
+              <a:t>lista.Count</a:t>
+            </a:r>
+            <a:r>
+              <a:rPr lang="es-419" sz="1588" dirty="0"/>
+              <a:t> : 0;</a:t>
+            </a:r>
+          </a:p>
+          <a:p>
+            <a:r>
+              <a:rPr lang="es-419" sz="1588" dirty="0"/>
+              <a:t>            </a:t>
+            </a:r>
+            <a:r>
+              <a:rPr lang="es-419" sz="1588" dirty="0" err="1"/>
+              <a:t>return</a:t>
+            </a:r>
+            <a:r>
+              <a:rPr lang="es-419" sz="1588" dirty="0"/>
+              <a:t> (suma, promedio);</a:t>
+            </a:r>
+          </a:p>
+          <a:p>
+            <a:r>
+              <a:rPr lang="es-419" sz="1588" dirty="0"/>
+              <a:t>        };</a:t>
+            </a:r>
+          </a:p>
+          <a:p>
+            <a:endParaRPr lang="es-419" sz="1588" dirty="0"/>
+          </a:p>
+          <a:p>
+            <a:r>
+              <a:rPr lang="es-419" sz="1588" dirty="0"/>
+              <a:t>        // Usar el delegado</a:t>
+            </a:r>
+          </a:p>
+          <a:p>
+            <a:r>
+              <a:rPr lang="es-419" sz="1588" dirty="0"/>
+              <a:t>        </a:t>
+            </a:r>
+            <a:r>
+              <a:rPr lang="es-419" sz="1588" dirty="0" err="1"/>
+              <a:t>var</a:t>
+            </a:r>
+            <a:r>
+              <a:rPr lang="es-419" sz="1588" dirty="0"/>
+              <a:t> resultado = calcular(datos);</a:t>
+            </a:r>
+          </a:p>
+          <a:p>
+            <a:endParaRPr lang="es-419" sz="1588" dirty="0"/>
+          </a:p>
+          <a:p>
+            <a:r>
+              <a:rPr lang="es-419" sz="1588" dirty="0"/>
+              <a:t>        </a:t>
+            </a:r>
+            <a:r>
+              <a:rPr lang="es-419" sz="1588" dirty="0" err="1"/>
+              <a:t>Console.WriteLine</a:t>
+            </a:r>
+            <a:r>
+              <a:rPr lang="es-419" sz="1588" dirty="0"/>
+              <a:t>($"Suma: {</a:t>
+            </a:r>
+            <a:r>
+              <a:rPr lang="es-419" sz="1588" dirty="0" err="1"/>
+              <a:t>resultado.suma</a:t>
+            </a:r>
+            <a:r>
+              <a:rPr lang="es-419" sz="1588" dirty="0"/>
+              <a:t>}");</a:t>
+            </a:r>
+          </a:p>
+          <a:p>
+            <a:r>
+              <a:rPr lang="es-419" sz="1588" dirty="0"/>
+              <a:t>        </a:t>
+            </a:r>
+            <a:r>
+              <a:rPr lang="es-419" sz="1588" dirty="0" err="1"/>
+              <a:t>Console.WriteLine</a:t>
+            </a:r>
+            <a:r>
+              <a:rPr lang="es-419" sz="1588" dirty="0"/>
+              <a:t>($"Promedio: {</a:t>
+            </a:r>
+            <a:r>
+              <a:rPr lang="es-419" sz="1588" dirty="0" err="1"/>
+              <a:t>resultado.promedio</a:t>
+            </a:r>
+            <a:r>
+              <a:rPr lang="es-419" sz="1588" dirty="0"/>
+              <a:t>}");</a:t>
+            </a:r>
+          </a:p>
+          <a:p>
+            <a:r>
+              <a:rPr lang="es-419" sz="1588" dirty="0"/>
+              <a:t>    }</a:t>
+            </a:r>
+          </a:p>
+        </p:txBody>
+      </p:sp>
+      <p:sp>
+        <p:nvSpPr>
+          <p:cNvPr id="12" name="CuadroTexto 11">
+            <a:extLst>
+              <a:ext uri="{FF2B5EF4-FFF2-40B4-BE49-F238E27FC236}">
+                <a16:creationId xmlns:a16="http://schemas.microsoft.com/office/drawing/2014/main" id="{425A50FB-0676-429C-BF12-F42964921E02}"/>
+              </a:ext>
+            </a:extLst>
+          </p:cNvPr>
+          <p:cNvSpPr txBox="1"/>
+          <p:nvPr/>
+        </p:nvSpPr>
+        <p:spPr>
+          <a:xfrm>
+            <a:off x="694413" y="2836309"/>
+            <a:ext cx="2724144" cy="336695"/>
+          </a:xfrm>
+          <a:prstGeom prst="rect">
+            <a:avLst/>
+          </a:prstGeom>
+          <a:noFill/>
+        </p:spPr>
+        <p:txBody>
+          <a:bodyPr wrap="none" rtlCol="0">
+            <a:spAutoFit/>
+          </a:bodyPr>
+          <a:lstStyle/>
+          <a:p>
+            <a:r>
+              <a:rPr lang="es-ES" sz="1588" dirty="0"/>
+              <a:t>Declaración del Delegado </a:t>
+            </a:r>
+            <a:r>
+              <a:rPr lang="es-ES" sz="1588" dirty="0" err="1"/>
+              <a:t>Func</a:t>
+            </a:r>
+            <a:endParaRPr lang="es-419" sz="1588" dirty="0"/>
+          </a:p>
+        </p:txBody>
+      </p:sp>
+      <p:cxnSp>
+        <p:nvCxnSpPr>
+          <p:cNvPr id="13" name="Conector recto de flecha 12">
+            <a:extLst>
+              <a:ext uri="{FF2B5EF4-FFF2-40B4-BE49-F238E27FC236}">
+                <a16:creationId xmlns:a16="http://schemas.microsoft.com/office/drawing/2014/main" id="{36BFE3E4-F01A-46DB-9A0E-BBC568A090B2}"/>
+              </a:ext>
+            </a:extLst>
+          </p:cNvPr>
+          <p:cNvCxnSpPr/>
+          <p:nvPr/>
+        </p:nvCxnSpPr>
+        <p:spPr>
+          <a:xfrm>
+            <a:off x="3385595" y="3009462"/>
+            <a:ext cx="817037" cy="0"/>
+          </a:xfrm>
+          <a:prstGeom prst="straightConnector1">
+            <a:avLst/>
+          </a:prstGeom>
+          <a:ln>
+            <a:tailEnd type="triangle"/>
+          </a:ln>
+        </p:spPr>
+        <p:style>
+          <a:lnRef idx="1">
+            <a:schemeClr val="accent1"/>
+          </a:lnRef>
+          <a:fillRef idx="0">
+            <a:schemeClr val="accent1"/>
+          </a:fillRef>
+          <a:effectRef idx="0">
+            <a:schemeClr val="accent1"/>
+          </a:effectRef>
+          <a:fontRef idx="minor">
+            <a:schemeClr val="tx1"/>
+          </a:fontRef>
+        </p:style>
+      </p:cxnSp>
     </p:spTree>
     <p:extLst>
       <p:ext uri="{BB962C8B-B14F-4D97-AF65-F5344CB8AC3E}">
-        <p14:creationId xmlns:p14="http://schemas.microsoft.com/office/powerpoint/2010/main" val="1522910101"/>
+        <p14:creationId xmlns:p14="http://schemas.microsoft.com/office/powerpoint/2010/main" val="2196511452"/>
       </p:ext>
     </p:extLst>
   </p:cSld>
@@ -13266,7 +14481,7 @@
           <p:cNvPr id="2" name="Título 1">
             <a:extLst>
               <a:ext uri="{FF2B5EF4-FFF2-40B4-BE49-F238E27FC236}">
-                <a16:creationId xmlns:a16="http://schemas.microsoft.com/office/drawing/2014/main" id="{ED02507F-063F-4CB6-883D-F3F1B2129E51}"/>
+                <a16:creationId xmlns:a16="http://schemas.microsoft.com/office/drawing/2014/main" id="{8BD5FFC4-5E6E-4CEE-813A-D884A3C81A5E}"/>
               </a:ext>
             </a:extLst>
           </p:cNvPr>
@@ -13277,579 +14492,375 @@
             <p:ph type="title"/>
           </p:nvPr>
         </p:nvSpPr>
-        <p:spPr/>
-        <p:txBody>
-          <a:bodyPr/>
+        <p:spPr>
+          <a:xfrm>
+            <a:off x="324853" y="414078"/>
+            <a:ext cx="11471110" cy="1325563"/>
+          </a:xfrm>
+        </p:spPr>
+        <p:txBody>
+          <a:bodyPr>
+            <a:noAutofit/>
+          </a:bodyPr>
           <a:lstStyle/>
           <a:p>
             <a:r>
-              <a:rPr lang="es-ES" dirty="0"/>
-              <a:t>Clase Mutable</a:t>
-            </a:r>
-            <a:endParaRPr lang="es-CO" dirty="0"/>
-          </a:p>
-        </p:txBody>
-      </p:sp>
-      <p:sp>
-        <p:nvSpPr>
-          <p:cNvPr id="3" name="Marcador de contenido 2">
+              <a:rPr lang="es-ES" sz="2400" dirty="0"/>
+              <a:t>Ejemplo: delegado con función lambda que recibe dos parámetros y retorna un valor</a:t>
+            </a:r>
+            <a:br>
+              <a:rPr lang="es-ES" sz="2400" dirty="0"/>
+            </a:br>
+            <a:r>
+              <a:rPr lang="es-419" sz="2400" dirty="0" err="1"/>
+              <a:t>Func</a:t>
+            </a:r>
+            <a:r>
+              <a:rPr lang="es-419" sz="2400" dirty="0"/>
+              <a:t>&lt;T1, T2, </a:t>
+            </a:r>
+            <a:r>
+              <a:rPr lang="es-419" sz="2400" dirty="0" err="1"/>
+              <a:t>TResult</a:t>
+            </a:r>
+            <a:r>
+              <a:rPr lang="es-419" sz="2400" dirty="0"/>
+              <a:t>&gt;</a:t>
+            </a:r>
+          </a:p>
+        </p:txBody>
+      </p:sp>
+      <p:sp>
+        <p:nvSpPr>
+          <p:cNvPr id="12" name="CuadroTexto 11">
             <a:extLst>
               <a:ext uri="{FF2B5EF4-FFF2-40B4-BE49-F238E27FC236}">
-                <a16:creationId xmlns:a16="http://schemas.microsoft.com/office/drawing/2014/main" id="{5A96D708-5AC7-4836-A96F-A59246D10F90}"/>
+                <a16:creationId xmlns:a16="http://schemas.microsoft.com/office/drawing/2014/main" id="{425A50FB-0676-429C-BF12-F42964921E02}"/>
               </a:ext>
             </a:extLst>
           </p:cNvPr>
-          <p:cNvSpPr>
-            <a:spLocks noGrp="1"/>
-          </p:cNvSpPr>
-          <p:nvPr>
-            <p:ph idx="1"/>
-          </p:nvPr>
+          <p:cNvSpPr txBox="1"/>
+          <p:nvPr/>
         </p:nvSpPr>
         <p:spPr>
           <a:xfrm>
-            <a:off x="1107195" y="2103120"/>
-            <a:ext cx="4724400" cy="3959352"/>
-          </a:xfrm>
-        </p:spPr>
-        <p:txBody>
-          <a:bodyPr>
-            <a:normAutofit fontScale="92500" lnSpcReduction="20000"/>
-          </a:bodyPr>
-          <a:lstStyle/>
-          <a:p>
-            <a:pPr marL="0" indent="0">
-              <a:buNone/>
-            </a:pPr>
-            <a:r>
-              <a:rPr lang="es-ES" dirty="0" err="1"/>
-              <a:t>public</a:t>
-            </a:r>
-            <a:r>
-              <a:rPr lang="es-ES" dirty="0"/>
-              <a:t> </a:t>
-            </a:r>
-            <a:r>
-              <a:rPr lang="es-ES" dirty="0" err="1"/>
-              <a:t>class</a:t>
-            </a:r>
-            <a:r>
-              <a:rPr lang="es-ES" dirty="0"/>
-              <a:t> Cuenta{</a:t>
-            </a:r>
-          </a:p>
-          <a:p>
-            <a:pPr marL="0" indent="0">
-              <a:lnSpc>
-                <a:spcPct val="100000"/>
-              </a:lnSpc>
-              <a:spcBef>
-                <a:spcPts val="0"/>
-              </a:spcBef>
-              <a:buNone/>
-            </a:pPr>
-            <a:r>
-              <a:rPr lang="es-ES" dirty="0"/>
-              <a:t>	</a:t>
-            </a:r>
-            <a:r>
-              <a:rPr lang="es-ES" dirty="0" err="1"/>
-              <a:t>public</a:t>
-            </a:r>
-            <a:r>
-              <a:rPr lang="es-ES" dirty="0"/>
-              <a:t> </a:t>
-            </a:r>
-            <a:r>
-              <a:rPr lang="es-ES" dirty="0" err="1"/>
-              <a:t>ulong</a:t>
-            </a:r>
-            <a:r>
-              <a:rPr lang="es-ES" dirty="0"/>
-              <a:t> saldo {</a:t>
-            </a:r>
-            <a:r>
-              <a:rPr lang="es-ES" dirty="0" err="1"/>
-              <a:t>get</a:t>
-            </a:r>
-            <a:r>
-              <a:rPr lang="es-ES" dirty="0"/>
-              <a:t>; set;}</a:t>
-            </a:r>
-          </a:p>
-          <a:p>
-            <a:pPr marL="0" indent="0">
-              <a:lnSpc>
-                <a:spcPct val="100000"/>
-              </a:lnSpc>
-              <a:spcBef>
-                <a:spcPts val="0"/>
-              </a:spcBef>
-              <a:buNone/>
-            </a:pPr>
-            <a:r>
-              <a:rPr lang="es-ES" dirty="0"/>
-              <a:t>	</a:t>
-            </a:r>
-            <a:r>
-              <a:rPr lang="es-ES" dirty="0" err="1"/>
-              <a:t>public</a:t>
-            </a:r>
-            <a:r>
-              <a:rPr lang="es-ES" dirty="0"/>
-              <a:t> </a:t>
-            </a:r>
-            <a:r>
-              <a:rPr lang="es-ES" dirty="0" err="1"/>
-              <a:t>void</a:t>
-            </a:r>
-            <a:r>
-              <a:rPr lang="es-ES" dirty="0"/>
-              <a:t> Depositar(</a:t>
-            </a:r>
-            <a:r>
-              <a:rPr lang="es-ES" dirty="0" err="1"/>
-              <a:t>ulong</a:t>
-            </a:r>
-            <a:r>
-              <a:rPr lang="es-ES" dirty="0"/>
-              <a:t> valor){</a:t>
-            </a:r>
-          </a:p>
-          <a:p>
-            <a:pPr marL="0" indent="0">
-              <a:lnSpc>
-                <a:spcPct val="100000"/>
-              </a:lnSpc>
-              <a:spcBef>
-                <a:spcPts val="0"/>
-              </a:spcBef>
-              <a:buNone/>
-            </a:pPr>
-            <a:r>
-              <a:rPr lang="es-ES" dirty="0"/>
-              <a:t>		saldo+=valor;</a:t>
-            </a:r>
-          </a:p>
-          <a:p>
-            <a:pPr marL="0" indent="0">
-              <a:lnSpc>
-                <a:spcPct val="100000"/>
-              </a:lnSpc>
-              <a:spcBef>
-                <a:spcPts val="0"/>
-              </a:spcBef>
-              <a:buNone/>
-            </a:pPr>
-            <a:r>
-              <a:rPr lang="es-ES" dirty="0"/>
-              <a:t>	}</a:t>
-            </a:r>
-          </a:p>
-          <a:p>
-            <a:pPr marL="0" indent="0">
-              <a:lnSpc>
-                <a:spcPct val="100000"/>
-              </a:lnSpc>
-              <a:spcBef>
-                <a:spcPts val="0"/>
-              </a:spcBef>
-              <a:buNone/>
-            </a:pPr>
-            <a:r>
-              <a:rPr lang="es-ES" dirty="0"/>
-              <a:t>}</a:t>
-            </a:r>
-          </a:p>
-          <a:p>
-            <a:pPr marL="0" indent="0">
-              <a:lnSpc>
-                <a:spcPct val="100000"/>
-              </a:lnSpc>
-              <a:spcBef>
-                <a:spcPts val="0"/>
-              </a:spcBef>
-              <a:buNone/>
-            </a:pPr>
-            <a:endParaRPr lang="es-CO" dirty="0"/>
-          </a:p>
-          <a:p>
-            <a:pPr marL="0" indent="0">
-              <a:lnSpc>
-                <a:spcPct val="100000"/>
-              </a:lnSpc>
-              <a:spcBef>
-                <a:spcPts val="0"/>
-              </a:spcBef>
-              <a:buNone/>
-            </a:pPr>
-            <a:r>
-              <a:rPr lang="es-CO" dirty="0"/>
-              <a:t>//</a:t>
-            </a:r>
-            <a:r>
-              <a:rPr lang="es-CO" dirty="0" err="1"/>
-              <a:t>main</a:t>
-            </a:r>
-            <a:endParaRPr lang="es-CO" dirty="0"/>
-          </a:p>
-          <a:p>
-            <a:pPr marL="0" indent="0">
-              <a:lnSpc>
-                <a:spcPct val="100000"/>
-              </a:lnSpc>
-              <a:spcBef>
-                <a:spcPts val="0"/>
-              </a:spcBef>
-              <a:buNone/>
-            </a:pPr>
-            <a:r>
-              <a:rPr lang="es-CO" dirty="0"/>
-              <a:t>Cuenta </a:t>
-            </a:r>
-            <a:r>
-              <a:rPr lang="es-CO" dirty="0" err="1"/>
-              <a:t>cta</a:t>
-            </a:r>
-            <a:r>
-              <a:rPr lang="es-CO" dirty="0"/>
-              <a:t> = new Cuenta();</a:t>
-            </a:r>
-          </a:p>
-          <a:p>
-            <a:pPr marL="0" indent="0">
-              <a:lnSpc>
-                <a:spcPct val="100000"/>
-              </a:lnSpc>
-              <a:spcBef>
-                <a:spcPts val="0"/>
-              </a:spcBef>
-              <a:buNone/>
-            </a:pPr>
-            <a:r>
-              <a:rPr lang="es-CO" dirty="0" err="1"/>
-              <a:t>cta.saldo</a:t>
-            </a:r>
-            <a:r>
-              <a:rPr lang="es-CO" dirty="0"/>
-              <a:t> = 300000;</a:t>
-            </a:r>
-          </a:p>
-          <a:p>
-            <a:pPr marL="0" indent="0">
-              <a:lnSpc>
-                <a:spcPct val="100000"/>
-              </a:lnSpc>
-              <a:spcBef>
-                <a:spcPts val="0"/>
-              </a:spcBef>
-              <a:buNone/>
-            </a:pPr>
-            <a:r>
-              <a:rPr lang="es-CO" dirty="0" err="1"/>
-              <a:t>Console.WriteLine</a:t>
-            </a:r>
-            <a:r>
-              <a:rPr lang="es-CO" dirty="0"/>
-              <a:t>(</a:t>
-            </a:r>
-            <a:r>
-              <a:rPr lang="es-CO" dirty="0" err="1"/>
-              <a:t>cta.GetHashCode</a:t>
-            </a:r>
-            <a:r>
-              <a:rPr lang="es-CO" dirty="0"/>
-              <a:t>());</a:t>
-            </a:r>
-          </a:p>
-          <a:p>
-            <a:pPr marL="0" indent="0">
-              <a:lnSpc>
-                <a:spcPct val="100000"/>
-              </a:lnSpc>
-              <a:spcBef>
-                <a:spcPts val="0"/>
-              </a:spcBef>
-              <a:buNone/>
-            </a:pPr>
-            <a:r>
-              <a:rPr lang="es-ES" dirty="0" err="1"/>
-              <a:t>cta.Depositar</a:t>
-            </a:r>
-            <a:r>
-              <a:rPr lang="es-ES" dirty="0"/>
-              <a:t>(1000000);</a:t>
-            </a:r>
-          </a:p>
-          <a:p>
-            <a:pPr marL="0" indent="0">
-              <a:lnSpc>
-                <a:spcPct val="100000"/>
-              </a:lnSpc>
-              <a:spcBef>
-                <a:spcPts val="0"/>
-              </a:spcBef>
-              <a:buNone/>
-            </a:pPr>
-            <a:r>
-              <a:rPr lang="es-ES" dirty="0" err="1"/>
-              <a:t>Console.WriteLine</a:t>
-            </a:r>
-            <a:r>
-              <a:rPr lang="es-ES" dirty="0"/>
-              <a:t>(</a:t>
-            </a:r>
-            <a:r>
-              <a:rPr lang="es-ES" dirty="0" err="1"/>
-              <a:t>cta.GetHashCode</a:t>
-            </a:r>
-            <a:r>
-              <a:rPr lang="es-ES" dirty="0"/>
-              <a:t>());</a:t>
-            </a:r>
-          </a:p>
-        </p:txBody>
-      </p:sp>
-      <p:sp>
-        <p:nvSpPr>
-          <p:cNvPr id="4" name="Marcador de contenido 2">
-            <a:extLst>
-              <a:ext uri="{FF2B5EF4-FFF2-40B4-BE49-F238E27FC236}">
-                <a16:creationId xmlns:a16="http://schemas.microsoft.com/office/drawing/2014/main" id="{68B196C6-A6FF-4897-AE9B-163B930A07C0}"/>
-              </a:ext>
-            </a:extLst>
-          </p:cNvPr>
-          <p:cNvSpPr txBox="1">
-            <a:spLocks/>
-          </p:cNvSpPr>
-          <p:nvPr/>
-        </p:nvSpPr>
-        <p:spPr>
-          <a:xfrm>
-            <a:off x="6602776" y="2103120"/>
-            <a:ext cx="4724400" cy="3959352"/>
+            <a:off x="694413" y="2836309"/>
+            <a:ext cx="2724144" cy="336695"/>
           </a:xfrm>
           <a:prstGeom prst="rect">
             <a:avLst/>
           </a:prstGeom>
+          <a:noFill/>
         </p:spPr>
         <p:txBody>
-          <a:bodyPr vert="horz" lIns="0" tIns="0" rIns="0" bIns="0" rtlCol="0">
-            <a:normAutofit fontScale="92500" lnSpcReduction="10000"/>
+          <a:bodyPr wrap="none" rtlCol="0">
+            <a:spAutoFit/>
           </a:bodyPr>
-          <a:lstStyle>
-            <a:lvl1pPr marL="228600" indent="-228600" algn="l" defTabSz="914400" rtl="0" eaLnBrk="1" latinLnBrk="0" hangingPunct="1">
-              <a:lnSpc>
-                <a:spcPct val="120000"/>
-              </a:lnSpc>
-              <a:spcBef>
-                <a:spcPts val="1000"/>
-              </a:spcBef>
-              <a:buFont typeface="Arial" panose="020B0604020202020204" pitchFamily="34" charset="0"/>
-              <a:buChar char="•"/>
-              <a:defRPr sz="2400" kern="1200">
-                <a:solidFill>
-                  <a:schemeClr val="tx1"/>
-                </a:solidFill>
-                <a:latin typeface="+mn-lt"/>
-                <a:ea typeface="+mn-ea"/>
-                <a:cs typeface="+mn-cs"/>
-              </a:defRPr>
-            </a:lvl1pPr>
-            <a:lvl2pPr marL="685800" indent="-228600" algn="l" defTabSz="914400" rtl="0" eaLnBrk="1" latinLnBrk="0" hangingPunct="1">
-              <a:lnSpc>
-                <a:spcPct val="120000"/>
-              </a:lnSpc>
-              <a:spcBef>
-                <a:spcPts val="500"/>
-              </a:spcBef>
-              <a:buFont typeface="Arial" panose="020B0604020202020204" pitchFamily="34" charset="0"/>
-              <a:buChar char="•"/>
-              <a:defRPr sz="2400" kern="1200">
-                <a:solidFill>
-                  <a:schemeClr val="tx1"/>
-                </a:solidFill>
-                <a:latin typeface="+mn-lt"/>
-                <a:ea typeface="+mn-ea"/>
-                <a:cs typeface="+mn-cs"/>
-              </a:defRPr>
-            </a:lvl2pPr>
-            <a:lvl3pPr marL="1143000" indent="-228600" algn="l" defTabSz="914400" rtl="0" eaLnBrk="1" latinLnBrk="0" hangingPunct="1">
-              <a:lnSpc>
-                <a:spcPct val="120000"/>
-              </a:lnSpc>
-              <a:spcBef>
-                <a:spcPts val="500"/>
-              </a:spcBef>
-              <a:buFont typeface="Arial" panose="020B0604020202020204" pitchFamily="34" charset="0"/>
-              <a:buChar char="•"/>
-              <a:defRPr sz="2000" kern="1200">
-                <a:solidFill>
-                  <a:schemeClr val="tx1"/>
-                </a:solidFill>
-                <a:latin typeface="+mn-lt"/>
-                <a:ea typeface="+mn-ea"/>
-                <a:cs typeface="+mn-cs"/>
-              </a:defRPr>
-            </a:lvl3pPr>
-            <a:lvl4pPr marL="1600200" indent="-228600" algn="l" defTabSz="914400" rtl="0" eaLnBrk="1" latinLnBrk="0" hangingPunct="1">
-              <a:lnSpc>
-                <a:spcPct val="120000"/>
-              </a:lnSpc>
-              <a:spcBef>
-                <a:spcPts val="500"/>
-              </a:spcBef>
-              <a:buFont typeface="Arial" panose="020B0604020202020204" pitchFamily="34" charset="0"/>
-              <a:buChar char="•"/>
-              <a:defRPr sz="1800" kern="1200">
-                <a:solidFill>
-                  <a:schemeClr val="tx1"/>
-                </a:solidFill>
-                <a:latin typeface="+mn-lt"/>
-                <a:ea typeface="+mn-ea"/>
-                <a:cs typeface="+mn-cs"/>
-              </a:defRPr>
-            </a:lvl4pPr>
-            <a:lvl5pPr marL="2057400" indent="-228600" algn="l" defTabSz="914400" rtl="0" eaLnBrk="1" latinLnBrk="0" hangingPunct="1">
-              <a:lnSpc>
-                <a:spcPct val="120000"/>
-              </a:lnSpc>
-              <a:spcBef>
-                <a:spcPts val="500"/>
-              </a:spcBef>
-              <a:buFont typeface="Arial" panose="020B0604020202020204" pitchFamily="34" charset="0"/>
-              <a:buChar char="•"/>
-              <a:defRPr sz="1800" kern="1200">
-                <a:solidFill>
-                  <a:schemeClr val="tx1"/>
-                </a:solidFill>
-                <a:latin typeface="+mn-lt"/>
-                <a:ea typeface="+mn-ea"/>
-                <a:cs typeface="+mn-cs"/>
-              </a:defRPr>
-            </a:lvl5pPr>
-            <a:lvl6pPr marL="2514600" indent="-228600" algn="l" defTabSz="914400" rtl="0" eaLnBrk="1" latinLnBrk="0" hangingPunct="1">
-              <a:lnSpc>
-                <a:spcPct val="90000"/>
-              </a:lnSpc>
-              <a:spcBef>
-                <a:spcPts val="500"/>
-              </a:spcBef>
-              <a:buFont typeface="Arial" panose="020B0604020202020204" pitchFamily="34" charset="0"/>
-              <a:buChar char="•"/>
-              <a:defRPr sz="1800" kern="1200">
-                <a:solidFill>
-                  <a:schemeClr val="tx1"/>
-                </a:solidFill>
-                <a:latin typeface="+mn-lt"/>
-                <a:ea typeface="+mn-ea"/>
-                <a:cs typeface="+mn-cs"/>
-              </a:defRPr>
-            </a:lvl6pPr>
-            <a:lvl7pPr marL="2971800" indent="-228600" algn="l" defTabSz="914400" rtl="0" eaLnBrk="1" latinLnBrk="0" hangingPunct="1">
-              <a:lnSpc>
-                <a:spcPct val="90000"/>
-              </a:lnSpc>
-              <a:spcBef>
-                <a:spcPts val="500"/>
-              </a:spcBef>
-              <a:buFont typeface="Arial" panose="020B0604020202020204" pitchFamily="34" charset="0"/>
-              <a:buChar char="•"/>
-              <a:defRPr sz="1800" kern="1200">
-                <a:solidFill>
-                  <a:schemeClr val="tx1"/>
-                </a:solidFill>
-                <a:latin typeface="+mn-lt"/>
-                <a:ea typeface="+mn-ea"/>
-                <a:cs typeface="+mn-cs"/>
-              </a:defRPr>
-            </a:lvl7pPr>
-            <a:lvl8pPr marL="3429000" indent="-228600" algn="l" defTabSz="914400" rtl="0" eaLnBrk="1" latinLnBrk="0" hangingPunct="1">
-              <a:lnSpc>
-                <a:spcPct val="90000"/>
-              </a:lnSpc>
-              <a:spcBef>
-                <a:spcPts val="500"/>
-              </a:spcBef>
-              <a:buFont typeface="Arial" panose="020B0604020202020204" pitchFamily="34" charset="0"/>
-              <a:buChar char="•"/>
-              <a:defRPr sz="1800" kern="1200">
-                <a:solidFill>
-                  <a:schemeClr val="tx1"/>
-                </a:solidFill>
-                <a:latin typeface="+mn-lt"/>
-                <a:ea typeface="+mn-ea"/>
-                <a:cs typeface="+mn-cs"/>
-              </a:defRPr>
-            </a:lvl8pPr>
-            <a:lvl9pPr marL="3886200" indent="-228600" algn="l" defTabSz="914400" rtl="0" eaLnBrk="1" latinLnBrk="0" hangingPunct="1">
-              <a:lnSpc>
-                <a:spcPct val="90000"/>
-              </a:lnSpc>
-              <a:spcBef>
-                <a:spcPts val="500"/>
-              </a:spcBef>
-              <a:buFont typeface="Arial" panose="020B0604020202020204" pitchFamily="34" charset="0"/>
-              <a:buChar char="•"/>
-              <a:defRPr sz="1800" kern="1200">
-                <a:solidFill>
-                  <a:schemeClr val="tx1"/>
-                </a:solidFill>
-                <a:latin typeface="+mn-lt"/>
-                <a:ea typeface="+mn-ea"/>
-                <a:cs typeface="+mn-cs"/>
-              </a:defRPr>
-            </a:lvl9pPr>
-          </a:lstStyle>
-          <a:p>
-            <a:pPr marL="0" indent="0">
-              <a:buFont typeface="Arial" panose="020B0604020202020204" pitchFamily="34" charset="0"/>
-              <a:buNone/>
-            </a:pPr>
-            <a:r>
-              <a:rPr lang="es-ES" dirty="0"/>
-              <a:t>Porqué es mutable:</a:t>
-            </a:r>
-          </a:p>
-          <a:p>
-            <a:r>
-              <a:rPr lang="es-ES" dirty="0" err="1"/>
-              <a:t>cta</a:t>
-            </a:r>
-            <a:r>
-              <a:rPr lang="es-ES" dirty="0"/>
-              <a:t> es una instancia de Cuenta.</a:t>
-            </a:r>
-          </a:p>
-          <a:p>
-            <a:r>
-              <a:rPr lang="es-ES" dirty="0"/>
-              <a:t>El atributo cambia el valor a 300000 en la misma instancia </a:t>
-            </a:r>
-            <a:r>
-              <a:rPr lang="es-ES" dirty="0" err="1"/>
-              <a:t>cta</a:t>
-            </a:r>
-            <a:endParaRPr lang="es-ES" dirty="0"/>
-          </a:p>
-          <a:p>
-            <a:r>
-              <a:rPr lang="es-ES" dirty="0"/>
-              <a:t>Cuando se invoca la función Depositar, el atributo vuelve a cambiar el saldo en esa instancia</a:t>
-            </a:r>
-          </a:p>
-          <a:p>
-            <a:r>
-              <a:rPr lang="es-ES" dirty="0"/>
-              <a:t>En conclusión, la instancia cambia de valores durante la ejecución.</a:t>
-            </a:r>
-          </a:p>
-        </p:txBody>
-      </p:sp>
+          <a:lstStyle/>
+          <a:p>
+            <a:r>
+              <a:rPr lang="es-ES" sz="1588" dirty="0"/>
+              <a:t>Declaración del Delegado </a:t>
+            </a:r>
+            <a:r>
+              <a:rPr lang="es-ES" sz="1588" dirty="0" err="1"/>
+              <a:t>Func</a:t>
+            </a:r>
+            <a:endParaRPr lang="es-419" sz="1588" dirty="0"/>
+          </a:p>
+        </p:txBody>
+      </p:sp>
+      <p:cxnSp>
+        <p:nvCxnSpPr>
+          <p:cNvPr id="13" name="Conector recto de flecha 12">
+            <a:extLst>
+              <a:ext uri="{FF2B5EF4-FFF2-40B4-BE49-F238E27FC236}">
+                <a16:creationId xmlns:a16="http://schemas.microsoft.com/office/drawing/2014/main" id="{36BFE3E4-F01A-46DB-9A0E-BBC568A090B2}"/>
+              </a:ext>
+            </a:extLst>
+          </p:cNvPr>
+          <p:cNvCxnSpPr>
+            <a:cxnSpLocks/>
+          </p:cNvCxnSpPr>
+          <p:nvPr/>
+        </p:nvCxnSpPr>
+        <p:spPr>
+          <a:xfrm flipV="1">
+            <a:off x="3385595" y="2389832"/>
+            <a:ext cx="954912" cy="619631"/>
+          </a:xfrm>
+          <a:prstGeom prst="straightConnector1">
+            <a:avLst/>
+          </a:prstGeom>
+          <a:ln>
+            <a:tailEnd type="triangle"/>
+          </a:ln>
+        </p:spPr>
+        <p:style>
+          <a:lnRef idx="1">
+            <a:schemeClr val="accent1"/>
+          </a:lnRef>
+          <a:fillRef idx="0">
+            <a:schemeClr val="accent1"/>
+          </a:fillRef>
+          <a:effectRef idx="0">
+            <a:schemeClr val="accent1"/>
+          </a:effectRef>
+          <a:fontRef idx="minor">
+            <a:schemeClr val="tx1"/>
+          </a:fontRef>
+        </p:style>
+      </p:cxnSp>
+      <p:sp>
+        <p:nvSpPr>
+          <p:cNvPr id="7" name="CuadroTexto 6">
+            <a:extLst>
+              <a:ext uri="{FF2B5EF4-FFF2-40B4-BE49-F238E27FC236}">
+                <a16:creationId xmlns:a16="http://schemas.microsoft.com/office/drawing/2014/main" id="{D13E8570-45DC-4BBF-A862-500D8B574AD1}"/>
+              </a:ext>
+            </a:extLst>
+          </p:cNvPr>
+          <p:cNvSpPr txBox="1"/>
+          <p:nvPr/>
+        </p:nvSpPr>
+        <p:spPr>
+          <a:xfrm>
+            <a:off x="4457955" y="2267742"/>
+            <a:ext cx="7338008" cy="3513398"/>
+          </a:xfrm>
+          <a:prstGeom prst="rect">
+            <a:avLst/>
+          </a:prstGeom>
+          <a:noFill/>
+        </p:spPr>
+        <p:txBody>
+          <a:bodyPr wrap="square">
+            <a:spAutoFit/>
+          </a:bodyPr>
+          <a:lstStyle/>
+          <a:p>
+            <a:r>
+              <a:rPr lang="es-419" sz="1588" dirty="0" err="1"/>
+              <a:t>Func</a:t>
+            </a:r>
+            <a:r>
+              <a:rPr lang="es-419" sz="1588" dirty="0"/>
+              <a:t>&lt;</a:t>
+            </a:r>
+            <a:r>
+              <a:rPr lang="es-419" sz="1588" dirty="0" err="1"/>
+              <a:t>double</a:t>
+            </a:r>
+            <a:r>
+              <a:rPr lang="es-419" sz="1588" dirty="0"/>
+              <a:t>, </a:t>
+            </a:r>
+            <a:r>
+              <a:rPr lang="es-419" sz="1588" dirty="0" err="1"/>
+              <a:t>double</a:t>
+            </a:r>
+            <a:r>
+              <a:rPr lang="es-419" sz="1588" dirty="0"/>
+              <a:t>, </a:t>
+            </a:r>
+            <a:r>
+              <a:rPr lang="es-419" sz="1588" dirty="0" err="1"/>
+              <a:t>double</a:t>
+            </a:r>
+            <a:r>
+              <a:rPr lang="es-419" sz="1588" dirty="0"/>
+              <a:t>&gt; sumar = (x, y) =&gt; x + y;</a:t>
+            </a:r>
+          </a:p>
+          <a:p>
+            <a:endParaRPr lang="es-419" sz="1588" dirty="0"/>
+          </a:p>
+          <a:p>
+            <a:r>
+              <a:rPr lang="es-419" sz="1588" dirty="0" err="1"/>
+              <a:t>Func</a:t>
+            </a:r>
+            <a:r>
+              <a:rPr lang="es-419" sz="1588" dirty="0"/>
+              <a:t>&lt;</a:t>
+            </a:r>
+            <a:r>
+              <a:rPr lang="es-419" sz="1588" dirty="0" err="1"/>
+              <a:t>double</a:t>
+            </a:r>
+            <a:r>
+              <a:rPr lang="es-419" sz="1588" dirty="0"/>
+              <a:t>, </a:t>
+            </a:r>
+            <a:r>
+              <a:rPr lang="es-419" sz="1588" dirty="0" err="1"/>
+              <a:t>double</a:t>
+            </a:r>
+            <a:r>
+              <a:rPr lang="es-419" sz="1588" dirty="0"/>
+              <a:t>, </a:t>
+            </a:r>
+            <a:r>
+              <a:rPr lang="es-419" sz="1588" dirty="0" err="1"/>
+              <a:t>double</a:t>
+            </a:r>
+            <a:r>
+              <a:rPr lang="es-419" sz="1588" dirty="0"/>
+              <a:t>&gt; dividir = (x, y) =&gt;</a:t>
+            </a:r>
+          </a:p>
+          <a:p>
+            <a:r>
+              <a:rPr lang="es-419" sz="1588" dirty="0"/>
+              <a:t>        {</a:t>
+            </a:r>
+          </a:p>
+          <a:p>
+            <a:r>
+              <a:rPr lang="es-419" sz="1588" dirty="0"/>
+              <a:t>            </a:t>
+            </a:r>
+            <a:r>
+              <a:rPr lang="es-419" sz="1588" dirty="0" err="1"/>
+              <a:t>if</a:t>
+            </a:r>
+            <a:r>
+              <a:rPr lang="es-419" sz="1588" dirty="0"/>
+              <a:t> (y == 0) </a:t>
+            </a:r>
+            <a:r>
+              <a:rPr lang="es-419" sz="1588" dirty="0" err="1"/>
+              <a:t>throw</a:t>
+            </a:r>
+            <a:r>
+              <a:rPr lang="es-419" sz="1588" dirty="0"/>
+              <a:t> new </a:t>
+            </a:r>
+            <a:r>
+              <a:rPr lang="es-419" sz="1588" dirty="0" err="1"/>
+              <a:t>DivideByZeroException</a:t>
+            </a:r>
+            <a:r>
+              <a:rPr lang="es-419" sz="1588" dirty="0"/>
+              <a:t>("No se puede dividir por cero.");</a:t>
+            </a:r>
+          </a:p>
+          <a:p>
+            <a:r>
+              <a:rPr lang="es-419" sz="1588" dirty="0"/>
+              <a:t>            </a:t>
+            </a:r>
+            <a:r>
+              <a:rPr lang="es-419" sz="1588" dirty="0" err="1"/>
+              <a:t>return</a:t>
+            </a:r>
+            <a:r>
+              <a:rPr lang="es-419" sz="1588" dirty="0"/>
+              <a:t> x / y;</a:t>
+            </a:r>
+          </a:p>
+          <a:p>
+            <a:r>
+              <a:rPr lang="es-419" sz="1588" dirty="0"/>
+              <a:t>        };</a:t>
+            </a:r>
+          </a:p>
+          <a:p>
+            <a:endParaRPr lang="es-419" sz="1588" dirty="0"/>
+          </a:p>
+          <a:p>
+            <a:r>
+              <a:rPr lang="es-419" sz="1588" dirty="0" err="1"/>
+              <a:t>double</a:t>
+            </a:r>
+            <a:r>
+              <a:rPr lang="es-419" sz="1588" dirty="0"/>
+              <a:t> resultado1 = sumar(10.5, 5.2);</a:t>
+            </a:r>
+          </a:p>
+          <a:p>
+            <a:r>
+              <a:rPr lang="es-419" sz="1588" dirty="0" err="1"/>
+              <a:t>double</a:t>
+            </a:r>
+            <a:r>
+              <a:rPr lang="es-419" sz="1588" dirty="0"/>
+              <a:t> resultado2 = dividir(20, 4);</a:t>
+            </a:r>
+          </a:p>
+          <a:p>
+            <a:endParaRPr lang="es-419" sz="1588" dirty="0"/>
+          </a:p>
+          <a:p>
+            <a:r>
+              <a:rPr lang="es-419" sz="1588" dirty="0" err="1"/>
+              <a:t>Console.WriteLine</a:t>
+            </a:r>
+            <a:r>
+              <a:rPr lang="es-419" sz="1588" dirty="0"/>
+              <a:t>($"Suma: {resultado1}");</a:t>
+            </a:r>
+          </a:p>
+          <a:p>
+            <a:r>
+              <a:rPr lang="es-419" sz="1588" dirty="0" err="1"/>
+              <a:t>Console.WriteLine</a:t>
+            </a:r>
+            <a:r>
+              <a:rPr lang="es-419" sz="1588" dirty="0"/>
+              <a:t>($"División: {resultado2}");</a:t>
+            </a:r>
+          </a:p>
+          <a:p>
+            <a:endParaRPr lang="es-419" sz="1588" dirty="0"/>
+          </a:p>
+        </p:txBody>
+      </p:sp>
+      <p:cxnSp>
+        <p:nvCxnSpPr>
+          <p:cNvPr id="9" name="Conector recto de flecha 8">
+            <a:extLst>
+              <a:ext uri="{FF2B5EF4-FFF2-40B4-BE49-F238E27FC236}">
+                <a16:creationId xmlns:a16="http://schemas.microsoft.com/office/drawing/2014/main" id="{CF8A0B8D-2873-4AC8-8721-5379EEB1B32E}"/>
+              </a:ext>
+            </a:extLst>
+          </p:cNvPr>
+          <p:cNvCxnSpPr>
+            <a:cxnSpLocks/>
+          </p:cNvCxnSpPr>
+          <p:nvPr/>
+        </p:nvCxnSpPr>
+        <p:spPr>
+          <a:xfrm flipV="1">
+            <a:off x="3517013" y="2920906"/>
+            <a:ext cx="823494" cy="163407"/>
+          </a:xfrm>
+          <a:prstGeom prst="straightConnector1">
+            <a:avLst/>
+          </a:prstGeom>
+          <a:ln>
+            <a:tailEnd type="triangle"/>
+          </a:ln>
+        </p:spPr>
+        <p:style>
+          <a:lnRef idx="1">
+            <a:schemeClr val="accent1"/>
+          </a:lnRef>
+          <a:fillRef idx="0">
+            <a:schemeClr val="accent1"/>
+          </a:fillRef>
+          <a:effectRef idx="0">
+            <a:schemeClr val="accent1"/>
+          </a:effectRef>
+          <a:fontRef idx="minor">
+            <a:schemeClr val="tx1"/>
+          </a:fontRef>
+        </p:style>
+      </p:cxnSp>
     </p:spTree>
     <p:extLst>
       <p:ext uri="{BB962C8B-B14F-4D97-AF65-F5344CB8AC3E}">
-        <p14:creationId xmlns:p14="http://schemas.microsoft.com/office/powerpoint/2010/main" val="3172985459"/>
+        <p14:creationId xmlns:p14="http://schemas.microsoft.com/office/powerpoint/2010/main" val="686400249"/>
       </p:ext>
     </p:extLst>
   </p:cSld>
@@ -13881,7 +14892,7 @@
           <p:cNvPr id="2" name="Título 1">
             <a:extLst>
               <a:ext uri="{FF2B5EF4-FFF2-40B4-BE49-F238E27FC236}">
-                <a16:creationId xmlns:a16="http://schemas.microsoft.com/office/drawing/2014/main" id="{61D10879-ACE2-44C9-A0EB-674CFFC54F6F}"/>
+                <a16:creationId xmlns:a16="http://schemas.microsoft.com/office/drawing/2014/main" id="{2A91FA69-2361-4506-90FC-DE3F121B7C6A}"/>
               </a:ext>
             </a:extLst>
           </p:cNvPr>
@@ -13892,33 +14903,22 @@
             <p:ph type="title"/>
           </p:nvPr>
         </p:nvSpPr>
-        <p:spPr>
-          <a:xfrm>
-            <a:off x="1371600" y="795528"/>
-            <a:ext cx="10241280" cy="631349"/>
-          </a:xfrm>
-        </p:spPr>
+        <p:spPr/>
         <p:txBody>
           <a:bodyPr/>
           <a:lstStyle/>
           <a:p>
             <a:r>
               <a:rPr lang="es-ES" dirty="0"/>
-              <a:t>Clase inmutable (</a:t>
-            </a:r>
-            <a:r>
-              <a:rPr lang="es-ES" sz="2000" i="1" dirty="0">
-                <a:solidFill>
-                  <a:schemeClr val="bg1">
-                    <a:lumMod val="75000"/>
-                  </a:schemeClr>
-                </a:solidFill>
-              </a:rPr>
-              <a:t>mismo ejemplo</a:t>
+              <a:t>Mutabilidad 		 </a:t>
+            </a:r>
+            <a:r>
+              <a:rPr lang="es-ES" dirty="0" err="1"/>
+              <a:t>INMutabilidad</a:t>
             </a:r>
             <a:r>
               <a:rPr lang="es-ES" dirty="0"/>
-              <a:t>)</a:t>
+              <a:t> 		</a:t>
             </a:r>
             <a:endParaRPr lang="es-CO" dirty="0"/>
           </a:p>
@@ -13926,10 +14926,10 @@
       </p:sp>
       <p:sp>
         <p:nvSpPr>
-          <p:cNvPr id="3" name="Marcador de contenido 2">
+          <p:cNvPr id="5" name="Marcador de contenido 4">
             <a:extLst>
               <a:ext uri="{FF2B5EF4-FFF2-40B4-BE49-F238E27FC236}">
-                <a16:creationId xmlns:a16="http://schemas.microsoft.com/office/drawing/2014/main" id="{8680D6E9-4751-4110-A5C9-389D4617523D}"/>
+                <a16:creationId xmlns:a16="http://schemas.microsoft.com/office/drawing/2014/main" id="{B19C694E-BD87-43E7-8CF4-90791E9E2E9A}"/>
               </a:ext>
             </a:extLst>
           </p:cNvPr>
@@ -13937,13 +14937,13 @@
             <a:spLocks noGrp="1"/>
           </p:cNvSpPr>
           <p:nvPr>
-            <p:ph idx="1"/>
+            <p:ph sz="half" idx="1"/>
           </p:nvPr>
         </p:nvSpPr>
         <p:spPr>
           <a:xfrm>
-            <a:off x="1075062" y="1660572"/>
-            <a:ext cx="10041876" cy="3959352"/>
+            <a:off x="6766560" y="1965962"/>
+            <a:ext cx="4846320" cy="3959352"/>
           </a:xfrm>
         </p:spPr>
         <p:txBody>
@@ -13952,400 +14952,206 @@
           </a:bodyPr>
           <a:lstStyle/>
           <a:p>
-            <a:pPr marL="0" indent="0">
-              <a:buNone/>
-            </a:pPr>
-            <a:r>
-              <a:rPr lang="es-ES" dirty="0" err="1"/>
-              <a:t>public</a:t>
-            </a:r>
-            <a:r>
-              <a:rPr lang="es-ES" dirty="0"/>
-              <a:t> </a:t>
-            </a:r>
-            <a:r>
-              <a:rPr lang="es-ES" dirty="0" err="1"/>
-              <a:t>class</a:t>
-            </a:r>
-            <a:r>
-              <a:rPr lang="es-ES" dirty="0"/>
-              <a:t> Cuenta{</a:t>
-            </a:r>
-          </a:p>
-          <a:p>
-            <a:pPr marL="0" indent="0">
-              <a:lnSpc>
-                <a:spcPct val="100000"/>
-              </a:lnSpc>
-              <a:spcBef>
-                <a:spcPts val="0"/>
-              </a:spcBef>
-              <a:buNone/>
-            </a:pPr>
-            <a:r>
-              <a:rPr lang="es-ES" dirty="0"/>
-              <a:t>	</a:t>
-            </a:r>
-            <a:r>
-              <a:rPr lang="es-ES" dirty="0" err="1"/>
-              <a:t>ulong</a:t>
-            </a:r>
-            <a:r>
-              <a:rPr lang="es-ES" dirty="0"/>
-              <a:t> saldo {</a:t>
-            </a:r>
-            <a:r>
-              <a:rPr lang="es-ES" dirty="0" err="1"/>
-              <a:t>get</a:t>
-            </a:r>
-            <a:r>
-              <a:rPr lang="es-ES" dirty="0"/>
-              <a:t>;}</a:t>
-            </a:r>
-          </a:p>
-          <a:p>
-            <a:pPr marL="0" indent="0">
-              <a:lnSpc>
-                <a:spcPct val="100000"/>
-              </a:lnSpc>
-              <a:spcBef>
-                <a:spcPts val="0"/>
-              </a:spcBef>
-              <a:buNone/>
-            </a:pPr>
-            <a:r>
-              <a:rPr lang="es-ES" dirty="0"/>
-              <a:t>	</a:t>
-            </a:r>
-            <a:r>
-              <a:rPr lang="es-ES" dirty="0" err="1"/>
-              <a:t>public</a:t>
-            </a:r>
-            <a:r>
-              <a:rPr lang="es-ES" dirty="0"/>
-              <a:t> Cuenta(</a:t>
-            </a:r>
-            <a:r>
-              <a:rPr lang="es-ES" dirty="0" err="1"/>
-              <a:t>ulong</a:t>
-            </a:r>
-            <a:r>
-              <a:rPr lang="es-ES" dirty="0"/>
-              <a:t> saldo){</a:t>
-            </a:r>
-          </a:p>
-          <a:p>
-            <a:pPr marL="0" indent="0">
-              <a:lnSpc>
-                <a:spcPct val="100000"/>
-              </a:lnSpc>
-              <a:spcBef>
-                <a:spcPts val="0"/>
-              </a:spcBef>
-              <a:buNone/>
-            </a:pPr>
-            <a:r>
-              <a:rPr lang="es-ES" dirty="0"/>
-              <a:t>		</a:t>
-            </a:r>
-            <a:r>
-              <a:rPr lang="es-ES" dirty="0" err="1"/>
-              <a:t>this.saldo</a:t>
-            </a:r>
-            <a:r>
-              <a:rPr lang="es-ES" dirty="0"/>
-              <a:t> = saldo;</a:t>
-            </a:r>
-          </a:p>
-          <a:p>
-            <a:pPr marL="0" indent="0">
-              <a:lnSpc>
-                <a:spcPct val="100000"/>
-              </a:lnSpc>
-              <a:spcBef>
-                <a:spcPts val="0"/>
-              </a:spcBef>
-              <a:buNone/>
-            </a:pPr>
-            <a:r>
-              <a:rPr lang="es-ES" dirty="0"/>
-              <a:t>	}</a:t>
-            </a:r>
-          </a:p>
-          <a:p>
-            <a:pPr marL="0" indent="0">
-              <a:lnSpc>
-                <a:spcPct val="100000"/>
-              </a:lnSpc>
-              <a:spcBef>
-                <a:spcPts val="0"/>
-              </a:spcBef>
-              <a:buNone/>
-            </a:pPr>
-            <a:r>
-              <a:rPr lang="es-ES" dirty="0"/>
-              <a:t>	</a:t>
-            </a:r>
-            <a:r>
-              <a:rPr lang="es-ES" dirty="0" err="1"/>
-              <a:t>public</a:t>
-            </a:r>
-            <a:r>
-              <a:rPr lang="es-ES" dirty="0"/>
-              <a:t> Depositar(</a:t>
-            </a:r>
-            <a:r>
-              <a:rPr lang="es-ES" dirty="0" err="1"/>
-              <a:t>ulong</a:t>
-            </a:r>
-            <a:r>
-              <a:rPr lang="es-ES" dirty="0"/>
-              <a:t> valor) =&gt; new Cuenta (saldo + valor);</a:t>
-            </a:r>
-          </a:p>
-          <a:p>
-            <a:pPr marL="0" indent="0">
-              <a:lnSpc>
-                <a:spcPct val="100000"/>
-              </a:lnSpc>
-              <a:spcBef>
-                <a:spcPts val="0"/>
-              </a:spcBef>
-              <a:buNone/>
-            </a:pPr>
-            <a:r>
-              <a:rPr lang="es-ES" dirty="0"/>
-              <a:t>}</a:t>
-            </a:r>
-          </a:p>
-          <a:p>
-            <a:pPr marL="0" indent="0">
-              <a:lnSpc>
-                <a:spcPct val="100000"/>
-              </a:lnSpc>
-              <a:spcBef>
-                <a:spcPts val="0"/>
-              </a:spcBef>
-              <a:buNone/>
-            </a:pPr>
+            <a:r>
+              <a:rPr lang="es-ES" dirty="0">
+                <a:solidFill>
+                  <a:srgbClr val="666666"/>
+                </a:solidFill>
+                <a:latin typeface="Inter"/>
+              </a:rPr>
+              <a:t>S</a:t>
+            </a:r>
+            <a:r>
+              <a:rPr lang="es-ES" b="0" i="0" dirty="0">
+                <a:solidFill>
+                  <a:srgbClr val="666666"/>
+                </a:solidFill>
+                <a:effectLst/>
+                <a:latin typeface="Inter"/>
+              </a:rPr>
+              <a:t>ignifica que los objetos de una clase no se puedan cambiar una vez están creados.</a:t>
+            </a:r>
+          </a:p>
+          <a:p>
+            <a:r>
+              <a:rPr lang="es-ES" dirty="0">
+                <a:solidFill>
+                  <a:srgbClr val="666666"/>
+                </a:solidFill>
+                <a:latin typeface="Inter"/>
+              </a:rPr>
+              <a:t>Hasta ahora: </a:t>
+            </a:r>
+            <a:r>
+              <a:rPr lang="es-ES" dirty="0" err="1">
+                <a:solidFill>
+                  <a:srgbClr val="666666"/>
+                </a:solidFill>
+                <a:latin typeface="Inter"/>
+              </a:rPr>
+              <a:t>const</a:t>
+            </a:r>
+            <a:r>
+              <a:rPr lang="es-ES" dirty="0">
+                <a:solidFill>
+                  <a:srgbClr val="666666"/>
+                </a:solidFill>
+                <a:latin typeface="Inter"/>
+              </a:rPr>
+              <a:t> y </a:t>
+            </a:r>
+            <a:r>
+              <a:rPr lang="es-ES" dirty="0" err="1">
+                <a:solidFill>
+                  <a:srgbClr val="666666"/>
+                </a:solidFill>
+                <a:latin typeface="Inter"/>
+              </a:rPr>
+              <a:t>readonly</a:t>
+            </a:r>
+            <a:endParaRPr lang="es-ES" dirty="0">
+              <a:solidFill>
+                <a:srgbClr val="666666"/>
+              </a:solidFill>
+              <a:latin typeface="Inter"/>
+            </a:endParaRPr>
+          </a:p>
+          <a:p>
+            <a:r>
+              <a:rPr lang="es-ES" b="0" i="0" dirty="0">
+                <a:solidFill>
+                  <a:srgbClr val="666666"/>
+                </a:solidFill>
+                <a:effectLst/>
+                <a:latin typeface="Inter"/>
+              </a:rPr>
+              <a:t>Prever errores de los objetos  mutables</a:t>
+            </a:r>
+          </a:p>
+          <a:p>
+            <a:r>
+              <a:rPr lang="es-ES" dirty="0">
+                <a:solidFill>
+                  <a:srgbClr val="666666"/>
+                </a:solidFill>
+                <a:latin typeface="Inter"/>
+              </a:rPr>
+              <a:t>Si se quiere asignar un nuevo valor a un elemento inmutable, se crea una copia de éste y se le asigna el nuevo valor.</a:t>
+            </a:r>
+          </a:p>
+          <a:p>
+            <a:r>
+              <a:rPr lang="es-ES" b="0" i="0" dirty="0">
+                <a:solidFill>
+                  <a:srgbClr val="666666"/>
+                </a:solidFill>
+                <a:effectLst/>
+                <a:latin typeface="Inter"/>
+              </a:rPr>
+              <a:t>Programación Funcional Estricta: Clases </a:t>
+            </a:r>
+            <a:r>
+              <a:rPr lang="es-ES" b="0" i="0" dirty="0" err="1">
+                <a:solidFill>
+                  <a:srgbClr val="666666"/>
+                </a:solidFill>
+                <a:effectLst/>
+                <a:latin typeface="Inter"/>
+              </a:rPr>
+              <a:t>inmultables</a:t>
+            </a:r>
+            <a:endParaRPr lang="es-ES" b="0" i="0" dirty="0">
+              <a:solidFill>
+                <a:srgbClr val="666666"/>
+              </a:solidFill>
+              <a:effectLst/>
+              <a:latin typeface="Inter"/>
+            </a:endParaRPr>
+          </a:p>
+          <a:p>
             <a:endParaRPr lang="es-CO" dirty="0"/>
           </a:p>
-          <a:p>
-            <a:pPr marL="0" indent="0">
-              <a:lnSpc>
-                <a:spcPct val="100000"/>
-              </a:lnSpc>
-              <a:spcBef>
-                <a:spcPts val="0"/>
-              </a:spcBef>
-              <a:buNone/>
-            </a:pPr>
-            <a:r>
-              <a:rPr lang="es-CO" dirty="0"/>
-              <a:t>//</a:t>
-            </a:r>
-            <a:r>
-              <a:rPr lang="es-CO" dirty="0" err="1"/>
-              <a:t>main</a:t>
-            </a:r>
-            <a:endParaRPr lang="es-CO" dirty="0"/>
-          </a:p>
-          <a:p>
-            <a:pPr marL="0" indent="0">
-              <a:lnSpc>
-                <a:spcPct val="100000"/>
-              </a:lnSpc>
-              <a:spcBef>
-                <a:spcPts val="0"/>
-              </a:spcBef>
-              <a:buNone/>
-            </a:pPr>
-            <a:r>
-              <a:rPr lang="es-CO" dirty="0"/>
-              <a:t>Cuenta </a:t>
-            </a:r>
-            <a:r>
-              <a:rPr lang="es-CO" dirty="0" err="1"/>
-              <a:t>cta</a:t>
-            </a:r>
-            <a:r>
-              <a:rPr lang="es-CO" dirty="0"/>
-              <a:t> = new Cuenta(30000); </a:t>
-            </a:r>
-          </a:p>
-          <a:p>
-            <a:pPr marL="0" indent="0">
-              <a:lnSpc>
-                <a:spcPct val="100000"/>
-              </a:lnSpc>
-              <a:spcBef>
-                <a:spcPts val="0"/>
-              </a:spcBef>
-              <a:buNone/>
-            </a:pPr>
-            <a:r>
-              <a:rPr lang="es-CO" dirty="0" err="1"/>
-              <a:t>Console.WriteLine</a:t>
-            </a:r>
-            <a:r>
-              <a:rPr lang="es-CO" dirty="0"/>
-              <a:t>(</a:t>
-            </a:r>
-            <a:r>
-              <a:rPr lang="es-CO" dirty="0" err="1"/>
-              <a:t>cta.GetHashCode</a:t>
-            </a:r>
-            <a:r>
-              <a:rPr lang="es-CO" dirty="0"/>
-              <a:t>());</a:t>
-            </a:r>
-          </a:p>
-          <a:p>
-            <a:pPr marL="0" indent="0">
-              <a:lnSpc>
-                <a:spcPct val="100000"/>
-              </a:lnSpc>
-              <a:spcBef>
-                <a:spcPts val="0"/>
-              </a:spcBef>
-              <a:buNone/>
-            </a:pPr>
-            <a:r>
-              <a:rPr lang="es-ES" dirty="0" err="1"/>
-              <a:t>cta</a:t>
-            </a:r>
-            <a:r>
-              <a:rPr lang="es-ES" dirty="0"/>
-              <a:t> = </a:t>
-            </a:r>
-            <a:r>
-              <a:rPr lang="es-ES" dirty="0" err="1"/>
-              <a:t>cta.Depositar</a:t>
-            </a:r>
-            <a:r>
-              <a:rPr lang="es-ES" dirty="0"/>
-              <a:t>(1000000);</a:t>
-            </a:r>
-          </a:p>
-          <a:p>
-            <a:pPr marL="0" indent="0">
-              <a:lnSpc>
-                <a:spcPct val="100000"/>
-              </a:lnSpc>
-              <a:spcBef>
-                <a:spcPts val="0"/>
-              </a:spcBef>
-              <a:buNone/>
-            </a:pPr>
-            <a:r>
-              <a:rPr lang="es-CO" dirty="0" err="1"/>
-              <a:t>Console.WriteLine</a:t>
-            </a:r>
-            <a:r>
-              <a:rPr lang="es-CO" dirty="0"/>
-              <a:t>(</a:t>
-            </a:r>
-            <a:r>
-              <a:rPr lang="es-CO" dirty="0" err="1"/>
-              <a:t>cta.GetHashCode</a:t>
-            </a:r>
-            <a:r>
-              <a:rPr lang="es-CO" dirty="0"/>
-              <a:t>());</a:t>
-            </a:r>
-          </a:p>
-        </p:txBody>
-      </p:sp>
-      <p:sp>
-        <p:nvSpPr>
-          <p:cNvPr id="4" name="CuadroTexto 3">
+        </p:txBody>
+      </p:sp>
+      <p:sp>
+        <p:nvSpPr>
+          <p:cNvPr id="6" name="Marcador de contenido 5">
             <a:extLst>
               <a:ext uri="{FF2B5EF4-FFF2-40B4-BE49-F238E27FC236}">
-                <a16:creationId xmlns:a16="http://schemas.microsoft.com/office/drawing/2014/main" id="{0FF56527-F557-4C82-8AEF-8DDCA9C00698}"/>
+                <a16:creationId xmlns:a16="http://schemas.microsoft.com/office/drawing/2014/main" id="{FD035A20-DCBE-4B4A-B50E-8F71F6961DAB}"/>
               </a:ext>
             </a:extLst>
           </p:cNvPr>
-          <p:cNvSpPr txBox="1"/>
-          <p:nvPr/>
+          <p:cNvSpPr>
+            <a:spLocks noGrp="1"/>
+          </p:cNvSpPr>
+          <p:nvPr>
+            <p:ph sz="half" idx="2"/>
+          </p:nvPr>
         </p:nvSpPr>
         <p:spPr>
-          <a:xfrm flipH="1">
-            <a:off x="5783854" y="4739898"/>
-            <a:ext cx="6408146" cy="646331"/>
+          <a:xfrm>
+            <a:off x="905771" y="2128351"/>
+            <a:ext cx="4846320" cy="3959351"/>
           </a:xfrm>
-          <a:prstGeom prst="rect">
-            <a:avLst/>
-          </a:prstGeom>
-          <a:noFill/>
         </p:spPr>
         <p:txBody>
-          <a:bodyPr wrap="square" rtlCol="0">
-            <a:spAutoFit/>
+          <a:bodyPr>
+            <a:normAutofit fontScale="92500" lnSpcReduction="20000"/>
           </a:bodyPr>
           <a:lstStyle/>
           <a:p>
             <a:r>
-              <a:rPr lang="es-ES" b="1" dirty="0">
-                <a:solidFill>
-                  <a:srgbClr val="FF0000"/>
-                </a:solidFill>
-              </a:rPr>
-              <a:t>Esto es una instancia de </a:t>
-            </a:r>
-            <a:r>
-              <a:rPr lang="es-ES" b="1" dirty="0" err="1">
-                <a:solidFill>
-                  <a:srgbClr val="FF0000"/>
-                </a:solidFill>
-              </a:rPr>
-              <a:t>cta</a:t>
-            </a:r>
-            <a:r>
-              <a:rPr lang="es-ES" b="1" dirty="0">
-                <a:solidFill>
-                  <a:srgbClr val="FF0000"/>
-                </a:solidFill>
-              </a:rPr>
-              <a:t> y el valor del saldo queda en 30.000</a:t>
-            </a:r>
-          </a:p>
-          <a:p>
-            <a:r>
-              <a:rPr lang="es-ES" b="1" dirty="0">
-                <a:solidFill>
-                  <a:srgbClr val="FF0000"/>
-                </a:solidFill>
-              </a:rPr>
-              <a:t>Y se reasigna una nueva instancia de </a:t>
-            </a:r>
-            <a:r>
-              <a:rPr lang="es-ES" b="1" dirty="0" err="1">
-                <a:solidFill>
-                  <a:srgbClr val="FF0000"/>
-                </a:solidFill>
-              </a:rPr>
-              <a:t>cta</a:t>
-            </a:r>
-            <a:r>
-              <a:rPr lang="es-ES" b="1" dirty="0">
-                <a:solidFill>
-                  <a:srgbClr val="FF0000"/>
-                </a:solidFill>
-              </a:rPr>
-              <a:t>, queda en 1.030.000</a:t>
-            </a:r>
-            <a:endParaRPr lang="es-CO" b="1" dirty="0">
-              <a:solidFill>
-                <a:srgbClr val="FF0000"/>
-              </a:solidFill>
-            </a:endParaRPr>
+              <a:rPr lang="es-ES" b="0" i="0" dirty="0">
+                <a:solidFill>
+                  <a:srgbClr val="666666"/>
+                </a:solidFill>
+                <a:effectLst/>
+                <a:latin typeface="Inter"/>
+              </a:rPr>
+              <a:t>Los objetos de una clase pueden cambiar una vez son creados.  Sus valores pueden ser actualizados.</a:t>
+            </a:r>
+          </a:p>
+          <a:p>
+            <a:r>
+              <a:rPr lang="es-ES" dirty="0">
+                <a:solidFill>
+                  <a:srgbClr val="666666"/>
+                </a:solidFill>
+                <a:latin typeface="Inter"/>
+              </a:rPr>
+              <a:t>Son más difíciles de mantener y depurar</a:t>
+            </a:r>
+          </a:p>
+          <a:p>
+            <a:r>
+              <a:rPr lang="es-ES" dirty="0">
+                <a:solidFill>
+                  <a:srgbClr val="666666"/>
+                </a:solidFill>
+                <a:latin typeface="Inter"/>
+              </a:rPr>
+              <a:t>Errores frecuentes: variables que deberían tener un valor y tienen otro o no lo tienen… ¿les ha pasado?</a:t>
+            </a:r>
+          </a:p>
+          <a:p>
+            <a:r>
+              <a:rPr lang="es-ES" dirty="0">
+                <a:solidFill>
+                  <a:srgbClr val="666666"/>
+                </a:solidFill>
+                <a:latin typeface="Inter"/>
+              </a:rPr>
+              <a:t>POO: Clases mutables</a:t>
+            </a:r>
+            <a:endParaRPr lang="es-CO" dirty="0"/>
           </a:p>
         </p:txBody>
       </p:sp>
     </p:spTree>
     <p:extLst>
       <p:ext uri="{BB962C8B-B14F-4D97-AF65-F5344CB8AC3E}">
-        <p14:creationId xmlns:p14="http://schemas.microsoft.com/office/powerpoint/2010/main" val="1980530215"/>
+        <p14:creationId xmlns:p14="http://schemas.microsoft.com/office/powerpoint/2010/main" val="1678190760"/>
       </p:ext>
     </p:extLst>
   </p:cSld>
@@ -14377,7 +15183,7 @@
           <p:cNvPr id="2" name="Título 1">
             <a:extLst>
               <a:ext uri="{FF2B5EF4-FFF2-40B4-BE49-F238E27FC236}">
-                <a16:creationId xmlns:a16="http://schemas.microsoft.com/office/drawing/2014/main" id="{948F65A4-44B6-46A6-9BFC-6374630D1FEB}"/>
+                <a16:creationId xmlns:a16="http://schemas.microsoft.com/office/drawing/2014/main" id="{04E828D6-72CD-486C-9998-876EC2150886}"/>
               </a:ext>
             </a:extLst>
           </p:cNvPr>
@@ -14395,7 +15201,7 @@
           <a:p>
             <a:r>
               <a:rPr lang="es-ES" dirty="0"/>
-              <a:t>Cuándo se usa o no la inmutabilidad</a:t>
+              <a:t>Beneficios de la inmutabilidad</a:t>
             </a:r>
             <a:endParaRPr lang="es-CO" dirty="0"/>
           </a:p>
@@ -14403,10 +15209,10 @@
       </p:sp>
       <p:sp>
         <p:nvSpPr>
-          <p:cNvPr id="3" name="Marcador de contenido 2">
+          <p:cNvPr id="5" name="Marcador de contenido 4">
             <a:extLst>
               <a:ext uri="{FF2B5EF4-FFF2-40B4-BE49-F238E27FC236}">
-                <a16:creationId xmlns:a16="http://schemas.microsoft.com/office/drawing/2014/main" id="{9FC3B845-6DA6-4F57-8739-7BE07C574E59}"/>
+                <a16:creationId xmlns:a16="http://schemas.microsoft.com/office/drawing/2014/main" id="{1593696F-45C0-429D-B6A6-F8D86E14CAA3}"/>
               </a:ext>
             </a:extLst>
           </p:cNvPr>
@@ -14419,275 +15225,86 @@
         </p:nvSpPr>
         <p:spPr>
           <a:xfrm>
-            <a:off x="7189608" y="2196486"/>
-            <a:ext cx="4423272" cy="3950208"/>
+            <a:off x="1371600" y="2112264"/>
+            <a:ext cx="10241280" cy="3550406"/>
           </a:xfrm>
         </p:spPr>
         <p:txBody>
           <a:bodyPr>
-            <a:normAutofit fontScale="85000" lnSpcReduction="10000"/>
+            <a:normAutofit lnSpcReduction="10000"/>
           </a:bodyPr>
           <a:lstStyle/>
           <a:p>
-            <a:pPr marL="0" indent="0" algn="ctr">
-              <a:buNone/>
-            </a:pPr>
-            <a:r>
-              <a:rPr lang="es-ES" sz="2800" b="1" dirty="0">
-                <a:solidFill>
-                  <a:schemeClr val="bg1"/>
-                </a:solidFill>
-                <a:highlight>
-                  <a:srgbClr val="FF0000"/>
-                </a:highlight>
-              </a:rPr>
-              <a:t>No se usa:</a:t>
-            </a:r>
-          </a:p>
-          <a:p>
-            <a:r>
-              <a:rPr lang="es-ES" dirty="0"/>
-              <a:t>Cuando los objetos son muy grandes y no es significativo retornar una instancia completa  para solo modificar un valor.</a:t>
-            </a:r>
-          </a:p>
-          <a:p>
-            <a:r>
-              <a:rPr lang="es-CO" dirty="0"/>
-              <a:t>Cuando un objeto va poblando sus atributos poco a poco. (llenado de sillas de un avión)</a:t>
-            </a:r>
-          </a:p>
-          <a:p>
-            <a:r>
-              <a:rPr lang="es-CO" dirty="0"/>
-              <a:t>En general: cualquier situación que modifica un objeto con alta frecuencia.</a:t>
-            </a:r>
-          </a:p>
-          <a:p>
-            <a:endParaRPr lang="es-CO" dirty="0"/>
-          </a:p>
-        </p:txBody>
-      </p:sp>
-      <p:sp>
-        <p:nvSpPr>
-          <p:cNvPr id="4" name="Marcador de contenido 2">
-            <a:extLst>
-              <a:ext uri="{FF2B5EF4-FFF2-40B4-BE49-F238E27FC236}">
-                <a16:creationId xmlns:a16="http://schemas.microsoft.com/office/drawing/2014/main" id="{52864B0A-FDF6-4F53-89C4-647D0928E13A}"/>
-              </a:ext>
-            </a:extLst>
-          </p:cNvPr>
-          <p:cNvSpPr txBox="1">
-            <a:spLocks/>
-          </p:cNvSpPr>
-          <p:nvPr/>
-        </p:nvSpPr>
-        <p:spPr>
-          <a:xfrm>
-            <a:off x="1672728" y="2196486"/>
-            <a:ext cx="4423272" cy="3950208"/>
-          </a:xfrm>
-          <a:prstGeom prst="rect">
-            <a:avLst/>
-          </a:prstGeom>
-        </p:spPr>
-        <p:txBody>
-          <a:bodyPr vert="horz" lIns="0" tIns="0" rIns="0" bIns="0" rtlCol="0">
-            <a:normAutofit fontScale="92500"/>
-          </a:bodyPr>
-          <a:lstStyle>
-            <a:lvl1pPr marL="228600" indent="-228600" algn="l" defTabSz="914400" rtl="0" eaLnBrk="1" latinLnBrk="0" hangingPunct="1">
-              <a:lnSpc>
-                <a:spcPct val="120000"/>
-              </a:lnSpc>
-              <a:spcBef>
-                <a:spcPts val="1000"/>
-              </a:spcBef>
-              <a:buFont typeface="Arial" panose="020B0604020202020204" pitchFamily="34" charset="0"/>
-              <a:buChar char="•"/>
-              <a:defRPr sz="2400" kern="1200">
-                <a:solidFill>
-                  <a:schemeClr val="tx1"/>
-                </a:solidFill>
-                <a:latin typeface="+mn-lt"/>
-                <a:ea typeface="+mn-ea"/>
-                <a:cs typeface="+mn-cs"/>
-              </a:defRPr>
-            </a:lvl1pPr>
-            <a:lvl2pPr marL="685800" indent="-228600" algn="l" defTabSz="914400" rtl="0" eaLnBrk="1" latinLnBrk="0" hangingPunct="1">
-              <a:lnSpc>
-                <a:spcPct val="120000"/>
-              </a:lnSpc>
-              <a:spcBef>
-                <a:spcPts val="500"/>
-              </a:spcBef>
-              <a:buFont typeface="Arial" panose="020B0604020202020204" pitchFamily="34" charset="0"/>
-              <a:buChar char="•"/>
-              <a:defRPr sz="2400" kern="1200">
-                <a:solidFill>
-                  <a:schemeClr val="tx1"/>
-                </a:solidFill>
-                <a:latin typeface="+mn-lt"/>
-                <a:ea typeface="+mn-ea"/>
-                <a:cs typeface="+mn-cs"/>
-              </a:defRPr>
-            </a:lvl2pPr>
-            <a:lvl3pPr marL="1143000" indent="-228600" algn="l" defTabSz="914400" rtl="0" eaLnBrk="1" latinLnBrk="0" hangingPunct="1">
-              <a:lnSpc>
-                <a:spcPct val="120000"/>
-              </a:lnSpc>
-              <a:spcBef>
-                <a:spcPts val="500"/>
-              </a:spcBef>
-              <a:buFont typeface="Arial" panose="020B0604020202020204" pitchFamily="34" charset="0"/>
-              <a:buChar char="•"/>
-              <a:defRPr sz="2000" kern="1200">
-                <a:solidFill>
-                  <a:schemeClr val="tx1"/>
-                </a:solidFill>
-                <a:latin typeface="+mn-lt"/>
-                <a:ea typeface="+mn-ea"/>
-                <a:cs typeface="+mn-cs"/>
-              </a:defRPr>
-            </a:lvl3pPr>
-            <a:lvl4pPr marL="1600200" indent="-228600" algn="l" defTabSz="914400" rtl="0" eaLnBrk="1" latinLnBrk="0" hangingPunct="1">
-              <a:lnSpc>
-                <a:spcPct val="120000"/>
-              </a:lnSpc>
-              <a:spcBef>
-                <a:spcPts val="500"/>
-              </a:spcBef>
-              <a:buFont typeface="Arial" panose="020B0604020202020204" pitchFamily="34" charset="0"/>
-              <a:buChar char="•"/>
-              <a:defRPr sz="1800" kern="1200">
-                <a:solidFill>
-                  <a:schemeClr val="tx1"/>
-                </a:solidFill>
-                <a:latin typeface="+mn-lt"/>
-                <a:ea typeface="+mn-ea"/>
-                <a:cs typeface="+mn-cs"/>
-              </a:defRPr>
-            </a:lvl4pPr>
-            <a:lvl5pPr marL="2057400" indent="-228600" algn="l" defTabSz="914400" rtl="0" eaLnBrk="1" latinLnBrk="0" hangingPunct="1">
-              <a:lnSpc>
-                <a:spcPct val="120000"/>
-              </a:lnSpc>
-              <a:spcBef>
-                <a:spcPts val="500"/>
-              </a:spcBef>
-              <a:buFont typeface="Arial" panose="020B0604020202020204" pitchFamily="34" charset="0"/>
-              <a:buChar char="•"/>
-              <a:defRPr sz="1800" kern="1200">
-                <a:solidFill>
-                  <a:schemeClr val="tx1"/>
-                </a:solidFill>
-                <a:latin typeface="+mn-lt"/>
-                <a:ea typeface="+mn-ea"/>
-                <a:cs typeface="+mn-cs"/>
-              </a:defRPr>
-            </a:lvl5pPr>
-            <a:lvl6pPr marL="2514600" indent="-228600" algn="l" defTabSz="914400" rtl="0" eaLnBrk="1" latinLnBrk="0" hangingPunct="1">
-              <a:lnSpc>
-                <a:spcPct val="90000"/>
-              </a:lnSpc>
-              <a:spcBef>
-                <a:spcPts val="500"/>
-              </a:spcBef>
-              <a:buFont typeface="Arial" panose="020B0604020202020204" pitchFamily="34" charset="0"/>
-              <a:buChar char="•"/>
-              <a:defRPr sz="1800" kern="1200">
-                <a:solidFill>
-                  <a:schemeClr val="tx1"/>
-                </a:solidFill>
-                <a:latin typeface="+mn-lt"/>
-                <a:ea typeface="+mn-ea"/>
-                <a:cs typeface="+mn-cs"/>
-              </a:defRPr>
-            </a:lvl6pPr>
-            <a:lvl7pPr marL="2971800" indent="-228600" algn="l" defTabSz="914400" rtl="0" eaLnBrk="1" latinLnBrk="0" hangingPunct="1">
-              <a:lnSpc>
-                <a:spcPct val="90000"/>
-              </a:lnSpc>
-              <a:spcBef>
-                <a:spcPts val="500"/>
-              </a:spcBef>
-              <a:buFont typeface="Arial" panose="020B0604020202020204" pitchFamily="34" charset="0"/>
-              <a:buChar char="•"/>
-              <a:defRPr sz="1800" kern="1200">
-                <a:solidFill>
-                  <a:schemeClr val="tx1"/>
-                </a:solidFill>
-                <a:latin typeface="+mn-lt"/>
-                <a:ea typeface="+mn-ea"/>
-                <a:cs typeface="+mn-cs"/>
-              </a:defRPr>
-            </a:lvl7pPr>
-            <a:lvl8pPr marL="3429000" indent="-228600" algn="l" defTabSz="914400" rtl="0" eaLnBrk="1" latinLnBrk="0" hangingPunct="1">
-              <a:lnSpc>
-                <a:spcPct val="90000"/>
-              </a:lnSpc>
-              <a:spcBef>
-                <a:spcPts val="500"/>
-              </a:spcBef>
-              <a:buFont typeface="Arial" panose="020B0604020202020204" pitchFamily="34" charset="0"/>
-              <a:buChar char="•"/>
-              <a:defRPr sz="1800" kern="1200">
-                <a:solidFill>
-                  <a:schemeClr val="tx1"/>
-                </a:solidFill>
-                <a:latin typeface="+mn-lt"/>
-                <a:ea typeface="+mn-ea"/>
-                <a:cs typeface="+mn-cs"/>
-              </a:defRPr>
-            </a:lvl8pPr>
-            <a:lvl9pPr marL="3886200" indent="-228600" algn="l" defTabSz="914400" rtl="0" eaLnBrk="1" latinLnBrk="0" hangingPunct="1">
-              <a:lnSpc>
-                <a:spcPct val="90000"/>
-              </a:lnSpc>
-              <a:spcBef>
-                <a:spcPts val="500"/>
-              </a:spcBef>
-              <a:buFont typeface="Arial" panose="020B0604020202020204" pitchFamily="34" charset="0"/>
-              <a:buChar char="•"/>
-              <a:defRPr sz="1800" kern="1200">
-                <a:solidFill>
-                  <a:schemeClr val="tx1"/>
-                </a:solidFill>
-                <a:latin typeface="+mn-lt"/>
-                <a:ea typeface="+mn-ea"/>
-                <a:cs typeface="+mn-cs"/>
-              </a:defRPr>
-            </a:lvl9pPr>
-          </a:lstStyle>
-          <a:p>
-            <a:pPr algn="ctr"/>
-            <a:r>
-              <a:rPr lang="es-ES" dirty="0">
-                <a:solidFill>
-                  <a:schemeClr val="bg1"/>
-                </a:solidFill>
-                <a:highlight>
-                  <a:srgbClr val="008000"/>
-                </a:highlight>
-              </a:rPr>
-              <a:t>Se usa:</a:t>
-            </a:r>
-          </a:p>
-          <a:p>
-            <a:r>
-              <a:rPr lang="es-ES" dirty="0"/>
-              <a:t>En objetos que necesitamos que requieran modificaciones de estado</a:t>
-            </a:r>
-          </a:p>
-          <a:p>
-            <a:r>
-              <a:rPr lang="es-ES" dirty="0"/>
-              <a:t>Objetos simples, pequeños, que sean simples de duplicar, aunque se modifiquen de forma esporádica</a:t>
-            </a:r>
-          </a:p>
-          <a:p>
-            <a:r>
-              <a:rPr lang="es-ES" dirty="0"/>
-              <a:t>En programación concurrente como es la de hilos</a:t>
+            <a:r>
+              <a:rPr lang="es-ES" b="0" i="0" dirty="0">
+                <a:solidFill>
+                  <a:srgbClr val="666666"/>
+                </a:solidFill>
+                <a:effectLst/>
+                <a:latin typeface="Inter"/>
+              </a:rPr>
+              <a:t>Más fácil de entender y mantener.</a:t>
+            </a:r>
+          </a:p>
+          <a:p>
+            <a:r>
+              <a:rPr lang="es-CO" b="0" i="0" dirty="0">
+                <a:solidFill>
+                  <a:srgbClr val="666666"/>
+                </a:solidFill>
+                <a:effectLst/>
+                <a:latin typeface="Inter"/>
+              </a:rPr>
+              <a:t>Fácil de probar.</a:t>
+            </a:r>
+            <a:endParaRPr lang="es-ES" b="0" i="0" dirty="0">
+              <a:solidFill>
+                <a:srgbClr val="666666"/>
+              </a:solidFill>
+              <a:effectLst/>
+              <a:latin typeface="Inter"/>
+            </a:endParaRPr>
+          </a:p>
+          <a:p>
+            <a:r>
+              <a:rPr lang="es-CO" b="0" i="0" dirty="0">
+                <a:solidFill>
+                  <a:srgbClr val="666666"/>
+                </a:solidFill>
+                <a:effectLst/>
+                <a:latin typeface="Inter"/>
+              </a:rPr>
+              <a:t>Código más seguro.</a:t>
+            </a:r>
+            <a:endParaRPr lang="es-ES" dirty="0">
+              <a:solidFill>
+                <a:srgbClr val="666666"/>
+              </a:solidFill>
+              <a:latin typeface="Inter"/>
+            </a:endParaRPr>
+          </a:p>
+          <a:p>
+            <a:r>
+              <a:rPr lang="es-ES" b="0" i="0" dirty="0">
+                <a:solidFill>
+                  <a:srgbClr val="666666"/>
+                </a:solidFill>
+                <a:effectLst/>
+                <a:latin typeface="Inter"/>
+              </a:rPr>
+              <a:t>Alta reducción de los problemas de sincronización entre hilos para la ejecución de código asíncrono.</a:t>
+            </a:r>
+          </a:p>
+          <a:p>
+            <a:r>
+              <a:rPr lang="es-ES" b="0" i="0" dirty="0">
+                <a:solidFill>
+                  <a:srgbClr val="666666"/>
+                </a:solidFill>
+                <a:effectLst/>
+                <a:latin typeface="Inter"/>
+              </a:rPr>
+              <a:t>Controlar posibles “efectos colaterales” que pueden venir de cambiar el valor de algunas de las propiedades. </a:t>
             </a:r>
             <a:endParaRPr lang="es-CO" dirty="0"/>
           </a:p>
@@ -14696,7 +15313,7 @@
     </p:spTree>
     <p:extLst>
       <p:ext uri="{BB962C8B-B14F-4D97-AF65-F5344CB8AC3E}">
-        <p14:creationId xmlns:p14="http://schemas.microsoft.com/office/powerpoint/2010/main" val="267107896"/>
+        <p14:creationId xmlns:p14="http://schemas.microsoft.com/office/powerpoint/2010/main" val="1798161799"/>
       </p:ext>
     </p:extLst>
   </p:cSld>
@@ -14728,7 +15345,7 @@
           <p:cNvPr id="2" name="Título 1">
             <a:extLst>
               <a:ext uri="{FF2B5EF4-FFF2-40B4-BE49-F238E27FC236}">
-                <a16:creationId xmlns:a16="http://schemas.microsoft.com/office/drawing/2014/main" id="{FDBEC76B-A9A1-4B65-9167-890BD103CAFC}"/>
+                <a16:creationId xmlns:a16="http://schemas.microsoft.com/office/drawing/2014/main" id="{6E624AA1-2D75-450B-9000-15403C8954F1}"/>
               </a:ext>
             </a:extLst>
           </p:cNvPr>
@@ -14746,7 +15363,11 @@
           <a:p>
             <a:r>
               <a:rPr lang="es-ES" dirty="0"/>
-              <a:t>Tipos anónimos</a:t>
+              <a:t>Desventajas de la </a:t>
+            </a:r>
+            <a:r>
+              <a:rPr lang="es-ES" dirty="0" err="1"/>
+              <a:t>INmutabilidad</a:t>
             </a:r>
             <a:endParaRPr lang="es-CO" dirty="0"/>
           </a:p>
@@ -14757,7 +15378,7 @@
           <p:cNvPr id="3" name="Marcador de contenido 2">
             <a:extLst>
               <a:ext uri="{FF2B5EF4-FFF2-40B4-BE49-F238E27FC236}">
-                <a16:creationId xmlns:a16="http://schemas.microsoft.com/office/drawing/2014/main" id="{6A2D7FDF-C57D-4A23-A00C-5C2083438018}"/>
+                <a16:creationId xmlns:a16="http://schemas.microsoft.com/office/drawing/2014/main" id="{D34AD7B8-211C-4287-BD0B-2FEF9A26F246}"/>
               </a:ext>
             </a:extLst>
           </p:cNvPr>
@@ -14775,33 +15396,7 @@
           <a:p>
             <a:r>
               <a:rPr lang="es-ES" dirty="0"/>
-              <a:t>Son clases simples, </a:t>
-            </a:r>
-            <a:r>
-              <a:rPr lang="es-ES" i="1" dirty="0">
-                <a:solidFill>
-                  <a:schemeClr val="bg1">
-                    <a:lumMod val="75000"/>
-                  </a:schemeClr>
-                </a:solidFill>
-              </a:rPr>
-              <a:t>se crean al vuelo</a:t>
-            </a:r>
-            <a:r>
-              <a:rPr lang="es-ES" dirty="0"/>
-              <a:t> y se usan para almacenar un conjunto de valores.</a:t>
-            </a:r>
-          </a:p>
-          <a:p>
-            <a:r>
-              <a:rPr lang="es-ES" dirty="0"/>
-              <a:t>Se crean con la palabra new y a continuación { }. Dentro de las llaves se especifican los valores. </a:t>
-            </a:r>
-          </a:p>
-          <a:p>
-            <a:r>
-              <a:rPr lang="es-ES" dirty="0"/>
-              <a:t>Estos tipos son usados comúnmente junto con LINQ</a:t>
+              <a:t>La inmutabilidad tiene el sobrecosto de la generación de objetos nuevos cada vez que cambia el estado de un(os) atributo(s) de una clase inmutable, lo cual puede degradar el rendimiento de un programa.</a:t>
             </a:r>
           </a:p>
           <a:p>
@@ -14812,7 +15407,7 @@
     </p:spTree>
     <p:extLst>
       <p:ext uri="{BB962C8B-B14F-4D97-AF65-F5344CB8AC3E}">
-        <p14:creationId xmlns:p14="http://schemas.microsoft.com/office/powerpoint/2010/main" val="2184097664"/>
+        <p14:creationId xmlns:p14="http://schemas.microsoft.com/office/powerpoint/2010/main" val="1522910101"/>
       </p:ext>
     </p:extLst>
   </p:cSld>
@@ -14844,7 +15439,7 @@
           <p:cNvPr id="2" name="Título 1">
             <a:extLst>
               <a:ext uri="{FF2B5EF4-FFF2-40B4-BE49-F238E27FC236}">
-                <a16:creationId xmlns:a16="http://schemas.microsoft.com/office/drawing/2014/main" id="{4739C012-ACA5-40A8-83FB-410F51BD4D6F}"/>
+                <a16:creationId xmlns:a16="http://schemas.microsoft.com/office/drawing/2014/main" id="{ED02507F-063F-4CB6-883D-F3F1B2129E51}"/>
               </a:ext>
             </a:extLst>
           </p:cNvPr>
@@ -14862,7 +15457,7 @@
           <a:p>
             <a:r>
               <a:rPr lang="es-ES" dirty="0"/>
-              <a:t>Tipos anónimos</a:t>
+              <a:t>Clase Mutable</a:t>
             </a:r>
             <a:endParaRPr lang="es-CO" dirty="0"/>
           </a:p>
@@ -14873,7 +15468,7 @@
           <p:cNvPr id="3" name="Marcador de contenido 2">
             <a:extLst>
               <a:ext uri="{FF2B5EF4-FFF2-40B4-BE49-F238E27FC236}">
-                <a16:creationId xmlns:a16="http://schemas.microsoft.com/office/drawing/2014/main" id="{899795E7-3CB0-46C8-B47F-F638576065B8}"/>
+                <a16:creationId xmlns:a16="http://schemas.microsoft.com/office/drawing/2014/main" id="{5A96D708-5AC7-4836-A96F-A59246D10F90}"/>
               </a:ext>
             </a:extLst>
           </p:cNvPr>
@@ -14884,54 +15479,42 @@
             <p:ph idx="1"/>
           </p:nvPr>
         </p:nvSpPr>
-        <p:spPr/>
+        <p:spPr>
+          <a:xfrm>
+            <a:off x="1107195" y="2103120"/>
+            <a:ext cx="4724400" cy="3959352"/>
+          </a:xfrm>
+        </p:spPr>
         <p:txBody>
           <a:bodyPr>
-            <a:normAutofit/>
+            <a:normAutofit fontScale="92500" lnSpcReduction="20000"/>
           </a:bodyPr>
           <a:lstStyle/>
-          <a:p>
-            <a:r>
-              <a:rPr lang="es-ES" dirty="0"/>
-              <a:t>Ejemplo 1:</a:t>
-            </a:r>
-          </a:p>
           <a:p>
             <a:pPr marL="0" indent="0">
               <a:buNone/>
             </a:pPr>
             <a:r>
               <a:rPr lang="es-ES" dirty="0" err="1"/>
-              <a:t>var</a:t>
+              <a:t>public</a:t>
             </a:r>
             <a:r>
               <a:rPr lang="es-ES" dirty="0"/>
-              <a:t> libro = new {titulo = “Cien Años de Soledad”, valor=45000};</a:t>
-            </a:r>
-          </a:p>
-          <a:p>
+              <a:t> </a:t>
+            </a:r>
+            <a:r>
+              <a:rPr lang="es-ES" dirty="0" err="1"/>
+              <a:t>class</a:t>
+            </a:r>
             <a:r>
               <a:rPr lang="es-ES" dirty="0"/>
-              <a:t>Ejemplo 2:</a:t>
-            </a:r>
-          </a:p>
-          <a:p>
-            <a:pPr marL="0" indent="0">
-              <a:buNone/>
-            </a:pPr>
-            <a:r>
-              <a:rPr lang="es-ES" dirty="0" err="1"/>
-              <a:t>var</a:t>
-            </a:r>
-            <a:r>
-              <a:rPr lang="es-ES" dirty="0"/>
-              <a:t> libro = new {</a:t>
+              <a:t> Cuenta{</a:t>
             </a:r>
           </a:p>
           <a:p>
             <a:pPr marL="0" indent="0">
               <a:lnSpc>
-                <a:spcPct val="110000"/>
+                <a:spcPct val="100000"/>
               </a:lnSpc>
               <a:spcBef>
                 <a:spcPts val="0"/>
@@ -14940,13 +15523,37 @@
             </a:pPr>
             <a:r>
               <a:rPr lang="es-ES" dirty="0"/>
-              <a:t>	titulo = “Cien Años de Soledad”, </a:t>
+              <a:t>	</a:t>
+            </a:r>
+            <a:r>
+              <a:rPr lang="es-ES" dirty="0" err="1"/>
+              <a:t>public</a:t>
+            </a:r>
+            <a:r>
+              <a:rPr lang="es-ES" dirty="0"/>
+              <a:t> </a:t>
+            </a:r>
+            <a:r>
+              <a:rPr lang="es-ES" dirty="0" err="1"/>
+              <a:t>ulong</a:t>
+            </a:r>
+            <a:r>
+              <a:rPr lang="es-ES" dirty="0"/>
+              <a:t> saldo {</a:t>
+            </a:r>
+            <a:r>
+              <a:rPr lang="es-ES" dirty="0" err="1"/>
+              <a:t>get</a:t>
+            </a:r>
+            <a:r>
+              <a:rPr lang="es-ES" dirty="0"/>
+              <a:t>; set;}</a:t>
             </a:r>
           </a:p>
           <a:p>
             <a:pPr marL="0" indent="0">
               <a:lnSpc>
-                <a:spcPct val="110000"/>
+                <a:spcPct val="100000"/>
               </a:lnSpc>
               <a:spcBef>
                 <a:spcPts val="0"/>
@@ -14955,13 +15562,37 @@
             </a:pPr>
             <a:r>
               <a:rPr lang="es-ES" dirty="0"/>
-              <a:t>	valor=45000,</a:t>
+              <a:t>	</a:t>
+            </a:r>
+            <a:r>
+              <a:rPr lang="es-ES" dirty="0" err="1"/>
+              <a:t>public</a:t>
+            </a:r>
+            <a:r>
+              <a:rPr lang="es-ES" dirty="0"/>
+              <a:t> </a:t>
+            </a:r>
+            <a:r>
+              <a:rPr lang="es-ES" dirty="0" err="1"/>
+              <a:t>void</a:t>
+            </a:r>
+            <a:r>
+              <a:rPr lang="es-ES" dirty="0"/>
+              <a:t> Depositar(</a:t>
+            </a:r>
+            <a:r>
+              <a:rPr lang="es-ES" dirty="0" err="1"/>
+              <a:t>ulong</a:t>
+            </a:r>
+            <a:r>
+              <a:rPr lang="es-ES" dirty="0"/>
+              <a:t> valor){</a:t>
             </a:r>
           </a:p>
           <a:p>
             <a:pPr marL="0" indent="0">
               <a:lnSpc>
-                <a:spcPct val="110000"/>
+                <a:spcPct val="100000"/>
               </a:lnSpc>
               <a:spcBef>
                 <a:spcPts val="0"/>
@@ -14970,30 +15601,1391 @@
             </a:pPr>
             <a:r>
               <a:rPr lang="es-ES" dirty="0"/>
-              <a:t>	editorial = “Oveja Negra”,</a:t>
-            </a:r>
-          </a:p>
+              <a:t>		saldo+=valor;</a:t>
+            </a:r>
+          </a:p>
+          <a:p>
+            <a:pPr marL="0" indent="0">
+              <a:lnSpc>
+                <a:spcPct val="100000"/>
+              </a:lnSpc>
+              <a:spcBef>
+                <a:spcPts val="0"/>
+              </a:spcBef>
+              <a:buNone/>
+            </a:pPr>
+            <a:r>
+              <a:rPr lang="es-ES" dirty="0"/>
+              <a:t>	}</a:t>
+            </a:r>
+          </a:p>
+          <a:p>
+            <a:pPr marL="0" indent="0">
+              <a:lnSpc>
+                <a:spcPct val="100000"/>
+              </a:lnSpc>
+              <a:spcBef>
+                <a:spcPts val="0"/>
+              </a:spcBef>
+              <a:buNone/>
+            </a:pPr>
+            <a:r>
+              <a:rPr lang="es-ES" dirty="0"/>
+              <a:t>}</a:t>
+            </a:r>
+          </a:p>
+          <a:p>
+            <a:pPr marL="0" indent="0">
+              <a:lnSpc>
+                <a:spcPct val="100000"/>
+              </a:lnSpc>
+              <a:spcBef>
+                <a:spcPts val="0"/>
+              </a:spcBef>
+              <a:buNone/>
+            </a:pPr>
+            <a:endParaRPr lang="es-CO" dirty="0"/>
+          </a:p>
+          <a:p>
+            <a:pPr marL="0" indent="0">
+              <a:lnSpc>
+                <a:spcPct val="100000"/>
+              </a:lnSpc>
+              <a:spcBef>
+                <a:spcPts val="0"/>
+              </a:spcBef>
+              <a:buNone/>
+            </a:pPr>
+            <a:r>
+              <a:rPr lang="es-CO" dirty="0"/>
+              <a:t>//</a:t>
+            </a:r>
+            <a:r>
+              <a:rPr lang="es-CO" dirty="0" err="1"/>
+              <a:t>main</a:t>
+            </a:r>
+            <a:endParaRPr lang="es-CO" dirty="0"/>
+          </a:p>
+          <a:p>
+            <a:pPr marL="0" indent="0">
+              <a:lnSpc>
+                <a:spcPct val="100000"/>
+              </a:lnSpc>
+              <a:spcBef>
+                <a:spcPts val="0"/>
+              </a:spcBef>
+              <a:buNone/>
+            </a:pPr>
+            <a:r>
+              <a:rPr lang="es-CO" dirty="0"/>
+              <a:t>Cuenta </a:t>
+            </a:r>
+            <a:r>
+              <a:rPr lang="es-CO" dirty="0" err="1"/>
+              <a:t>cta</a:t>
+            </a:r>
+            <a:r>
+              <a:rPr lang="es-CO" dirty="0"/>
+              <a:t> = new Cuenta();</a:t>
+            </a:r>
+          </a:p>
+          <a:p>
+            <a:pPr marL="0" indent="0">
+              <a:lnSpc>
+                <a:spcPct val="100000"/>
+              </a:lnSpc>
+              <a:spcBef>
+                <a:spcPts val="0"/>
+              </a:spcBef>
+              <a:buNone/>
+            </a:pPr>
+            <a:r>
+              <a:rPr lang="es-CO" dirty="0" err="1"/>
+              <a:t>cta.saldo</a:t>
+            </a:r>
+            <a:r>
+              <a:rPr lang="es-CO" dirty="0"/>
+              <a:t> = 300000;</a:t>
+            </a:r>
+          </a:p>
+          <a:p>
+            <a:pPr marL="0" indent="0">
+              <a:lnSpc>
+                <a:spcPct val="100000"/>
+              </a:lnSpc>
+              <a:spcBef>
+                <a:spcPts val="0"/>
+              </a:spcBef>
+              <a:buNone/>
+            </a:pPr>
+            <a:r>
+              <a:rPr lang="es-CO" dirty="0" err="1"/>
+              <a:t>Console.WriteLine</a:t>
+            </a:r>
+            <a:r>
+              <a:rPr lang="es-CO" dirty="0"/>
+              <a:t>(</a:t>
+            </a:r>
+            <a:r>
+              <a:rPr lang="es-CO" dirty="0" err="1"/>
+              <a:t>cta.GetHashCode</a:t>
+            </a:r>
+            <a:r>
+              <a:rPr lang="es-CO" dirty="0"/>
+              <a:t>());</a:t>
+            </a:r>
+          </a:p>
+          <a:p>
+            <a:pPr marL="0" indent="0">
+              <a:lnSpc>
+                <a:spcPct val="100000"/>
+              </a:lnSpc>
+              <a:spcBef>
+                <a:spcPts val="0"/>
+              </a:spcBef>
+              <a:buNone/>
+            </a:pPr>
+            <a:r>
+              <a:rPr lang="es-ES" dirty="0" err="1"/>
+              <a:t>cta.Depositar</a:t>
+            </a:r>
+            <a:r>
+              <a:rPr lang="es-ES" dirty="0"/>
+              <a:t>(1000000);</a:t>
+            </a:r>
+          </a:p>
+          <a:p>
+            <a:pPr marL="0" indent="0">
+              <a:lnSpc>
+                <a:spcPct val="100000"/>
+              </a:lnSpc>
+              <a:spcBef>
+                <a:spcPts val="0"/>
+              </a:spcBef>
+              <a:buNone/>
+            </a:pPr>
+            <a:r>
+              <a:rPr lang="es-ES" dirty="0" err="1"/>
+              <a:t>Console.WriteLine</a:t>
+            </a:r>
+            <a:r>
+              <a:rPr lang="es-ES" dirty="0"/>
+              <a:t>(</a:t>
+            </a:r>
+            <a:r>
+              <a:rPr lang="es-ES" dirty="0" err="1"/>
+              <a:t>cta.GetHashCode</a:t>
+            </a:r>
+            <a:r>
+              <a:rPr lang="es-ES" dirty="0"/>
+              <a:t>());</a:t>
+            </a:r>
+          </a:p>
+        </p:txBody>
+      </p:sp>
+      <p:sp>
+        <p:nvSpPr>
+          <p:cNvPr id="4" name="Marcador de contenido 2">
+            <a:extLst>
+              <a:ext uri="{FF2B5EF4-FFF2-40B4-BE49-F238E27FC236}">
+                <a16:creationId xmlns:a16="http://schemas.microsoft.com/office/drawing/2014/main" id="{68B196C6-A6FF-4897-AE9B-163B930A07C0}"/>
+              </a:ext>
+            </a:extLst>
+          </p:cNvPr>
+          <p:cNvSpPr txBox="1">
+            <a:spLocks/>
+          </p:cNvSpPr>
+          <p:nvPr/>
+        </p:nvSpPr>
+        <p:spPr>
+          <a:xfrm>
+            <a:off x="6602776" y="2103120"/>
+            <a:ext cx="4724400" cy="3959352"/>
+          </a:xfrm>
+          <a:prstGeom prst="rect">
+            <a:avLst/>
+          </a:prstGeom>
+        </p:spPr>
+        <p:txBody>
+          <a:bodyPr vert="horz" lIns="0" tIns="0" rIns="0" bIns="0" rtlCol="0">
+            <a:normAutofit fontScale="92500" lnSpcReduction="10000"/>
+          </a:bodyPr>
+          <a:lstStyle>
+            <a:lvl1pPr marL="228600" indent="-228600" algn="l" defTabSz="914400" rtl="0" eaLnBrk="1" latinLnBrk="0" hangingPunct="1">
+              <a:lnSpc>
+                <a:spcPct val="120000"/>
+              </a:lnSpc>
+              <a:spcBef>
+                <a:spcPts val="1000"/>
+              </a:spcBef>
+              <a:buFont typeface="Arial" panose="020B0604020202020204" pitchFamily="34" charset="0"/>
+              <a:buChar char="•"/>
+              <a:defRPr sz="2400" kern="1200">
+                <a:solidFill>
+                  <a:schemeClr val="tx1"/>
+                </a:solidFill>
+                <a:latin typeface="+mn-lt"/>
+                <a:ea typeface="+mn-ea"/>
+                <a:cs typeface="+mn-cs"/>
+              </a:defRPr>
+            </a:lvl1pPr>
+            <a:lvl2pPr marL="685800" indent="-228600" algn="l" defTabSz="914400" rtl="0" eaLnBrk="1" latinLnBrk="0" hangingPunct="1">
+              <a:lnSpc>
+                <a:spcPct val="120000"/>
+              </a:lnSpc>
+              <a:spcBef>
+                <a:spcPts val="500"/>
+              </a:spcBef>
+              <a:buFont typeface="Arial" panose="020B0604020202020204" pitchFamily="34" charset="0"/>
+              <a:buChar char="•"/>
+              <a:defRPr sz="2400" kern="1200">
+                <a:solidFill>
+                  <a:schemeClr val="tx1"/>
+                </a:solidFill>
+                <a:latin typeface="+mn-lt"/>
+                <a:ea typeface="+mn-ea"/>
+                <a:cs typeface="+mn-cs"/>
+              </a:defRPr>
+            </a:lvl2pPr>
+            <a:lvl3pPr marL="1143000" indent="-228600" algn="l" defTabSz="914400" rtl="0" eaLnBrk="1" latinLnBrk="0" hangingPunct="1">
+              <a:lnSpc>
+                <a:spcPct val="120000"/>
+              </a:lnSpc>
+              <a:spcBef>
+                <a:spcPts val="500"/>
+              </a:spcBef>
+              <a:buFont typeface="Arial" panose="020B0604020202020204" pitchFamily="34" charset="0"/>
+              <a:buChar char="•"/>
+              <a:defRPr sz="2000" kern="1200">
+                <a:solidFill>
+                  <a:schemeClr val="tx1"/>
+                </a:solidFill>
+                <a:latin typeface="+mn-lt"/>
+                <a:ea typeface="+mn-ea"/>
+                <a:cs typeface="+mn-cs"/>
+              </a:defRPr>
+            </a:lvl3pPr>
+            <a:lvl4pPr marL="1600200" indent="-228600" algn="l" defTabSz="914400" rtl="0" eaLnBrk="1" latinLnBrk="0" hangingPunct="1">
+              <a:lnSpc>
+                <a:spcPct val="120000"/>
+              </a:lnSpc>
+              <a:spcBef>
+                <a:spcPts val="500"/>
+              </a:spcBef>
+              <a:buFont typeface="Arial" panose="020B0604020202020204" pitchFamily="34" charset="0"/>
+              <a:buChar char="•"/>
+              <a:defRPr sz="1800" kern="1200">
+                <a:solidFill>
+                  <a:schemeClr val="tx1"/>
+                </a:solidFill>
+                <a:latin typeface="+mn-lt"/>
+                <a:ea typeface="+mn-ea"/>
+                <a:cs typeface="+mn-cs"/>
+              </a:defRPr>
+            </a:lvl4pPr>
+            <a:lvl5pPr marL="2057400" indent="-228600" algn="l" defTabSz="914400" rtl="0" eaLnBrk="1" latinLnBrk="0" hangingPunct="1">
+              <a:lnSpc>
+                <a:spcPct val="120000"/>
+              </a:lnSpc>
+              <a:spcBef>
+                <a:spcPts val="500"/>
+              </a:spcBef>
+              <a:buFont typeface="Arial" panose="020B0604020202020204" pitchFamily="34" charset="0"/>
+              <a:buChar char="•"/>
+              <a:defRPr sz="1800" kern="1200">
+                <a:solidFill>
+                  <a:schemeClr val="tx1"/>
+                </a:solidFill>
+                <a:latin typeface="+mn-lt"/>
+                <a:ea typeface="+mn-ea"/>
+                <a:cs typeface="+mn-cs"/>
+              </a:defRPr>
+            </a:lvl5pPr>
+            <a:lvl6pPr marL="2514600" indent="-228600" algn="l" defTabSz="914400" rtl="0" eaLnBrk="1" latinLnBrk="0" hangingPunct="1">
+              <a:lnSpc>
+                <a:spcPct val="90000"/>
+              </a:lnSpc>
+              <a:spcBef>
+                <a:spcPts val="500"/>
+              </a:spcBef>
+              <a:buFont typeface="Arial" panose="020B0604020202020204" pitchFamily="34" charset="0"/>
+              <a:buChar char="•"/>
+              <a:defRPr sz="1800" kern="1200">
+                <a:solidFill>
+                  <a:schemeClr val="tx1"/>
+                </a:solidFill>
+                <a:latin typeface="+mn-lt"/>
+                <a:ea typeface="+mn-ea"/>
+                <a:cs typeface="+mn-cs"/>
+              </a:defRPr>
+            </a:lvl6pPr>
+            <a:lvl7pPr marL="2971800" indent="-228600" algn="l" defTabSz="914400" rtl="0" eaLnBrk="1" latinLnBrk="0" hangingPunct="1">
+              <a:lnSpc>
+                <a:spcPct val="90000"/>
+              </a:lnSpc>
+              <a:spcBef>
+                <a:spcPts val="500"/>
+              </a:spcBef>
+              <a:buFont typeface="Arial" panose="020B0604020202020204" pitchFamily="34" charset="0"/>
+              <a:buChar char="•"/>
+              <a:defRPr sz="1800" kern="1200">
+                <a:solidFill>
+                  <a:schemeClr val="tx1"/>
+                </a:solidFill>
+                <a:latin typeface="+mn-lt"/>
+                <a:ea typeface="+mn-ea"/>
+                <a:cs typeface="+mn-cs"/>
+              </a:defRPr>
+            </a:lvl7pPr>
+            <a:lvl8pPr marL="3429000" indent="-228600" algn="l" defTabSz="914400" rtl="0" eaLnBrk="1" latinLnBrk="0" hangingPunct="1">
+              <a:lnSpc>
+                <a:spcPct val="90000"/>
+              </a:lnSpc>
+              <a:spcBef>
+                <a:spcPts val="500"/>
+              </a:spcBef>
+              <a:buFont typeface="Arial" panose="020B0604020202020204" pitchFamily="34" charset="0"/>
+              <a:buChar char="•"/>
+              <a:defRPr sz="1800" kern="1200">
+                <a:solidFill>
+                  <a:schemeClr val="tx1"/>
+                </a:solidFill>
+                <a:latin typeface="+mn-lt"/>
+                <a:ea typeface="+mn-ea"/>
+                <a:cs typeface="+mn-cs"/>
+              </a:defRPr>
+            </a:lvl8pPr>
+            <a:lvl9pPr marL="3886200" indent="-228600" algn="l" defTabSz="914400" rtl="0" eaLnBrk="1" latinLnBrk="0" hangingPunct="1">
+              <a:lnSpc>
+                <a:spcPct val="90000"/>
+              </a:lnSpc>
+              <a:spcBef>
+                <a:spcPts val="500"/>
+              </a:spcBef>
+              <a:buFont typeface="Arial" panose="020B0604020202020204" pitchFamily="34" charset="0"/>
+              <a:buChar char="•"/>
+              <a:defRPr sz="1800" kern="1200">
+                <a:solidFill>
+                  <a:schemeClr val="tx1"/>
+                </a:solidFill>
+                <a:latin typeface="+mn-lt"/>
+                <a:ea typeface="+mn-ea"/>
+                <a:cs typeface="+mn-cs"/>
+              </a:defRPr>
+            </a:lvl9pPr>
+          </a:lstStyle>
+          <a:p>
+            <a:pPr marL="0" indent="0">
+              <a:buFont typeface="Arial" panose="020B0604020202020204" pitchFamily="34" charset="0"/>
+              <a:buNone/>
+            </a:pPr>
+            <a:r>
+              <a:rPr lang="es-ES" dirty="0"/>
+              <a:t>Porqué es mutable:</a:t>
+            </a:r>
+          </a:p>
+          <a:p>
+            <a:r>
+              <a:rPr lang="es-ES" dirty="0" err="1"/>
+              <a:t>cta</a:t>
+            </a:r>
+            <a:r>
+              <a:rPr lang="es-ES" dirty="0"/>
+              <a:t> es una instancia de Cuenta.</a:t>
+            </a:r>
+          </a:p>
+          <a:p>
+            <a:r>
+              <a:rPr lang="es-ES" dirty="0"/>
+              <a:t>El atributo cambia el valor a 300000 en la misma instancia </a:t>
+            </a:r>
+            <a:r>
+              <a:rPr lang="es-ES" dirty="0" err="1"/>
+              <a:t>cta</a:t>
+            </a:r>
+            <a:endParaRPr lang="es-ES" dirty="0"/>
+          </a:p>
+          <a:p>
+            <a:r>
+              <a:rPr lang="es-ES" dirty="0"/>
+              <a:t>Cuando se invoca la función Depositar, el atributo vuelve a cambiar el saldo en esa instancia</a:t>
+            </a:r>
+          </a:p>
+          <a:p>
+            <a:r>
+              <a:rPr lang="es-ES" dirty="0"/>
+              <a:t>En conclusión, la instancia cambia de valores durante la ejecución.</a:t>
+            </a:r>
+          </a:p>
+        </p:txBody>
+      </p:sp>
+    </p:spTree>
+    <p:extLst>
+      <p:ext uri="{BB962C8B-B14F-4D97-AF65-F5344CB8AC3E}">
+        <p14:creationId xmlns:p14="http://schemas.microsoft.com/office/powerpoint/2010/main" val="3172985459"/>
+      </p:ext>
+    </p:extLst>
+  </p:cSld>
+  <p:clrMapOvr>
+    <a:masterClrMapping/>
+  </p:clrMapOvr>
+</p:sld>
+</file>
+
+<file path=ppt/slides/slide27.xml><?xml version="1.0" encoding="utf-8"?>
+<p:sld xmlns:a="http://schemas.openxmlformats.org/drawingml/2006/main" xmlns:r="http://schemas.openxmlformats.org/officeDocument/2006/relationships" xmlns:p="http://schemas.openxmlformats.org/presentationml/2006/main">
+  <p:cSld>
+    <p:spTree>
+      <p:nvGrpSpPr>
+        <p:cNvPr id="1" name=""/>
+        <p:cNvGrpSpPr/>
+        <p:nvPr/>
+      </p:nvGrpSpPr>
+      <p:grpSpPr>
+        <a:xfrm>
+          <a:off x="0" y="0"/>
+          <a:ext cx="0" cy="0"/>
+          <a:chOff x="0" y="0"/>
+          <a:chExt cx="0" cy="0"/>
+        </a:xfrm>
+      </p:grpSpPr>
+      <p:sp>
+        <p:nvSpPr>
+          <p:cNvPr id="2" name="Título 1">
+            <a:extLst>
+              <a:ext uri="{FF2B5EF4-FFF2-40B4-BE49-F238E27FC236}">
+                <a16:creationId xmlns:a16="http://schemas.microsoft.com/office/drawing/2014/main" id="{61D10879-ACE2-44C9-A0EB-674CFFC54F6F}"/>
+              </a:ext>
+            </a:extLst>
+          </p:cNvPr>
+          <p:cNvSpPr>
+            <a:spLocks noGrp="1"/>
+          </p:cNvSpPr>
+          <p:nvPr>
+            <p:ph type="title"/>
+          </p:nvPr>
+        </p:nvSpPr>
+        <p:spPr>
+          <a:xfrm>
+            <a:off x="1371600" y="795528"/>
+            <a:ext cx="10241280" cy="631349"/>
+          </a:xfrm>
+        </p:spPr>
+        <p:txBody>
+          <a:bodyPr/>
+          <a:lstStyle/>
+          <a:p>
+            <a:r>
+              <a:rPr lang="es-ES" dirty="0"/>
+              <a:t>Clase inmutable (</a:t>
+            </a:r>
+            <a:r>
+              <a:rPr lang="es-ES" sz="2000" i="1" dirty="0">
+                <a:solidFill>
+                  <a:schemeClr val="bg1">
+                    <a:lumMod val="75000"/>
+                  </a:schemeClr>
+                </a:solidFill>
+              </a:rPr>
+              <a:t>mismo ejemplo</a:t>
+            </a:r>
+            <a:r>
+              <a:rPr lang="es-ES" dirty="0"/>
+              <a:t>)</a:t>
+            </a:r>
+            <a:endParaRPr lang="es-CO" dirty="0"/>
+          </a:p>
+        </p:txBody>
+      </p:sp>
+      <p:sp>
+        <p:nvSpPr>
+          <p:cNvPr id="3" name="Marcador de contenido 2">
+            <a:extLst>
+              <a:ext uri="{FF2B5EF4-FFF2-40B4-BE49-F238E27FC236}">
+                <a16:creationId xmlns:a16="http://schemas.microsoft.com/office/drawing/2014/main" id="{8680D6E9-4751-4110-A5C9-389D4617523D}"/>
+              </a:ext>
+            </a:extLst>
+          </p:cNvPr>
+          <p:cNvSpPr>
+            <a:spLocks noGrp="1"/>
+          </p:cNvSpPr>
+          <p:nvPr>
+            <p:ph idx="1"/>
+          </p:nvPr>
+        </p:nvSpPr>
+        <p:spPr>
+          <a:xfrm>
+            <a:off x="1075062" y="1660572"/>
+            <a:ext cx="10041876" cy="3959352"/>
+          </a:xfrm>
+        </p:spPr>
+        <p:txBody>
+          <a:bodyPr>
+            <a:normAutofit fontScale="92500" lnSpcReduction="20000"/>
+          </a:bodyPr>
+          <a:lstStyle/>
           <a:p>
             <a:pPr marL="0" indent="0">
               <a:buNone/>
             </a:pPr>
             <a:r>
+              <a:rPr lang="es-ES" dirty="0" err="1"/>
+              <a:t>public</a:t>
+            </a:r>
+            <a:r>
               <a:rPr lang="es-ES" dirty="0"/>
-              <a:t>};</a:t>
+              <a:t> </a:t>
+            </a:r>
+            <a:r>
+              <a:rPr lang="es-ES" dirty="0" err="1"/>
+              <a:t>class</a:t>
+            </a:r>
+            <a:r>
+              <a:rPr lang="es-ES" dirty="0"/>
+              <a:t> Cuenta{</a:t>
             </a:r>
           </a:p>
           <a:p>
             <a:pPr marL="0" indent="0">
+              <a:lnSpc>
+                <a:spcPct val="100000"/>
+              </a:lnSpc>
+              <a:spcBef>
+                <a:spcPts val="0"/>
+              </a:spcBef>
+              <a:buNone/>
+            </a:pPr>
+            <a:r>
+              <a:rPr lang="es-ES" dirty="0"/>
+              <a:t>	</a:t>
+            </a:r>
+            <a:r>
+              <a:rPr lang="es-ES" dirty="0" err="1"/>
+              <a:t>ulong</a:t>
+            </a:r>
+            <a:r>
+              <a:rPr lang="es-ES" dirty="0"/>
+              <a:t> saldo {</a:t>
+            </a:r>
+            <a:r>
+              <a:rPr lang="es-ES" dirty="0" err="1"/>
+              <a:t>get</a:t>
+            </a:r>
+            <a:r>
+              <a:rPr lang="es-ES" dirty="0"/>
+              <a:t>;}</a:t>
+            </a:r>
+          </a:p>
+          <a:p>
+            <a:pPr marL="0" indent="0">
+              <a:lnSpc>
+                <a:spcPct val="100000"/>
+              </a:lnSpc>
+              <a:spcBef>
+                <a:spcPts val="0"/>
+              </a:spcBef>
+              <a:buNone/>
+            </a:pPr>
+            <a:r>
+              <a:rPr lang="es-ES" dirty="0"/>
+              <a:t>	</a:t>
+            </a:r>
+            <a:r>
+              <a:rPr lang="es-ES" dirty="0" err="1"/>
+              <a:t>public</a:t>
+            </a:r>
+            <a:r>
+              <a:rPr lang="es-ES" dirty="0"/>
+              <a:t> Cuenta(</a:t>
+            </a:r>
+            <a:r>
+              <a:rPr lang="es-ES" dirty="0" err="1"/>
+              <a:t>ulong</a:t>
+            </a:r>
+            <a:r>
+              <a:rPr lang="es-ES" dirty="0"/>
+              <a:t> saldo){</a:t>
+            </a:r>
+          </a:p>
+          <a:p>
+            <a:pPr marL="0" indent="0">
+              <a:lnSpc>
+                <a:spcPct val="100000"/>
+              </a:lnSpc>
+              <a:spcBef>
+                <a:spcPts val="0"/>
+              </a:spcBef>
+              <a:buNone/>
+            </a:pPr>
+            <a:r>
+              <a:rPr lang="es-ES" dirty="0"/>
+              <a:t>		</a:t>
+            </a:r>
+            <a:r>
+              <a:rPr lang="es-ES" dirty="0" err="1"/>
+              <a:t>this.saldo</a:t>
+            </a:r>
+            <a:r>
+              <a:rPr lang="es-ES" dirty="0"/>
+              <a:t> = saldo;</a:t>
+            </a:r>
+          </a:p>
+          <a:p>
+            <a:pPr marL="0" indent="0">
+              <a:lnSpc>
+                <a:spcPct val="100000"/>
+              </a:lnSpc>
+              <a:spcBef>
+                <a:spcPts val="0"/>
+              </a:spcBef>
+              <a:buNone/>
+            </a:pPr>
+            <a:r>
+              <a:rPr lang="es-ES" dirty="0"/>
+              <a:t>	}</a:t>
+            </a:r>
+          </a:p>
+          <a:p>
+            <a:pPr marL="0" indent="0">
+              <a:lnSpc>
+                <a:spcPct val="100000"/>
+              </a:lnSpc>
+              <a:spcBef>
+                <a:spcPts val="0"/>
+              </a:spcBef>
+              <a:buNone/>
+            </a:pPr>
+            <a:r>
+              <a:rPr lang="es-ES" dirty="0"/>
+              <a:t>	</a:t>
+            </a:r>
+            <a:r>
+              <a:rPr lang="es-ES" dirty="0" err="1"/>
+              <a:t>public</a:t>
+            </a:r>
+            <a:r>
+              <a:rPr lang="es-ES" dirty="0"/>
+              <a:t> Depositar(</a:t>
+            </a:r>
+            <a:r>
+              <a:rPr lang="es-ES" dirty="0" err="1"/>
+              <a:t>ulong</a:t>
+            </a:r>
+            <a:r>
+              <a:rPr lang="es-ES" dirty="0"/>
+              <a:t> valor) =&gt; new Cuenta (saldo + valor);</a:t>
+            </a:r>
+          </a:p>
+          <a:p>
+            <a:pPr marL="0" indent="0">
+              <a:lnSpc>
+                <a:spcPct val="100000"/>
+              </a:lnSpc>
+              <a:spcBef>
+                <a:spcPts val="0"/>
+              </a:spcBef>
+              <a:buNone/>
+            </a:pPr>
+            <a:r>
+              <a:rPr lang="es-ES" dirty="0"/>
+              <a:t>}</a:t>
+            </a:r>
+          </a:p>
+          <a:p>
+            <a:pPr marL="0" indent="0">
+              <a:lnSpc>
+                <a:spcPct val="100000"/>
+              </a:lnSpc>
+              <a:spcBef>
+                <a:spcPts val="0"/>
+              </a:spcBef>
               <a:buNone/>
             </a:pPr>
             <a:endParaRPr lang="es-CO" dirty="0"/>
           </a:p>
+          <a:p>
+            <a:pPr marL="0" indent="0">
+              <a:lnSpc>
+                <a:spcPct val="100000"/>
+              </a:lnSpc>
+              <a:spcBef>
+                <a:spcPts val="0"/>
+              </a:spcBef>
+              <a:buNone/>
+            </a:pPr>
+            <a:r>
+              <a:rPr lang="es-CO" dirty="0"/>
+              <a:t>//</a:t>
+            </a:r>
+            <a:r>
+              <a:rPr lang="es-CO" dirty="0" err="1"/>
+              <a:t>main</a:t>
+            </a:r>
+            <a:endParaRPr lang="es-CO" dirty="0"/>
+          </a:p>
+          <a:p>
+            <a:pPr marL="0" indent="0">
+              <a:lnSpc>
+                <a:spcPct val="100000"/>
+              </a:lnSpc>
+              <a:spcBef>
+                <a:spcPts val="0"/>
+              </a:spcBef>
+              <a:buNone/>
+            </a:pPr>
+            <a:r>
+              <a:rPr lang="es-CO" dirty="0"/>
+              <a:t>Cuenta </a:t>
+            </a:r>
+            <a:r>
+              <a:rPr lang="es-CO" dirty="0" err="1"/>
+              <a:t>cta</a:t>
+            </a:r>
+            <a:r>
+              <a:rPr lang="es-CO" dirty="0"/>
+              <a:t> = new Cuenta(30000); </a:t>
+            </a:r>
+          </a:p>
+          <a:p>
+            <a:pPr marL="0" indent="0">
+              <a:lnSpc>
+                <a:spcPct val="100000"/>
+              </a:lnSpc>
+              <a:spcBef>
+                <a:spcPts val="0"/>
+              </a:spcBef>
+              <a:buNone/>
+            </a:pPr>
+            <a:r>
+              <a:rPr lang="es-CO" dirty="0" err="1"/>
+              <a:t>Console.WriteLine</a:t>
+            </a:r>
+            <a:r>
+              <a:rPr lang="es-CO" dirty="0"/>
+              <a:t>(</a:t>
+            </a:r>
+            <a:r>
+              <a:rPr lang="es-CO" dirty="0" err="1"/>
+              <a:t>cta.GetHashCode</a:t>
+            </a:r>
+            <a:r>
+              <a:rPr lang="es-CO" dirty="0"/>
+              <a:t>());</a:t>
+            </a:r>
+          </a:p>
+          <a:p>
+            <a:pPr marL="0" indent="0">
+              <a:lnSpc>
+                <a:spcPct val="100000"/>
+              </a:lnSpc>
+              <a:spcBef>
+                <a:spcPts val="0"/>
+              </a:spcBef>
+              <a:buNone/>
+            </a:pPr>
+            <a:r>
+              <a:rPr lang="es-ES" dirty="0" err="1"/>
+              <a:t>cta</a:t>
+            </a:r>
+            <a:r>
+              <a:rPr lang="es-ES" dirty="0"/>
+              <a:t> = </a:t>
+            </a:r>
+            <a:r>
+              <a:rPr lang="es-ES" dirty="0" err="1"/>
+              <a:t>cta.Depositar</a:t>
+            </a:r>
+            <a:r>
+              <a:rPr lang="es-ES" dirty="0"/>
+              <a:t>(1000000);</a:t>
+            </a:r>
+          </a:p>
+          <a:p>
+            <a:pPr marL="0" indent="0">
+              <a:lnSpc>
+                <a:spcPct val="100000"/>
+              </a:lnSpc>
+              <a:spcBef>
+                <a:spcPts val="0"/>
+              </a:spcBef>
+              <a:buNone/>
+            </a:pPr>
+            <a:r>
+              <a:rPr lang="es-CO" dirty="0" err="1"/>
+              <a:t>Console.WriteLine</a:t>
+            </a:r>
+            <a:r>
+              <a:rPr lang="es-CO" dirty="0"/>
+              <a:t>(</a:t>
+            </a:r>
+            <a:r>
+              <a:rPr lang="es-CO" dirty="0" err="1"/>
+              <a:t>cta.GetHashCode</a:t>
+            </a:r>
+            <a:r>
+              <a:rPr lang="es-CO" dirty="0"/>
+              <a:t>());</a:t>
+            </a:r>
+          </a:p>
+        </p:txBody>
+      </p:sp>
+      <p:sp>
+        <p:nvSpPr>
+          <p:cNvPr id="4" name="CuadroTexto 3">
+            <a:extLst>
+              <a:ext uri="{FF2B5EF4-FFF2-40B4-BE49-F238E27FC236}">
+                <a16:creationId xmlns:a16="http://schemas.microsoft.com/office/drawing/2014/main" id="{0FF56527-F557-4C82-8AEF-8DDCA9C00698}"/>
+              </a:ext>
+            </a:extLst>
+          </p:cNvPr>
+          <p:cNvSpPr txBox="1"/>
+          <p:nvPr/>
+        </p:nvSpPr>
+        <p:spPr>
+          <a:xfrm flipH="1">
+            <a:off x="5783854" y="4739898"/>
+            <a:ext cx="6408146" cy="646331"/>
+          </a:xfrm>
+          <a:prstGeom prst="rect">
+            <a:avLst/>
+          </a:prstGeom>
+          <a:noFill/>
+        </p:spPr>
+        <p:txBody>
+          <a:bodyPr wrap="square" rtlCol="0">
+            <a:spAutoFit/>
+          </a:bodyPr>
+          <a:lstStyle/>
+          <a:p>
+            <a:r>
+              <a:rPr lang="es-ES" b="1" dirty="0">
+                <a:solidFill>
+                  <a:srgbClr val="FF0000"/>
+                </a:solidFill>
+              </a:rPr>
+              <a:t>Esto es una instancia de </a:t>
+            </a:r>
+            <a:r>
+              <a:rPr lang="es-ES" b="1" dirty="0" err="1">
+                <a:solidFill>
+                  <a:srgbClr val="FF0000"/>
+                </a:solidFill>
+              </a:rPr>
+              <a:t>cta</a:t>
+            </a:r>
+            <a:r>
+              <a:rPr lang="es-ES" b="1" dirty="0">
+                <a:solidFill>
+                  <a:srgbClr val="FF0000"/>
+                </a:solidFill>
+              </a:rPr>
+              <a:t> y el valor del saldo queda en 30.000</a:t>
+            </a:r>
+          </a:p>
+          <a:p>
+            <a:r>
+              <a:rPr lang="es-ES" b="1" dirty="0">
+                <a:solidFill>
+                  <a:srgbClr val="FF0000"/>
+                </a:solidFill>
+              </a:rPr>
+              <a:t>Y se reasigna una nueva instancia de </a:t>
+            </a:r>
+            <a:r>
+              <a:rPr lang="es-ES" b="1" dirty="0" err="1">
+                <a:solidFill>
+                  <a:srgbClr val="FF0000"/>
+                </a:solidFill>
+              </a:rPr>
+              <a:t>cta</a:t>
+            </a:r>
+            <a:r>
+              <a:rPr lang="es-ES" b="1" dirty="0">
+                <a:solidFill>
+                  <a:srgbClr val="FF0000"/>
+                </a:solidFill>
+              </a:rPr>
+              <a:t>, queda en 1.030.000</a:t>
+            </a:r>
+            <a:endParaRPr lang="es-CO" b="1" dirty="0">
+              <a:solidFill>
+                <a:srgbClr val="FF0000"/>
+              </a:solidFill>
+            </a:endParaRPr>
+          </a:p>
         </p:txBody>
       </p:sp>
     </p:spTree>
     <p:extLst>
       <p:ext uri="{BB962C8B-B14F-4D97-AF65-F5344CB8AC3E}">
-        <p14:creationId xmlns:p14="http://schemas.microsoft.com/office/powerpoint/2010/main" val="1924670140"/>
+        <p14:creationId xmlns:p14="http://schemas.microsoft.com/office/powerpoint/2010/main" val="1980530215"/>
+      </p:ext>
+    </p:extLst>
+  </p:cSld>
+  <p:clrMapOvr>
+    <a:masterClrMapping/>
+  </p:clrMapOvr>
+</p:sld>
+</file>
+
+<file path=ppt/slides/slide28.xml><?xml version="1.0" encoding="utf-8"?>
+<p:sld xmlns:a="http://schemas.openxmlformats.org/drawingml/2006/main" xmlns:r="http://schemas.openxmlformats.org/officeDocument/2006/relationships" xmlns:p="http://schemas.openxmlformats.org/presentationml/2006/main">
+  <p:cSld>
+    <p:spTree>
+      <p:nvGrpSpPr>
+        <p:cNvPr id="1" name=""/>
+        <p:cNvGrpSpPr/>
+        <p:nvPr/>
+      </p:nvGrpSpPr>
+      <p:grpSpPr>
+        <a:xfrm>
+          <a:off x="0" y="0"/>
+          <a:ext cx="0" cy="0"/>
+          <a:chOff x="0" y="0"/>
+          <a:chExt cx="0" cy="0"/>
+        </a:xfrm>
+      </p:grpSpPr>
+      <p:sp>
+        <p:nvSpPr>
+          <p:cNvPr id="2" name="Título 1">
+            <a:extLst>
+              <a:ext uri="{FF2B5EF4-FFF2-40B4-BE49-F238E27FC236}">
+                <a16:creationId xmlns:a16="http://schemas.microsoft.com/office/drawing/2014/main" id="{948F65A4-44B6-46A6-9BFC-6374630D1FEB}"/>
+              </a:ext>
+            </a:extLst>
+          </p:cNvPr>
+          <p:cNvSpPr>
+            <a:spLocks noGrp="1"/>
+          </p:cNvSpPr>
+          <p:nvPr>
+            <p:ph type="title"/>
+          </p:nvPr>
+        </p:nvSpPr>
+        <p:spPr/>
+        <p:txBody>
+          <a:bodyPr/>
+          <a:lstStyle/>
+          <a:p>
+            <a:r>
+              <a:rPr lang="es-ES" dirty="0"/>
+              <a:t>Cuándo se usa o no la inmutabilidad</a:t>
+            </a:r>
+            <a:endParaRPr lang="es-CO" dirty="0"/>
+          </a:p>
+        </p:txBody>
+      </p:sp>
+      <p:sp>
+        <p:nvSpPr>
+          <p:cNvPr id="3" name="Marcador de contenido 2">
+            <a:extLst>
+              <a:ext uri="{FF2B5EF4-FFF2-40B4-BE49-F238E27FC236}">
+                <a16:creationId xmlns:a16="http://schemas.microsoft.com/office/drawing/2014/main" id="{9FC3B845-6DA6-4F57-8739-7BE07C574E59}"/>
+              </a:ext>
+            </a:extLst>
+          </p:cNvPr>
+          <p:cNvSpPr>
+            <a:spLocks noGrp="1"/>
+          </p:cNvSpPr>
+          <p:nvPr>
+            <p:ph idx="1"/>
+          </p:nvPr>
+        </p:nvSpPr>
+        <p:spPr>
+          <a:xfrm>
+            <a:off x="7189608" y="2196486"/>
+            <a:ext cx="4423272" cy="3950208"/>
+          </a:xfrm>
+        </p:spPr>
+        <p:txBody>
+          <a:bodyPr>
+            <a:normAutofit fontScale="85000" lnSpcReduction="10000"/>
+          </a:bodyPr>
+          <a:lstStyle/>
+          <a:p>
+            <a:pPr marL="0" indent="0" algn="ctr">
+              <a:buNone/>
+            </a:pPr>
+            <a:r>
+              <a:rPr lang="es-ES" sz="2800" b="1" dirty="0">
+                <a:solidFill>
+                  <a:schemeClr val="bg1"/>
+                </a:solidFill>
+                <a:highlight>
+                  <a:srgbClr val="FF0000"/>
+                </a:highlight>
+              </a:rPr>
+              <a:t>No se usa:</a:t>
+            </a:r>
+          </a:p>
+          <a:p>
+            <a:r>
+              <a:rPr lang="es-ES" dirty="0"/>
+              <a:t>Cuando los objetos son muy grandes y no es significativo retornar una instancia completa  para solo modificar un valor.</a:t>
+            </a:r>
+          </a:p>
+          <a:p>
+            <a:r>
+              <a:rPr lang="es-CO" dirty="0"/>
+              <a:t>Cuando un objeto va poblando sus atributos poco a poco. (llenado de sillas de un avión)</a:t>
+            </a:r>
+          </a:p>
+          <a:p>
+            <a:r>
+              <a:rPr lang="es-CO" dirty="0"/>
+              <a:t>En general: cualquier situación que modifica un objeto con alta frecuencia.</a:t>
+            </a:r>
+          </a:p>
+          <a:p>
+            <a:endParaRPr lang="es-CO" dirty="0"/>
+          </a:p>
+        </p:txBody>
+      </p:sp>
+      <p:sp>
+        <p:nvSpPr>
+          <p:cNvPr id="4" name="Marcador de contenido 2">
+            <a:extLst>
+              <a:ext uri="{FF2B5EF4-FFF2-40B4-BE49-F238E27FC236}">
+                <a16:creationId xmlns:a16="http://schemas.microsoft.com/office/drawing/2014/main" id="{52864B0A-FDF6-4F53-89C4-647D0928E13A}"/>
+              </a:ext>
+            </a:extLst>
+          </p:cNvPr>
+          <p:cNvSpPr txBox="1">
+            <a:spLocks/>
+          </p:cNvSpPr>
+          <p:nvPr/>
+        </p:nvSpPr>
+        <p:spPr>
+          <a:xfrm>
+            <a:off x="1672728" y="2196486"/>
+            <a:ext cx="4423272" cy="3950208"/>
+          </a:xfrm>
+          <a:prstGeom prst="rect">
+            <a:avLst/>
+          </a:prstGeom>
+        </p:spPr>
+        <p:txBody>
+          <a:bodyPr vert="horz" lIns="0" tIns="0" rIns="0" bIns="0" rtlCol="0">
+            <a:normAutofit fontScale="92500"/>
+          </a:bodyPr>
+          <a:lstStyle>
+            <a:lvl1pPr marL="228600" indent="-228600" algn="l" defTabSz="914400" rtl="0" eaLnBrk="1" latinLnBrk="0" hangingPunct="1">
+              <a:lnSpc>
+                <a:spcPct val="120000"/>
+              </a:lnSpc>
+              <a:spcBef>
+                <a:spcPts val="1000"/>
+              </a:spcBef>
+              <a:buFont typeface="Arial" panose="020B0604020202020204" pitchFamily="34" charset="0"/>
+              <a:buChar char="•"/>
+              <a:defRPr sz="2400" kern="1200">
+                <a:solidFill>
+                  <a:schemeClr val="tx1"/>
+                </a:solidFill>
+                <a:latin typeface="+mn-lt"/>
+                <a:ea typeface="+mn-ea"/>
+                <a:cs typeface="+mn-cs"/>
+              </a:defRPr>
+            </a:lvl1pPr>
+            <a:lvl2pPr marL="685800" indent="-228600" algn="l" defTabSz="914400" rtl="0" eaLnBrk="1" latinLnBrk="0" hangingPunct="1">
+              <a:lnSpc>
+                <a:spcPct val="120000"/>
+              </a:lnSpc>
+              <a:spcBef>
+                <a:spcPts val="500"/>
+              </a:spcBef>
+              <a:buFont typeface="Arial" panose="020B0604020202020204" pitchFamily="34" charset="0"/>
+              <a:buChar char="•"/>
+              <a:defRPr sz="2400" kern="1200">
+                <a:solidFill>
+                  <a:schemeClr val="tx1"/>
+                </a:solidFill>
+                <a:latin typeface="+mn-lt"/>
+                <a:ea typeface="+mn-ea"/>
+                <a:cs typeface="+mn-cs"/>
+              </a:defRPr>
+            </a:lvl2pPr>
+            <a:lvl3pPr marL="1143000" indent="-228600" algn="l" defTabSz="914400" rtl="0" eaLnBrk="1" latinLnBrk="0" hangingPunct="1">
+              <a:lnSpc>
+                <a:spcPct val="120000"/>
+              </a:lnSpc>
+              <a:spcBef>
+                <a:spcPts val="500"/>
+              </a:spcBef>
+              <a:buFont typeface="Arial" panose="020B0604020202020204" pitchFamily="34" charset="0"/>
+              <a:buChar char="•"/>
+              <a:defRPr sz="2000" kern="1200">
+                <a:solidFill>
+                  <a:schemeClr val="tx1"/>
+                </a:solidFill>
+                <a:latin typeface="+mn-lt"/>
+                <a:ea typeface="+mn-ea"/>
+                <a:cs typeface="+mn-cs"/>
+              </a:defRPr>
+            </a:lvl3pPr>
+            <a:lvl4pPr marL="1600200" indent="-228600" algn="l" defTabSz="914400" rtl="0" eaLnBrk="1" latinLnBrk="0" hangingPunct="1">
+              <a:lnSpc>
+                <a:spcPct val="120000"/>
+              </a:lnSpc>
+              <a:spcBef>
+                <a:spcPts val="500"/>
+              </a:spcBef>
+              <a:buFont typeface="Arial" panose="020B0604020202020204" pitchFamily="34" charset="0"/>
+              <a:buChar char="•"/>
+              <a:defRPr sz="1800" kern="1200">
+                <a:solidFill>
+                  <a:schemeClr val="tx1"/>
+                </a:solidFill>
+                <a:latin typeface="+mn-lt"/>
+                <a:ea typeface="+mn-ea"/>
+                <a:cs typeface="+mn-cs"/>
+              </a:defRPr>
+            </a:lvl4pPr>
+            <a:lvl5pPr marL="2057400" indent="-228600" algn="l" defTabSz="914400" rtl="0" eaLnBrk="1" latinLnBrk="0" hangingPunct="1">
+              <a:lnSpc>
+                <a:spcPct val="120000"/>
+              </a:lnSpc>
+              <a:spcBef>
+                <a:spcPts val="500"/>
+              </a:spcBef>
+              <a:buFont typeface="Arial" panose="020B0604020202020204" pitchFamily="34" charset="0"/>
+              <a:buChar char="•"/>
+              <a:defRPr sz="1800" kern="1200">
+                <a:solidFill>
+                  <a:schemeClr val="tx1"/>
+                </a:solidFill>
+                <a:latin typeface="+mn-lt"/>
+                <a:ea typeface="+mn-ea"/>
+                <a:cs typeface="+mn-cs"/>
+              </a:defRPr>
+            </a:lvl5pPr>
+            <a:lvl6pPr marL="2514600" indent="-228600" algn="l" defTabSz="914400" rtl="0" eaLnBrk="1" latinLnBrk="0" hangingPunct="1">
+              <a:lnSpc>
+                <a:spcPct val="90000"/>
+              </a:lnSpc>
+              <a:spcBef>
+                <a:spcPts val="500"/>
+              </a:spcBef>
+              <a:buFont typeface="Arial" panose="020B0604020202020204" pitchFamily="34" charset="0"/>
+              <a:buChar char="•"/>
+              <a:defRPr sz="1800" kern="1200">
+                <a:solidFill>
+                  <a:schemeClr val="tx1"/>
+                </a:solidFill>
+                <a:latin typeface="+mn-lt"/>
+                <a:ea typeface="+mn-ea"/>
+                <a:cs typeface="+mn-cs"/>
+              </a:defRPr>
+            </a:lvl6pPr>
+            <a:lvl7pPr marL="2971800" indent="-228600" algn="l" defTabSz="914400" rtl="0" eaLnBrk="1" latinLnBrk="0" hangingPunct="1">
+              <a:lnSpc>
+                <a:spcPct val="90000"/>
+              </a:lnSpc>
+              <a:spcBef>
+                <a:spcPts val="500"/>
+              </a:spcBef>
+              <a:buFont typeface="Arial" panose="020B0604020202020204" pitchFamily="34" charset="0"/>
+              <a:buChar char="•"/>
+              <a:defRPr sz="1800" kern="1200">
+                <a:solidFill>
+                  <a:schemeClr val="tx1"/>
+                </a:solidFill>
+                <a:latin typeface="+mn-lt"/>
+                <a:ea typeface="+mn-ea"/>
+                <a:cs typeface="+mn-cs"/>
+              </a:defRPr>
+            </a:lvl7pPr>
+            <a:lvl8pPr marL="3429000" indent="-228600" algn="l" defTabSz="914400" rtl="0" eaLnBrk="1" latinLnBrk="0" hangingPunct="1">
+              <a:lnSpc>
+                <a:spcPct val="90000"/>
+              </a:lnSpc>
+              <a:spcBef>
+                <a:spcPts val="500"/>
+              </a:spcBef>
+              <a:buFont typeface="Arial" panose="020B0604020202020204" pitchFamily="34" charset="0"/>
+              <a:buChar char="•"/>
+              <a:defRPr sz="1800" kern="1200">
+                <a:solidFill>
+                  <a:schemeClr val="tx1"/>
+                </a:solidFill>
+                <a:latin typeface="+mn-lt"/>
+                <a:ea typeface="+mn-ea"/>
+                <a:cs typeface="+mn-cs"/>
+              </a:defRPr>
+            </a:lvl8pPr>
+            <a:lvl9pPr marL="3886200" indent="-228600" algn="l" defTabSz="914400" rtl="0" eaLnBrk="1" latinLnBrk="0" hangingPunct="1">
+              <a:lnSpc>
+                <a:spcPct val="90000"/>
+              </a:lnSpc>
+              <a:spcBef>
+                <a:spcPts val="500"/>
+              </a:spcBef>
+              <a:buFont typeface="Arial" panose="020B0604020202020204" pitchFamily="34" charset="0"/>
+              <a:buChar char="•"/>
+              <a:defRPr sz="1800" kern="1200">
+                <a:solidFill>
+                  <a:schemeClr val="tx1"/>
+                </a:solidFill>
+                <a:latin typeface="+mn-lt"/>
+                <a:ea typeface="+mn-ea"/>
+                <a:cs typeface="+mn-cs"/>
+              </a:defRPr>
+            </a:lvl9pPr>
+          </a:lstStyle>
+          <a:p>
+            <a:pPr algn="ctr"/>
+            <a:r>
+              <a:rPr lang="es-ES" dirty="0">
+                <a:solidFill>
+                  <a:schemeClr val="bg1"/>
+                </a:solidFill>
+                <a:highlight>
+                  <a:srgbClr val="008000"/>
+                </a:highlight>
+              </a:rPr>
+              <a:t>Se usa:</a:t>
+            </a:r>
+          </a:p>
+          <a:p>
+            <a:r>
+              <a:rPr lang="es-ES" dirty="0"/>
+              <a:t>En objetos que necesitamos que requieran modificaciones de estado</a:t>
+            </a:r>
+          </a:p>
+          <a:p>
+            <a:r>
+              <a:rPr lang="es-ES" dirty="0"/>
+              <a:t>Objetos simples, pequeños, que sean simples de duplicar, aunque se modifiquen de forma esporádica</a:t>
+            </a:r>
+          </a:p>
+          <a:p>
+            <a:r>
+              <a:rPr lang="es-ES" dirty="0"/>
+              <a:t>En programación concurrente como es la de hilos</a:t>
+            </a:r>
+            <a:endParaRPr lang="es-CO" dirty="0"/>
+          </a:p>
+        </p:txBody>
+      </p:sp>
+    </p:spTree>
+    <p:extLst>
+      <p:ext uri="{BB962C8B-B14F-4D97-AF65-F5344CB8AC3E}">
+        <p14:creationId xmlns:p14="http://schemas.microsoft.com/office/powerpoint/2010/main" val="267107896"/>
+      </p:ext>
+    </p:extLst>
+  </p:cSld>
+  <p:clrMapOvr>
+    <a:masterClrMapping/>
+  </p:clrMapOvr>
+</p:sld>
+</file>
+
+<file path=ppt/slides/slide29.xml><?xml version="1.0" encoding="utf-8"?>
+<p:sld xmlns:a="http://schemas.openxmlformats.org/drawingml/2006/main" xmlns:r="http://schemas.openxmlformats.org/officeDocument/2006/relationships" xmlns:p="http://schemas.openxmlformats.org/presentationml/2006/main">
+  <p:cSld>
+    <p:spTree>
+      <p:nvGrpSpPr>
+        <p:cNvPr id="1" name=""/>
+        <p:cNvGrpSpPr/>
+        <p:nvPr/>
+      </p:nvGrpSpPr>
+      <p:grpSpPr>
+        <a:xfrm>
+          <a:off x="0" y="0"/>
+          <a:ext cx="0" cy="0"/>
+          <a:chOff x="0" y="0"/>
+          <a:chExt cx="0" cy="0"/>
+        </a:xfrm>
+      </p:grpSpPr>
+      <p:sp>
+        <p:nvSpPr>
+          <p:cNvPr id="2" name="Título 1">
+            <a:extLst>
+              <a:ext uri="{FF2B5EF4-FFF2-40B4-BE49-F238E27FC236}">
+                <a16:creationId xmlns:a16="http://schemas.microsoft.com/office/drawing/2014/main" id="{FDBEC76B-A9A1-4B65-9167-890BD103CAFC}"/>
+              </a:ext>
+            </a:extLst>
+          </p:cNvPr>
+          <p:cNvSpPr>
+            <a:spLocks noGrp="1"/>
+          </p:cNvSpPr>
+          <p:nvPr>
+            <p:ph type="title"/>
+          </p:nvPr>
+        </p:nvSpPr>
+        <p:spPr/>
+        <p:txBody>
+          <a:bodyPr/>
+          <a:lstStyle/>
+          <a:p>
+            <a:r>
+              <a:rPr lang="es-ES" dirty="0"/>
+              <a:t>Tipos anónimos</a:t>
+            </a:r>
+            <a:endParaRPr lang="es-CO" dirty="0"/>
+          </a:p>
+        </p:txBody>
+      </p:sp>
+      <p:sp>
+        <p:nvSpPr>
+          <p:cNvPr id="3" name="Marcador de contenido 2">
+            <a:extLst>
+              <a:ext uri="{FF2B5EF4-FFF2-40B4-BE49-F238E27FC236}">
+                <a16:creationId xmlns:a16="http://schemas.microsoft.com/office/drawing/2014/main" id="{6A2D7FDF-C57D-4A23-A00C-5C2083438018}"/>
+              </a:ext>
+            </a:extLst>
+          </p:cNvPr>
+          <p:cNvSpPr>
+            <a:spLocks noGrp="1"/>
+          </p:cNvSpPr>
+          <p:nvPr>
+            <p:ph idx="1"/>
+          </p:nvPr>
+        </p:nvSpPr>
+        <p:spPr/>
+        <p:txBody>
+          <a:bodyPr/>
+          <a:lstStyle/>
+          <a:p>
+            <a:r>
+              <a:rPr lang="es-ES" dirty="0"/>
+              <a:t>Son clases simples, </a:t>
+            </a:r>
+            <a:r>
+              <a:rPr lang="es-ES" i="1" dirty="0">
+                <a:solidFill>
+                  <a:schemeClr val="bg1">
+                    <a:lumMod val="75000"/>
+                  </a:schemeClr>
+                </a:solidFill>
+              </a:rPr>
+              <a:t>se crean al vuelo</a:t>
+            </a:r>
+            <a:r>
+              <a:rPr lang="es-ES" dirty="0"/>
+              <a:t> y se usan para almacenar un conjunto de valores.</a:t>
+            </a:r>
+          </a:p>
+          <a:p>
+            <a:r>
+              <a:rPr lang="es-ES" dirty="0"/>
+              <a:t>Se crean con la palabra new y a continuación { }. Dentro de las llaves se especifican los valores. </a:t>
+            </a:r>
+          </a:p>
+          <a:p>
+            <a:r>
+              <a:rPr lang="es-ES" dirty="0"/>
+              <a:t>Estos tipos son usados comúnmente junto con LINQ</a:t>
+            </a:r>
+          </a:p>
+          <a:p>
+            <a:endParaRPr lang="es-CO" dirty="0"/>
+          </a:p>
+        </p:txBody>
+      </p:sp>
+    </p:spTree>
+    <p:extLst>
+      <p:ext uri="{BB962C8B-B14F-4D97-AF65-F5344CB8AC3E}">
+        <p14:creationId xmlns:p14="http://schemas.microsoft.com/office/powerpoint/2010/main" val="2184097664"/>
       </p:ext>
     </p:extLst>
   </p:cSld>
@@ -15168,6 +17160,187 @@
     <p:extLst>
       <p:ext uri="{BB962C8B-B14F-4D97-AF65-F5344CB8AC3E}">
         <p14:creationId xmlns:p14="http://schemas.microsoft.com/office/powerpoint/2010/main" val="667015549"/>
+      </p:ext>
+    </p:extLst>
+  </p:cSld>
+  <p:clrMapOvr>
+    <a:masterClrMapping/>
+  </p:clrMapOvr>
+</p:sld>
+</file>
+
+<file path=ppt/slides/slide30.xml><?xml version="1.0" encoding="utf-8"?>
+<p:sld xmlns:a="http://schemas.openxmlformats.org/drawingml/2006/main" xmlns:r="http://schemas.openxmlformats.org/officeDocument/2006/relationships" xmlns:p="http://schemas.openxmlformats.org/presentationml/2006/main">
+  <p:cSld>
+    <p:spTree>
+      <p:nvGrpSpPr>
+        <p:cNvPr id="1" name=""/>
+        <p:cNvGrpSpPr/>
+        <p:nvPr/>
+      </p:nvGrpSpPr>
+      <p:grpSpPr>
+        <a:xfrm>
+          <a:off x="0" y="0"/>
+          <a:ext cx="0" cy="0"/>
+          <a:chOff x="0" y="0"/>
+          <a:chExt cx="0" cy="0"/>
+        </a:xfrm>
+      </p:grpSpPr>
+      <p:sp>
+        <p:nvSpPr>
+          <p:cNvPr id="2" name="Título 1">
+            <a:extLst>
+              <a:ext uri="{FF2B5EF4-FFF2-40B4-BE49-F238E27FC236}">
+                <a16:creationId xmlns:a16="http://schemas.microsoft.com/office/drawing/2014/main" id="{4739C012-ACA5-40A8-83FB-410F51BD4D6F}"/>
+              </a:ext>
+            </a:extLst>
+          </p:cNvPr>
+          <p:cNvSpPr>
+            <a:spLocks noGrp="1"/>
+          </p:cNvSpPr>
+          <p:nvPr>
+            <p:ph type="title"/>
+          </p:nvPr>
+        </p:nvSpPr>
+        <p:spPr/>
+        <p:txBody>
+          <a:bodyPr/>
+          <a:lstStyle/>
+          <a:p>
+            <a:r>
+              <a:rPr lang="es-ES" dirty="0"/>
+              <a:t>Tipos anónimos</a:t>
+            </a:r>
+            <a:endParaRPr lang="es-CO" dirty="0"/>
+          </a:p>
+        </p:txBody>
+      </p:sp>
+      <p:sp>
+        <p:nvSpPr>
+          <p:cNvPr id="3" name="Marcador de contenido 2">
+            <a:extLst>
+              <a:ext uri="{FF2B5EF4-FFF2-40B4-BE49-F238E27FC236}">
+                <a16:creationId xmlns:a16="http://schemas.microsoft.com/office/drawing/2014/main" id="{899795E7-3CB0-46C8-B47F-F638576065B8}"/>
+              </a:ext>
+            </a:extLst>
+          </p:cNvPr>
+          <p:cNvSpPr>
+            <a:spLocks noGrp="1"/>
+          </p:cNvSpPr>
+          <p:nvPr>
+            <p:ph idx="1"/>
+          </p:nvPr>
+        </p:nvSpPr>
+        <p:spPr/>
+        <p:txBody>
+          <a:bodyPr>
+            <a:normAutofit/>
+          </a:bodyPr>
+          <a:lstStyle/>
+          <a:p>
+            <a:r>
+              <a:rPr lang="es-ES" dirty="0"/>
+              <a:t>Ejemplo 1:</a:t>
+            </a:r>
+          </a:p>
+          <a:p>
+            <a:pPr marL="0" indent="0">
+              <a:buNone/>
+            </a:pPr>
+            <a:r>
+              <a:rPr lang="es-ES" dirty="0" err="1"/>
+              <a:t>var</a:t>
+            </a:r>
+            <a:r>
+              <a:rPr lang="es-ES" dirty="0"/>
+              <a:t> libro = new {titulo = “Cien Años de Soledad”, valor=45000};</a:t>
+            </a:r>
+          </a:p>
+          <a:p>
+            <a:r>
+              <a:rPr lang="es-ES" dirty="0"/>
+              <a:t>Ejemplo 2:</a:t>
+            </a:r>
+          </a:p>
+          <a:p>
+            <a:pPr marL="0" indent="0">
+              <a:buNone/>
+            </a:pPr>
+            <a:r>
+              <a:rPr lang="es-ES" dirty="0" err="1"/>
+              <a:t>var</a:t>
+            </a:r>
+            <a:r>
+              <a:rPr lang="es-ES" dirty="0"/>
+              <a:t> libro = new {</a:t>
+            </a:r>
+          </a:p>
+          <a:p>
+            <a:pPr marL="0" indent="0">
+              <a:lnSpc>
+                <a:spcPct val="110000"/>
+              </a:lnSpc>
+              <a:spcBef>
+                <a:spcPts val="0"/>
+              </a:spcBef>
+              <a:buNone/>
+            </a:pPr>
+            <a:r>
+              <a:rPr lang="es-ES" dirty="0"/>
+              <a:t>	titulo = “Cien Años de Soledad”, </a:t>
+            </a:r>
+          </a:p>
+          <a:p>
+            <a:pPr marL="0" indent="0">
+              <a:lnSpc>
+                <a:spcPct val="110000"/>
+              </a:lnSpc>
+              <a:spcBef>
+                <a:spcPts val="0"/>
+              </a:spcBef>
+              <a:buNone/>
+            </a:pPr>
+            <a:r>
+              <a:rPr lang="es-ES" dirty="0"/>
+              <a:t>	valor=45000,</a:t>
+            </a:r>
+          </a:p>
+          <a:p>
+            <a:pPr marL="0" indent="0">
+              <a:lnSpc>
+                <a:spcPct val="110000"/>
+              </a:lnSpc>
+              <a:spcBef>
+                <a:spcPts val="0"/>
+              </a:spcBef>
+              <a:buNone/>
+            </a:pPr>
+            <a:r>
+              <a:rPr lang="es-ES" dirty="0"/>
+              <a:t>	editorial = “Oveja Negra”,</a:t>
+            </a:r>
+          </a:p>
+          <a:p>
+            <a:pPr marL="0" indent="0">
+              <a:buNone/>
+            </a:pPr>
+            <a:r>
+              <a:rPr lang="es-ES" dirty="0"/>
+              <a:t>};</a:t>
+            </a:r>
+          </a:p>
+          <a:p>
+            <a:pPr marL="0" indent="0">
+              <a:buNone/>
+            </a:pPr>
+            <a:endParaRPr lang="es-CO" dirty="0"/>
+          </a:p>
+        </p:txBody>
+      </p:sp>
+    </p:spTree>
+    <p:extLst>
+      <p:ext uri="{BB962C8B-B14F-4D97-AF65-F5344CB8AC3E}">
+        <p14:creationId xmlns:p14="http://schemas.microsoft.com/office/powerpoint/2010/main" val="1924670140"/>
       </p:ext>
     </p:extLst>
   </p:cSld>
